--- a/Junior_下書き.pptx
+++ b/Junior_下書き.pptx
@@ -6,13 +6,17 @@
     <p:sldMasterId id="2147483650" r:id="rId2"/>
   </p:sldMasterIdLst>
   <p:notesMasterIdLst>
-    <p:notesMasterId r:id="rId4"/>
+    <p:notesMasterId r:id="rId8"/>
   </p:notesMasterIdLst>
   <p:handoutMasterIdLst>
-    <p:handoutMasterId r:id="rId5"/>
+    <p:handoutMasterId r:id="rId9"/>
   </p:handoutMasterIdLst>
   <p:sldIdLst>
     <p:sldId id="256" r:id="rId3"/>
+    <p:sldId id="262" r:id="rId4"/>
+    <p:sldId id="266" r:id="rId5"/>
+    <p:sldId id="267" r:id="rId6"/>
+    <p:sldId id="271" r:id="rId7"/>
   </p:sldIdLst>
   <p:sldSz cx="9144000" cy="6858000" type="screen4x3"/>
   <p:notesSz cx="6858000" cy="9144000"/>
@@ -156,6 +160,9 @@
         </p15:guide>
       </p15:sldGuideLst>
     </p:ext>
+    <p:ext uri="{2D200454-40CA-4A62-9FC3-DE9A4176ACB9}">
+      <p15:notesGuideLst xmlns:p15="http://schemas.microsoft.com/office/powerpoint/2012/main"/>
+    </p:ext>
   </p:extLst>
 </p:presentation>
 </file>
@@ -270,7 +277,7 @@
               <a:pPr>
                 <a:defRPr/>
               </a:pPr>
-              <a:t>2018/12/30</a:t>
+              <a:t>2019/1/7</a:t>
             </a:fld>
             <a:endParaRPr lang="ja-JP" altLang="en-US"/>
           </a:p>
@@ -518,7 +525,7 @@
             </a:extLst>
           </p:cNvPr>
           <p:cNvSpPr>
-            <a:spLocks noRot="1" noChangeArrowheads="1" noTextEdit="1"/>
+            <a:spLocks noGrp="1" noRot="1" noChangeAspect="1" noChangeArrowheads="1" noTextEdit="1"/>
           </p:cNvSpPr>
           <p:nvPr>
             <p:ph type="sldImg" idx="2"/>
@@ -1118,7 +1125,7 @@
             </a:extLst>
           </p:cNvPr>
           <p:cNvSpPr>
-            <a:spLocks noRot="1" noChangeArrowheads="1" noTextEdit="1"/>
+            <a:spLocks noGrp="1" noRot="1" noChangeAspect="1" noChangeArrowheads="1" noTextEdit="1"/>
           </p:cNvSpPr>
           <p:nvPr>
             <p:ph type="sldImg"/>
@@ -7075,6 +7082,7476 @@
         </p:txBody>
       </p:sp>
     </p:spTree>
+  </p:cSld>
+  <p:clrMapOvr>
+    <a:masterClrMapping/>
+  </p:clrMapOvr>
+</p:sld>
+</file>
+
+<file path=ppt/slides/slide2.xml><?xml version="1.0" encoding="utf-8"?>
+<p:sld xmlns:a="http://schemas.openxmlformats.org/drawingml/2006/main" xmlns:r="http://schemas.openxmlformats.org/officeDocument/2006/relationships" xmlns:p="http://schemas.openxmlformats.org/presentationml/2006/main">
+  <p:cSld>
+    <p:spTree>
+      <p:nvGrpSpPr>
+        <p:cNvPr id="1" name=""/>
+        <p:cNvGrpSpPr/>
+        <p:nvPr/>
+      </p:nvGrpSpPr>
+      <p:grpSpPr>
+        <a:xfrm>
+          <a:off x="0" y="0"/>
+          <a:ext cx="0" cy="0"/>
+          <a:chOff x="0" y="0"/>
+          <a:chExt cx="0" cy="0"/>
+        </a:xfrm>
+      </p:grpSpPr>
+      <p:sp>
+        <p:nvSpPr>
+          <p:cNvPr id="10242" name="タイトル 1"/>
+          <p:cNvSpPr>
+            <a:spLocks noGrp="1"/>
+          </p:cNvSpPr>
+          <p:nvPr>
+            <p:ph type="title"/>
+          </p:nvPr>
+        </p:nvSpPr>
+        <p:spPr/>
+        <p:txBody>
+          <a:bodyPr/>
+          <a:lstStyle/>
+          <a:p>
+            <a:r>
+              <a:rPr lang="ja-JP" altLang="en-US"/>
+              <a:t>ファジィ（</a:t>
+            </a:r>
+            <a:r>
+              <a:rPr lang="en-US" altLang="ja-JP"/>
+              <a:t>Fuzzy</a:t>
+            </a:r>
+            <a:r>
+              <a:rPr lang="ja-JP" altLang="en-US"/>
+              <a:t>）</a:t>
+            </a:r>
+          </a:p>
+        </p:txBody>
+      </p:sp>
+      <p:sp>
+        <p:nvSpPr>
+          <p:cNvPr id="3" name="スマイル 2"/>
+          <p:cNvSpPr/>
+          <p:nvPr/>
+        </p:nvSpPr>
+        <p:spPr>
+          <a:xfrm>
+            <a:off x="644525" y="2325633"/>
+            <a:ext cx="1184275" cy="838200"/>
+          </a:xfrm>
+          <a:prstGeom prst="smileyFace">
+            <a:avLst/>
+          </a:prstGeom>
+        </p:spPr>
+        <p:style>
+          <a:lnRef idx="2">
+            <a:schemeClr val="accent1">
+              <a:shade val="50000"/>
+            </a:schemeClr>
+          </a:lnRef>
+          <a:fillRef idx="1">
+            <a:schemeClr val="accent1"/>
+          </a:fillRef>
+          <a:effectRef idx="0">
+            <a:schemeClr val="accent1"/>
+          </a:effectRef>
+          <a:fontRef idx="minor">
+            <a:schemeClr val="lt1"/>
+          </a:fontRef>
+        </p:style>
+        <p:txBody>
+          <a:bodyPr anchor="ctr"/>
+          <a:lstStyle/>
+          <a:p>
+            <a:pPr algn="ctr">
+              <a:defRPr/>
+            </a:pPr>
+            <a:endParaRPr lang="ja-JP" altLang="en-US"/>
+          </a:p>
+        </p:txBody>
+      </p:sp>
+      <p:sp>
+        <p:nvSpPr>
+          <p:cNvPr id="4" name="テキスト ボックス 7"/>
+          <p:cNvSpPr txBox="1">
+            <a:spLocks noChangeArrowheads="1"/>
+          </p:cNvSpPr>
+          <p:nvPr/>
+        </p:nvSpPr>
+        <p:spPr bwMode="auto">
+          <a:xfrm>
+            <a:off x="304800" y="1371600"/>
+            <a:ext cx="1066800" cy="368300"/>
+          </a:xfrm>
+          <a:prstGeom prst="rect">
+            <a:avLst/>
+          </a:prstGeom>
+          <a:noFill/>
+          <a:ln w="9525">
+            <a:solidFill>
+              <a:srgbClr val="000000"/>
+            </a:solidFill>
+            <a:miter lim="800000"/>
+            <a:headEnd/>
+            <a:tailEnd/>
+          </a:ln>
+          <a:extLst>
+            <a:ext uri="{909E8E84-426E-40DD-AFC4-6F175D3DCCD1}">
+              <a14:hiddenFill xmlns:a14="http://schemas.microsoft.com/office/drawing/2010/main">
+                <a:solidFill>
+                  <a:srgbClr val="FFFFFF"/>
+                </a:solidFill>
+              </a14:hiddenFill>
+            </a:ext>
+          </a:extLst>
+        </p:spPr>
+        <p:txBody>
+          <a:bodyPr wrap="square">
+            <a:spAutoFit/>
+          </a:bodyPr>
+          <a:lstStyle>
+            <a:lvl1pPr>
+              <a:defRPr kumimoji="1">
+                <a:solidFill>
+                  <a:schemeClr val="tx1"/>
+                </a:solidFill>
+                <a:latin typeface="Arial" panose="020B0604020202020204" pitchFamily="34" charset="0"/>
+                <a:ea typeface="ＭＳ Ｐゴシック" panose="020B0600070205080204" pitchFamily="50" charset="-128"/>
+              </a:defRPr>
+            </a:lvl1pPr>
+            <a:lvl2pPr marL="742950" indent="-285750">
+              <a:defRPr kumimoji="1">
+                <a:solidFill>
+                  <a:schemeClr val="tx1"/>
+                </a:solidFill>
+                <a:latin typeface="Arial" panose="020B0604020202020204" pitchFamily="34" charset="0"/>
+                <a:ea typeface="ＭＳ Ｐゴシック" panose="020B0600070205080204" pitchFamily="50" charset="-128"/>
+              </a:defRPr>
+            </a:lvl2pPr>
+            <a:lvl3pPr marL="1143000" indent="-228600">
+              <a:defRPr kumimoji="1">
+                <a:solidFill>
+                  <a:schemeClr val="tx1"/>
+                </a:solidFill>
+                <a:latin typeface="Arial" panose="020B0604020202020204" pitchFamily="34" charset="0"/>
+                <a:ea typeface="ＭＳ Ｐゴシック" panose="020B0600070205080204" pitchFamily="50" charset="-128"/>
+              </a:defRPr>
+            </a:lvl3pPr>
+            <a:lvl4pPr marL="1600200" indent="-228600">
+              <a:defRPr kumimoji="1">
+                <a:solidFill>
+                  <a:schemeClr val="tx1"/>
+                </a:solidFill>
+                <a:latin typeface="Arial" panose="020B0604020202020204" pitchFamily="34" charset="0"/>
+                <a:ea typeface="ＭＳ Ｐゴシック" panose="020B0600070205080204" pitchFamily="50" charset="-128"/>
+              </a:defRPr>
+            </a:lvl4pPr>
+            <a:lvl5pPr marL="2057400" indent="-228600">
+              <a:defRPr kumimoji="1">
+                <a:solidFill>
+                  <a:schemeClr val="tx1"/>
+                </a:solidFill>
+                <a:latin typeface="Arial" panose="020B0604020202020204" pitchFamily="34" charset="0"/>
+                <a:ea typeface="ＭＳ Ｐゴシック" panose="020B0600070205080204" pitchFamily="50" charset="-128"/>
+              </a:defRPr>
+            </a:lvl5pPr>
+            <a:lvl6pPr marL="2514600" indent="-228600" eaLnBrk="0" fontAlgn="base" hangingPunct="0">
+              <a:spcBef>
+                <a:spcPct val="0"/>
+              </a:spcBef>
+              <a:spcAft>
+                <a:spcPct val="0"/>
+              </a:spcAft>
+              <a:defRPr kumimoji="1">
+                <a:solidFill>
+                  <a:schemeClr val="tx1"/>
+                </a:solidFill>
+                <a:latin typeface="Arial" panose="020B0604020202020204" pitchFamily="34" charset="0"/>
+                <a:ea typeface="ＭＳ Ｐゴシック" panose="020B0600070205080204" pitchFamily="50" charset="-128"/>
+              </a:defRPr>
+            </a:lvl6pPr>
+            <a:lvl7pPr marL="2971800" indent="-228600" eaLnBrk="0" fontAlgn="base" hangingPunct="0">
+              <a:spcBef>
+                <a:spcPct val="0"/>
+              </a:spcBef>
+              <a:spcAft>
+                <a:spcPct val="0"/>
+              </a:spcAft>
+              <a:defRPr kumimoji="1">
+                <a:solidFill>
+                  <a:schemeClr val="tx1"/>
+                </a:solidFill>
+                <a:latin typeface="Arial" panose="020B0604020202020204" pitchFamily="34" charset="0"/>
+                <a:ea typeface="ＭＳ Ｐゴシック" panose="020B0600070205080204" pitchFamily="50" charset="-128"/>
+              </a:defRPr>
+            </a:lvl7pPr>
+            <a:lvl8pPr marL="3429000" indent="-228600" eaLnBrk="0" fontAlgn="base" hangingPunct="0">
+              <a:spcBef>
+                <a:spcPct val="0"/>
+              </a:spcBef>
+              <a:spcAft>
+                <a:spcPct val="0"/>
+              </a:spcAft>
+              <a:defRPr kumimoji="1">
+                <a:solidFill>
+                  <a:schemeClr val="tx1"/>
+                </a:solidFill>
+                <a:latin typeface="Arial" panose="020B0604020202020204" pitchFamily="34" charset="0"/>
+                <a:ea typeface="ＭＳ Ｐゴシック" panose="020B0600070205080204" pitchFamily="50" charset="-128"/>
+              </a:defRPr>
+            </a:lvl8pPr>
+            <a:lvl9pPr marL="3886200" indent="-228600" eaLnBrk="0" fontAlgn="base" hangingPunct="0">
+              <a:spcBef>
+                <a:spcPct val="0"/>
+              </a:spcBef>
+              <a:spcAft>
+                <a:spcPct val="0"/>
+              </a:spcAft>
+              <a:defRPr kumimoji="1">
+                <a:solidFill>
+                  <a:schemeClr val="tx1"/>
+                </a:solidFill>
+                <a:latin typeface="Arial" panose="020B0604020202020204" pitchFamily="34" charset="0"/>
+                <a:ea typeface="ＭＳ Ｐゴシック" panose="020B0600070205080204" pitchFamily="50" charset="-128"/>
+              </a:defRPr>
+            </a:lvl9pPr>
+          </a:lstStyle>
+          <a:p>
+            <a:r>
+              <a:rPr lang="ja-JP" altLang="en-US" dirty="0"/>
+              <a:t>クリスプ</a:t>
+            </a:r>
+            <a:endParaRPr lang="en-US" altLang="ja-JP" dirty="0"/>
+          </a:p>
+        </p:txBody>
+      </p:sp>
+      <p:sp>
+        <p:nvSpPr>
+          <p:cNvPr id="5" name="テキスト ボックス 7"/>
+          <p:cNvSpPr txBox="1">
+            <a:spLocks noChangeArrowheads="1"/>
+          </p:cNvSpPr>
+          <p:nvPr/>
+        </p:nvSpPr>
+        <p:spPr bwMode="auto">
+          <a:xfrm>
+            <a:off x="644525" y="1848616"/>
+            <a:ext cx="1447800" cy="368300"/>
+          </a:xfrm>
+          <a:prstGeom prst="rect">
+            <a:avLst/>
+          </a:prstGeom>
+          <a:noFill/>
+          <a:ln>
+            <a:noFill/>
+          </a:ln>
+          <a:extLst>
+            <a:ext uri="{909E8E84-426E-40DD-AFC4-6F175D3DCCD1}">
+              <a14:hiddenFill xmlns:a14="http://schemas.microsoft.com/office/drawing/2010/main">
+                <a:solidFill>
+                  <a:srgbClr val="FFFFFF"/>
+                </a:solidFill>
+              </a14:hiddenFill>
+            </a:ext>
+            <a:ext uri="{91240B29-F687-4F45-9708-019B960494DF}">
+              <a14:hiddenLine xmlns:a14="http://schemas.microsoft.com/office/drawing/2010/main" w="9525">
+                <a:solidFill>
+                  <a:srgbClr val="000000"/>
+                </a:solidFill>
+                <a:miter lim="800000"/>
+                <a:headEnd/>
+                <a:tailEnd/>
+              </a14:hiddenLine>
+            </a:ext>
+          </a:extLst>
+        </p:spPr>
+        <p:txBody>
+          <a:bodyPr>
+            <a:spAutoFit/>
+          </a:bodyPr>
+          <a:lstStyle>
+            <a:lvl1pPr>
+              <a:defRPr kumimoji="1">
+                <a:solidFill>
+                  <a:schemeClr val="tx1"/>
+                </a:solidFill>
+                <a:latin typeface="Arial" panose="020B0604020202020204" pitchFamily="34" charset="0"/>
+                <a:ea typeface="ＭＳ Ｐゴシック" panose="020B0600070205080204" pitchFamily="50" charset="-128"/>
+              </a:defRPr>
+            </a:lvl1pPr>
+            <a:lvl2pPr marL="742950" indent="-285750">
+              <a:defRPr kumimoji="1">
+                <a:solidFill>
+                  <a:schemeClr val="tx1"/>
+                </a:solidFill>
+                <a:latin typeface="Arial" panose="020B0604020202020204" pitchFamily="34" charset="0"/>
+                <a:ea typeface="ＭＳ Ｐゴシック" panose="020B0600070205080204" pitchFamily="50" charset="-128"/>
+              </a:defRPr>
+            </a:lvl2pPr>
+            <a:lvl3pPr marL="1143000" indent="-228600">
+              <a:defRPr kumimoji="1">
+                <a:solidFill>
+                  <a:schemeClr val="tx1"/>
+                </a:solidFill>
+                <a:latin typeface="Arial" panose="020B0604020202020204" pitchFamily="34" charset="0"/>
+                <a:ea typeface="ＭＳ Ｐゴシック" panose="020B0600070205080204" pitchFamily="50" charset="-128"/>
+              </a:defRPr>
+            </a:lvl3pPr>
+            <a:lvl4pPr marL="1600200" indent="-228600">
+              <a:defRPr kumimoji="1">
+                <a:solidFill>
+                  <a:schemeClr val="tx1"/>
+                </a:solidFill>
+                <a:latin typeface="Arial" panose="020B0604020202020204" pitchFamily="34" charset="0"/>
+                <a:ea typeface="ＭＳ Ｐゴシック" panose="020B0600070205080204" pitchFamily="50" charset="-128"/>
+              </a:defRPr>
+            </a:lvl4pPr>
+            <a:lvl5pPr marL="2057400" indent="-228600">
+              <a:defRPr kumimoji="1">
+                <a:solidFill>
+                  <a:schemeClr val="tx1"/>
+                </a:solidFill>
+                <a:latin typeface="Arial" panose="020B0604020202020204" pitchFamily="34" charset="0"/>
+                <a:ea typeface="ＭＳ Ｐゴシック" panose="020B0600070205080204" pitchFamily="50" charset="-128"/>
+              </a:defRPr>
+            </a:lvl5pPr>
+            <a:lvl6pPr marL="2514600" indent="-228600" eaLnBrk="0" fontAlgn="base" hangingPunct="0">
+              <a:spcBef>
+                <a:spcPct val="0"/>
+              </a:spcBef>
+              <a:spcAft>
+                <a:spcPct val="0"/>
+              </a:spcAft>
+              <a:defRPr kumimoji="1">
+                <a:solidFill>
+                  <a:schemeClr val="tx1"/>
+                </a:solidFill>
+                <a:latin typeface="Arial" panose="020B0604020202020204" pitchFamily="34" charset="0"/>
+                <a:ea typeface="ＭＳ Ｐゴシック" panose="020B0600070205080204" pitchFamily="50" charset="-128"/>
+              </a:defRPr>
+            </a:lvl6pPr>
+            <a:lvl7pPr marL="2971800" indent="-228600" eaLnBrk="0" fontAlgn="base" hangingPunct="0">
+              <a:spcBef>
+                <a:spcPct val="0"/>
+              </a:spcBef>
+              <a:spcAft>
+                <a:spcPct val="0"/>
+              </a:spcAft>
+              <a:defRPr kumimoji="1">
+                <a:solidFill>
+                  <a:schemeClr val="tx1"/>
+                </a:solidFill>
+                <a:latin typeface="Arial" panose="020B0604020202020204" pitchFamily="34" charset="0"/>
+                <a:ea typeface="ＭＳ Ｐゴシック" panose="020B0600070205080204" pitchFamily="50" charset="-128"/>
+              </a:defRPr>
+            </a:lvl7pPr>
+            <a:lvl8pPr marL="3429000" indent="-228600" eaLnBrk="0" fontAlgn="base" hangingPunct="0">
+              <a:spcBef>
+                <a:spcPct val="0"/>
+              </a:spcBef>
+              <a:spcAft>
+                <a:spcPct val="0"/>
+              </a:spcAft>
+              <a:defRPr kumimoji="1">
+                <a:solidFill>
+                  <a:schemeClr val="tx1"/>
+                </a:solidFill>
+                <a:latin typeface="Arial" panose="020B0604020202020204" pitchFamily="34" charset="0"/>
+                <a:ea typeface="ＭＳ Ｐゴシック" panose="020B0600070205080204" pitchFamily="50" charset="-128"/>
+              </a:defRPr>
+            </a:lvl8pPr>
+            <a:lvl9pPr marL="3886200" indent="-228600" eaLnBrk="0" fontAlgn="base" hangingPunct="0">
+              <a:spcBef>
+                <a:spcPct val="0"/>
+              </a:spcBef>
+              <a:spcAft>
+                <a:spcPct val="0"/>
+              </a:spcAft>
+              <a:defRPr kumimoji="1">
+                <a:solidFill>
+                  <a:schemeClr val="tx1"/>
+                </a:solidFill>
+                <a:latin typeface="Arial" panose="020B0604020202020204" pitchFamily="34" charset="0"/>
+                <a:ea typeface="ＭＳ Ｐゴシック" panose="020B0600070205080204" pitchFamily="50" charset="-128"/>
+              </a:defRPr>
+            </a:lvl9pPr>
+          </a:lstStyle>
+          <a:p>
+            <a:r>
+              <a:rPr lang="ja-JP" altLang="en-US" dirty="0"/>
+              <a:t>「暑い」</a:t>
+            </a:r>
+            <a:endParaRPr lang="en-US" altLang="ja-JP" dirty="0"/>
+          </a:p>
+        </p:txBody>
+      </p:sp>
+      <p:cxnSp>
+        <p:nvCxnSpPr>
+          <p:cNvPr id="6" name="直線矢印コネクタ 5"/>
+          <p:cNvCxnSpPr/>
+          <p:nvPr/>
+        </p:nvCxnSpPr>
+        <p:spPr>
+          <a:xfrm flipV="1">
+            <a:off x="5715000" y="3429000"/>
+            <a:ext cx="0" cy="1600200"/>
+          </a:xfrm>
+          <a:prstGeom prst="straightConnector1">
+            <a:avLst/>
+          </a:prstGeom>
+          <a:ln>
+            <a:tailEnd type="triangle"/>
+          </a:ln>
+        </p:spPr>
+        <p:style>
+          <a:lnRef idx="1">
+            <a:schemeClr val="dk1"/>
+          </a:lnRef>
+          <a:fillRef idx="0">
+            <a:schemeClr val="dk1"/>
+          </a:fillRef>
+          <a:effectRef idx="0">
+            <a:schemeClr val="dk1"/>
+          </a:effectRef>
+          <a:fontRef idx="minor">
+            <a:schemeClr val="tx1"/>
+          </a:fontRef>
+        </p:style>
+      </p:cxnSp>
+      <p:cxnSp>
+        <p:nvCxnSpPr>
+          <p:cNvPr id="8" name="直線矢印コネクタ 7"/>
+          <p:cNvCxnSpPr/>
+          <p:nvPr/>
+        </p:nvCxnSpPr>
+        <p:spPr>
+          <a:xfrm>
+            <a:off x="5715000" y="5029200"/>
+            <a:ext cx="1981200" cy="0"/>
+          </a:xfrm>
+          <a:prstGeom prst="straightConnector1">
+            <a:avLst/>
+          </a:prstGeom>
+          <a:ln>
+            <a:tailEnd type="triangle"/>
+          </a:ln>
+        </p:spPr>
+        <p:style>
+          <a:lnRef idx="1">
+            <a:schemeClr val="dk1"/>
+          </a:lnRef>
+          <a:fillRef idx="0">
+            <a:schemeClr val="dk1"/>
+          </a:fillRef>
+          <a:effectRef idx="0">
+            <a:schemeClr val="dk1"/>
+          </a:effectRef>
+          <a:fontRef idx="minor">
+            <a:schemeClr val="tx1"/>
+          </a:fontRef>
+        </p:style>
+      </p:cxnSp>
+      <p:sp>
+        <p:nvSpPr>
+          <p:cNvPr id="12" name="円弧 11"/>
+          <p:cNvSpPr/>
+          <p:nvPr/>
+        </p:nvSpPr>
+        <p:spPr>
+          <a:xfrm flipH="1">
+            <a:off x="6934200" y="4233918"/>
+            <a:ext cx="1371600" cy="838200"/>
+          </a:xfrm>
+          <a:prstGeom prst="arc">
+            <a:avLst/>
+          </a:prstGeom>
+        </p:spPr>
+        <p:style>
+          <a:lnRef idx="1">
+            <a:schemeClr val="dk1"/>
+          </a:lnRef>
+          <a:fillRef idx="0">
+            <a:schemeClr val="dk1"/>
+          </a:fillRef>
+          <a:effectRef idx="0">
+            <a:schemeClr val="dk1"/>
+          </a:effectRef>
+          <a:fontRef idx="minor">
+            <a:schemeClr val="tx1"/>
+          </a:fontRef>
+        </p:style>
+        <p:txBody>
+          <a:bodyPr rtlCol="0" anchor="ctr"/>
+          <a:lstStyle/>
+          <a:p>
+            <a:pPr algn="ctr"/>
+            <a:endParaRPr kumimoji="1" lang="ja-JP" altLang="en-US" dirty="0"/>
+          </a:p>
+        </p:txBody>
+      </p:sp>
+      <p:sp>
+        <p:nvSpPr>
+          <p:cNvPr id="14" name="円弧 13"/>
+          <p:cNvSpPr/>
+          <p:nvPr/>
+        </p:nvSpPr>
+        <p:spPr>
+          <a:xfrm flipV="1">
+            <a:off x="5562600" y="4191000"/>
+            <a:ext cx="1371600" cy="838200"/>
+          </a:xfrm>
+          <a:prstGeom prst="arc">
+            <a:avLst/>
+          </a:prstGeom>
+        </p:spPr>
+        <p:style>
+          <a:lnRef idx="1">
+            <a:schemeClr val="dk1"/>
+          </a:lnRef>
+          <a:fillRef idx="0">
+            <a:schemeClr val="dk1"/>
+          </a:fillRef>
+          <a:effectRef idx="0">
+            <a:schemeClr val="dk1"/>
+          </a:effectRef>
+          <a:fontRef idx="minor">
+            <a:schemeClr val="tx1"/>
+          </a:fontRef>
+        </p:style>
+        <p:txBody>
+          <a:bodyPr rtlCol="0" anchor="ctr"/>
+          <a:lstStyle/>
+          <a:p>
+            <a:pPr algn="ctr"/>
+            <a:endParaRPr kumimoji="1" lang="ja-JP" altLang="en-US" dirty="0"/>
+          </a:p>
+        </p:txBody>
+      </p:sp>
+      <p:cxnSp>
+        <p:nvCxnSpPr>
+          <p:cNvPr id="15" name="直線矢印コネクタ 14"/>
+          <p:cNvCxnSpPr/>
+          <p:nvPr/>
+        </p:nvCxnSpPr>
+        <p:spPr>
+          <a:xfrm flipV="1">
+            <a:off x="457200" y="3661979"/>
+            <a:ext cx="0" cy="1600200"/>
+          </a:xfrm>
+          <a:prstGeom prst="straightConnector1">
+            <a:avLst/>
+          </a:prstGeom>
+          <a:ln>
+            <a:tailEnd type="triangle"/>
+          </a:ln>
+        </p:spPr>
+        <p:style>
+          <a:lnRef idx="1">
+            <a:schemeClr val="dk1"/>
+          </a:lnRef>
+          <a:fillRef idx="0">
+            <a:schemeClr val="dk1"/>
+          </a:fillRef>
+          <a:effectRef idx="0">
+            <a:schemeClr val="dk1"/>
+          </a:effectRef>
+          <a:fontRef idx="minor">
+            <a:schemeClr val="tx1"/>
+          </a:fontRef>
+        </p:style>
+      </p:cxnSp>
+      <p:cxnSp>
+        <p:nvCxnSpPr>
+          <p:cNvPr id="16" name="直線矢印コネクタ 15"/>
+          <p:cNvCxnSpPr/>
+          <p:nvPr/>
+        </p:nvCxnSpPr>
+        <p:spPr>
+          <a:xfrm>
+            <a:off x="457200" y="5262179"/>
+            <a:ext cx="1981200" cy="0"/>
+          </a:xfrm>
+          <a:prstGeom prst="straightConnector1">
+            <a:avLst/>
+          </a:prstGeom>
+          <a:ln>
+            <a:tailEnd type="triangle"/>
+          </a:ln>
+        </p:spPr>
+        <p:style>
+          <a:lnRef idx="1">
+            <a:schemeClr val="dk1"/>
+          </a:lnRef>
+          <a:fillRef idx="0">
+            <a:schemeClr val="dk1"/>
+          </a:fillRef>
+          <a:effectRef idx="0">
+            <a:schemeClr val="dk1"/>
+          </a:effectRef>
+          <a:fontRef idx="minor">
+            <a:schemeClr val="tx1"/>
+          </a:fontRef>
+        </p:style>
+      </p:cxnSp>
+      <p:cxnSp>
+        <p:nvCxnSpPr>
+          <p:cNvPr id="17" name="直線コネクタ 16"/>
+          <p:cNvCxnSpPr/>
+          <p:nvPr/>
+        </p:nvCxnSpPr>
+        <p:spPr>
+          <a:xfrm>
+            <a:off x="1219200" y="4191000"/>
+            <a:ext cx="1143000" cy="0"/>
+          </a:xfrm>
+          <a:prstGeom prst="line">
+            <a:avLst/>
+          </a:prstGeom>
+        </p:spPr>
+        <p:style>
+          <a:lnRef idx="1">
+            <a:schemeClr val="dk1"/>
+          </a:lnRef>
+          <a:fillRef idx="0">
+            <a:schemeClr val="dk1"/>
+          </a:fillRef>
+          <a:effectRef idx="0">
+            <a:schemeClr val="dk1"/>
+          </a:effectRef>
+          <a:fontRef idx="minor">
+            <a:schemeClr val="tx1"/>
+          </a:fontRef>
+        </p:style>
+      </p:cxnSp>
+      <p:sp>
+        <p:nvSpPr>
+          <p:cNvPr id="18" name="楕円 17"/>
+          <p:cNvSpPr/>
+          <p:nvPr/>
+        </p:nvSpPr>
+        <p:spPr>
+          <a:xfrm>
+            <a:off x="1219200" y="4114800"/>
+            <a:ext cx="152400" cy="152400"/>
+          </a:xfrm>
+          <a:prstGeom prst="ellipse">
+            <a:avLst/>
+          </a:prstGeom>
+          <a:solidFill>
+            <a:schemeClr val="bg1"/>
+          </a:solidFill>
+        </p:spPr>
+        <p:style>
+          <a:lnRef idx="2">
+            <a:schemeClr val="accent1">
+              <a:shade val="50000"/>
+            </a:schemeClr>
+          </a:lnRef>
+          <a:fillRef idx="1">
+            <a:schemeClr val="accent1"/>
+          </a:fillRef>
+          <a:effectRef idx="0">
+            <a:schemeClr val="accent1"/>
+          </a:effectRef>
+          <a:fontRef idx="minor">
+            <a:schemeClr val="lt1"/>
+          </a:fontRef>
+        </p:style>
+        <p:txBody>
+          <a:bodyPr rtlCol="0" anchor="ctr"/>
+          <a:lstStyle/>
+          <a:p>
+            <a:pPr algn="ctr"/>
+            <a:endParaRPr kumimoji="1" lang="ja-JP" altLang="en-US"/>
+          </a:p>
+        </p:txBody>
+      </p:sp>
+      <p:sp>
+        <p:nvSpPr>
+          <p:cNvPr id="20" name="楕円 19"/>
+          <p:cNvSpPr/>
+          <p:nvPr/>
+        </p:nvSpPr>
+        <p:spPr>
+          <a:xfrm>
+            <a:off x="1210770" y="5218167"/>
+            <a:ext cx="152400" cy="152400"/>
+          </a:xfrm>
+          <a:prstGeom prst="ellipse">
+            <a:avLst/>
+          </a:prstGeom>
+          <a:solidFill>
+            <a:schemeClr val="tx1"/>
+          </a:solidFill>
+        </p:spPr>
+        <p:style>
+          <a:lnRef idx="2">
+            <a:schemeClr val="accent1">
+              <a:shade val="50000"/>
+            </a:schemeClr>
+          </a:lnRef>
+          <a:fillRef idx="1">
+            <a:schemeClr val="accent1"/>
+          </a:fillRef>
+          <a:effectRef idx="0">
+            <a:schemeClr val="accent1"/>
+          </a:effectRef>
+          <a:fontRef idx="minor">
+            <a:schemeClr val="lt1"/>
+          </a:fontRef>
+        </p:style>
+        <p:txBody>
+          <a:bodyPr rtlCol="0" anchor="ctr"/>
+          <a:lstStyle/>
+          <a:p>
+            <a:pPr algn="ctr"/>
+            <a:endParaRPr kumimoji="1" lang="ja-JP" altLang="en-US"/>
+          </a:p>
+        </p:txBody>
+      </p:sp>
+      <p:sp>
+        <p:nvSpPr>
+          <p:cNvPr id="21" name="テキスト ボックス 7"/>
+          <p:cNvSpPr txBox="1">
+            <a:spLocks noChangeArrowheads="1"/>
+          </p:cNvSpPr>
+          <p:nvPr/>
+        </p:nvSpPr>
+        <p:spPr bwMode="auto">
+          <a:xfrm>
+            <a:off x="1474076" y="4579883"/>
+            <a:ext cx="1447800" cy="368300"/>
+          </a:xfrm>
+          <a:prstGeom prst="rect">
+            <a:avLst/>
+          </a:prstGeom>
+          <a:noFill/>
+          <a:ln>
+            <a:noFill/>
+          </a:ln>
+          <a:extLst>
+            <a:ext uri="{909E8E84-426E-40DD-AFC4-6F175D3DCCD1}">
+              <a14:hiddenFill xmlns:a14="http://schemas.microsoft.com/office/drawing/2010/main">
+                <a:solidFill>
+                  <a:srgbClr val="FFFFFF"/>
+                </a:solidFill>
+              </a14:hiddenFill>
+            </a:ext>
+            <a:ext uri="{91240B29-F687-4F45-9708-019B960494DF}">
+              <a14:hiddenLine xmlns:a14="http://schemas.microsoft.com/office/drawing/2010/main" w="9525">
+                <a:solidFill>
+                  <a:srgbClr val="000000"/>
+                </a:solidFill>
+                <a:miter lim="800000"/>
+                <a:headEnd/>
+                <a:tailEnd/>
+              </a14:hiddenLine>
+            </a:ext>
+          </a:extLst>
+        </p:spPr>
+        <p:txBody>
+          <a:bodyPr>
+            <a:spAutoFit/>
+          </a:bodyPr>
+          <a:lstStyle>
+            <a:lvl1pPr>
+              <a:defRPr kumimoji="1">
+                <a:solidFill>
+                  <a:schemeClr val="tx1"/>
+                </a:solidFill>
+                <a:latin typeface="Arial" panose="020B0604020202020204" pitchFamily="34" charset="0"/>
+                <a:ea typeface="ＭＳ Ｐゴシック" panose="020B0600070205080204" pitchFamily="50" charset="-128"/>
+              </a:defRPr>
+            </a:lvl1pPr>
+            <a:lvl2pPr marL="742950" indent="-285750">
+              <a:defRPr kumimoji="1">
+                <a:solidFill>
+                  <a:schemeClr val="tx1"/>
+                </a:solidFill>
+                <a:latin typeface="Arial" panose="020B0604020202020204" pitchFamily="34" charset="0"/>
+                <a:ea typeface="ＭＳ Ｐゴシック" panose="020B0600070205080204" pitchFamily="50" charset="-128"/>
+              </a:defRPr>
+            </a:lvl2pPr>
+            <a:lvl3pPr marL="1143000" indent="-228600">
+              <a:defRPr kumimoji="1">
+                <a:solidFill>
+                  <a:schemeClr val="tx1"/>
+                </a:solidFill>
+                <a:latin typeface="Arial" panose="020B0604020202020204" pitchFamily="34" charset="0"/>
+                <a:ea typeface="ＭＳ Ｐゴシック" panose="020B0600070205080204" pitchFamily="50" charset="-128"/>
+              </a:defRPr>
+            </a:lvl3pPr>
+            <a:lvl4pPr marL="1600200" indent="-228600">
+              <a:defRPr kumimoji="1">
+                <a:solidFill>
+                  <a:schemeClr val="tx1"/>
+                </a:solidFill>
+                <a:latin typeface="Arial" panose="020B0604020202020204" pitchFamily="34" charset="0"/>
+                <a:ea typeface="ＭＳ Ｐゴシック" panose="020B0600070205080204" pitchFamily="50" charset="-128"/>
+              </a:defRPr>
+            </a:lvl4pPr>
+            <a:lvl5pPr marL="2057400" indent="-228600">
+              <a:defRPr kumimoji="1">
+                <a:solidFill>
+                  <a:schemeClr val="tx1"/>
+                </a:solidFill>
+                <a:latin typeface="Arial" panose="020B0604020202020204" pitchFamily="34" charset="0"/>
+                <a:ea typeface="ＭＳ Ｐゴシック" panose="020B0600070205080204" pitchFamily="50" charset="-128"/>
+              </a:defRPr>
+            </a:lvl5pPr>
+            <a:lvl6pPr marL="2514600" indent="-228600" eaLnBrk="0" fontAlgn="base" hangingPunct="0">
+              <a:spcBef>
+                <a:spcPct val="0"/>
+              </a:spcBef>
+              <a:spcAft>
+                <a:spcPct val="0"/>
+              </a:spcAft>
+              <a:defRPr kumimoji="1">
+                <a:solidFill>
+                  <a:schemeClr val="tx1"/>
+                </a:solidFill>
+                <a:latin typeface="Arial" panose="020B0604020202020204" pitchFamily="34" charset="0"/>
+                <a:ea typeface="ＭＳ Ｐゴシック" panose="020B0600070205080204" pitchFamily="50" charset="-128"/>
+              </a:defRPr>
+            </a:lvl6pPr>
+            <a:lvl7pPr marL="2971800" indent="-228600" eaLnBrk="0" fontAlgn="base" hangingPunct="0">
+              <a:spcBef>
+                <a:spcPct val="0"/>
+              </a:spcBef>
+              <a:spcAft>
+                <a:spcPct val="0"/>
+              </a:spcAft>
+              <a:defRPr kumimoji="1">
+                <a:solidFill>
+                  <a:schemeClr val="tx1"/>
+                </a:solidFill>
+                <a:latin typeface="Arial" panose="020B0604020202020204" pitchFamily="34" charset="0"/>
+                <a:ea typeface="ＭＳ Ｐゴシック" panose="020B0600070205080204" pitchFamily="50" charset="-128"/>
+              </a:defRPr>
+            </a:lvl7pPr>
+            <a:lvl8pPr marL="3429000" indent="-228600" eaLnBrk="0" fontAlgn="base" hangingPunct="0">
+              <a:spcBef>
+                <a:spcPct val="0"/>
+              </a:spcBef>
+              <a:spcAft>
+                <a:spcPct val="0"/>
+              </a:spcAft>
+              <a:defRPr kumimoji="1">
+                <a:solidFill>
+                  <a:schemeClr val="tx1"/>
+                </a:solidFill>
+                <a:latin typeface="Arial" panose="020B0604020202020204" pitchFamily="34" charset="0"/>
+                <a:ea typeface="ＭＳ Ｐゴシック" panose="020B0600070205080204" pitchFamily="50" charset="-128"/>
+              </a:defRPr>
+            </a:lvl8pPr>
+            <a:lvl9pPr marL="3886200" indent="-228600" eaLnBrk="0" fontAlgn="base" hangingPunct="0">
+              <a:spcBef>
+                <a:spcPct val="0"/>
+              </a:spcBef>
+              <a:spcAft>
+                <a:spcPct val="0"/>
+              </a:spcAft>
+              <a:defRPr kumimoji="1">
+                <a:solidFill>
+                  <a:schemeClr val="tx1"/>
+                </a:solidFill>
+                <a:latin typeface="Arial" panose="020B0604020202020204" pitchFamily="34" charset="0"/>
+                <a:ea typeface="ＭＳ Ｐゴシック" panose="020B0600070205080204" pitchFamily="50" charset="-128"/>
+              </a:defRPr>
+            </a:lvl9pPr>
+          </a:lstStyle>
+          <a:p>
+            <a:r>
+              <a:rPr lang="ja-JP" altLang="en-US" dirty="0"/>
+              <a:t>暑い</a:t>
+            </a:r>
+            <a:endParaRPr lang="en-US" altLang="ja-JP" dirty="0"/>
+          </a:p>
+        </p:txBody>
+      </p:sp>
+      <p:sp>
+        <p:nvSpPr>
+          <p:cNvPr id="22" name="テキスト ボックス 7"/>
+          <p:cNvSpPr txBox="1">
+            <a:spLocks noChangeArrowheads="1"/>
+          </p:cNvSpPr>
+          <p:nvPr/>
+        </p:nvSpPr>
+        <p:spPr bwMode="auto">
+          <a:xfrm>
+            <a:off x="7112876" y="4508720"/>
+            <a:ext cx="1447800" cy="368300"/>
+          </a:xfrm>
+          <a:prstGeom prst="rect">
+            <a:avLst/>
+          </a:prstGeom>
+          <a:noFill/>
+          <a:ln>
+            <a:noFill/>
+          </a:ln>
+          <a:extLst>
+            <a:ext uri="{909E8E84-426E-40DD-AFC4-6F175D3DCCD1}">
+              <a14:hiddenFill xmlns:a14="http://schemas.microsoft.com/office/drawing/2010/main">
+                <a:solidFill>
+                  <a:srgbClr val="FFFFFF"/>
+                </a:solidFill>
+              </a14:hiddenFill>
+            </a:ext>
+            <a:ext uri="{91240B29-F687-4F45-9708-019B960494DF}">
+              <a14:hiddenLine xmlns:a14="http://schemas.microsoft.com/office/drawing/2010/main" w="9525">
+                <a:solidFill>
+                  <a:srgbClr val="000000"/>
+                </a:solidFill>
+                <a:miter lim="800000"/>
+                <a:headEnd/>
+                <a:tailEnd/>
+              </a14:hiddenLine>
+            </a:ext>
+          </a:extLst>
+        </p:spPr>
+        <p:txBody>
+          <a:bodyPr>
+            <a:spAutoFit/>
+          </a:bodyPr>
+          <a:lstStyle>
+            <a:lvl1pPr>
+              <a:defRPr kumimoji="1">
+                <a:solidFill>
+                  <a:schemeClr val="tx1"/>
+                </a:solidFill>
+                <a:latin typeface="Arial" panose="020B0604020202020204" pitchFamily="34" charset="0"/>
+                <a:ea typeface="ＭＳ Ｐゴシック" panose="020B0600070205080204" pitchFamily="50" charset="-128"/>
+              </a:defRPr>
+            </a:lvl1pPr>
+            <a:lvl2pPr marL="742950" indent="-285750">
+              <a:defRPr kumimoji="1">
+                <a:solidFill>
+                  <a:schemeClr val="tx1"/>
+                </a:solidFill>
+                <a:latin typeface="Arial" panose="020B0604020202020204" pitchFamily="34" charset="0"/>
+                <a:ea typeface="ＭＳ Ｐゴシック" panose="020B0600070205080204" pitchFamily="50" charset="-128"/>
+              </a:defRPr>
+            </a:lvl2pPr>
+            <a:lvl3pPr marL="1143000" indent="-228600">
+              <a:defRPr kumimoji="1">
+                <a:solidFill>
+                  <a:schemeClr val="tx1"/>
+                </a:solidFill>
+                <a:latin typeface="Arial" panose="020B0604020202020204" pitchFamily="34" charset="0"/>
+                <a:ea typeface="ＭＳ Ｐゴシック" panose="020B0600070205080204" pitchFamily="50" charset="-128"/>
+              </a:defRPr>
+            </a:lvl3pPr>
+            <a:lvl4pPr marL="1600200" indent="-228600">
+              <a:defRPr kumimoji="1">
+                <a:solidFill>
+                  <a:schemeClr val="tx1"/>
+                </a:solidFill>
+                <a:latin typeface="Arial" panose="020B0604020202020204" pitchFamily="34" charset="0"/>
+                <a:ea typeface="ＭＳ Ｐゴシック" panose="020B0600070205080204" pitchFamily="50" charset="-128"/>
+              </a:defRPr>
+            </a:lvl4pPr>
+            <a:lvl5pPr marL="2057400" indent="-228600">
+              <a:defRPr kumimoji="1">
+                <a:solidFill>
+                  <a:schemeClr val="tx1"/>
+                </a:solidFill>
+                <a:latin typeface="Arial" panose="020B0604020202020204" pitchFamily="34" charset="0"/>
+                <a:ea typeface="ＭＳ Ｐゴシック" panose="020B0600070205080204" pitchFamily="50" charset="-128"/>
+              </a:defRPr>
+            </a:lvl5pPr>
+            <a:lvl6pPr marL="2514600" indent="-228600" eaLnBrk="0" fontAlgn="base" hangingPunct="0">
+              <a:spcBef>
+                <a:spcPct val="0"/>
+              </a:spcBef>
+              <a:spcAft>
+                <a:spcPct val="0"/>
+              </a:spcAft>
+              <a:defRPr kumimoji="1">
+                <a:solidFill>
+                  <a:schemeClr val="tx1"/>
+                </a:solidFill>
+                <a:latin typeface="Arial" panose="020B0604020202020204" pitchFamily="34" charset="0"/>
+                <a:ea typeface="ＭＳ Ｐゴシック" panose="020B0600070205080204" pitchFamily="50" charset="-128"/>
+              </a:defRPr>
+            </a:lvl6pPr>
+            <a:lvl7pPr marL="2971800" indent="-228600" eaLnBrk="0" fontAlgn="base" hangingPunct="0">
+              <a:spcBef>
+                <a:spcPct val="0"/>
+              </a:spcBef>
+              <a:spcAft>
+                <a:spcPct val="0"/>
+              </a:spcAft>
+              <a:defRPr kumimoji="1">
+                <a:solidFill>
+                  <a:schemeClr val="tx1"/>
+                </a:solidFill>
+                <a:latin typeface="Arial" panose="020B0604020202020204" pitchFamily="34" charset="0"/>
+                <a:ea typeface="ＭＳ Ｐゴシック" panose="020B0600070205080204" pitchFamily="50" charset="-128"/>
+              </a:defRPr>
+            </a:lvl7pPr>
+            <a:lvl8pPr marL="3429000" indent="-228600" eaLnBrk="0" fontAlgn="base" hangingPunct="0">
+              <a:spcBef>
+                <a:spcPct val="0"/>
+              </a:spcBef>
+              <a:spcAft>
+                <a:spcPct val="0"/>
+              </a:spcAft>
+              <a:defRPr kumimoji="1">
+                <a:solidFill>
+                  <a:schemeClr val="tx1"/>
+                </a:solidFill>
+                <a:latin typeface="Arial" panose="020B0604020202020204" pitchFamily="34" charset="0"/>
+                <a:ea typeface="ＭＳ Ｐゴシック" panose="020B0600070205080204" pitchFamily="50" charset="-128"/>
+              </a:defRPr>
+            </a:lvl8pPr>
+            <a:lvl9pPr marL="3886200" indent="-228600" eaLnBrk="0" fontAlgn="base" hangingPunct="0">
+              <a:spcBef>
+                <a:spcPct val="0"/>
+              </a:spcBef>
+              <a:spcAft>
+                <a:spcPct val="0"/>
+              </a:spcAft>
+              <a:defRPr kumimoji="1">
+                <a:solidFill>
+                  <a:schemeClr val="tx1"/>
+                </a:solidFill>
+                <a:latin typeface="Arial" panose="020B0604020202020204" pitchFamily="34" charset="0"/>
+                <a:ea typeface="ＭＳ Ｐゴシック" panose="020B0600070205080204" pitchFamily="50" charset="-128"/>
+              </a:defRPr>
+            </a:lvl9pPr>
+          </a:lstStyle>
+          <a:p>
+            <a:r>
+              <a:rPr lang="ja-JP" altLang="en-US" dirty="0"/>
+              <a:t>暑い</a:t>
+            </a:r>
+            <a:endParaRPr lang="en-US" altLang="ja-JP" dirty="0"/>
+          </a:p>
+        </p:txBody>
+      </p:sp>
+      <p:sp>
+        <p:nvSpPr>
+          <p:cNvPr id="23" name="スマイル 22"/>
+          <p:cNvSpPr/>
+          <p:nvPr/>
+        </p:nvSpPr>
+        <p:spPr>
+          <a:xfrm>
+            <a:off x="6237890" y="2315561"/>
+            <a:ext cx="1184275" cy="838200"/>
+          </a:xfrm>
+          <a:prstGeom prst="smileyFace">
+            <a:avLst/>
+          </a:prstGeom>
+        </p:spPr>
+        <p:style>
+          <a:lnRef idx="2">
+            <a:schemeClr val="accent1">
+              <a:shade val="50000"/>
+            </a:schemeClr>
+          </a:lnRef>
+          <a:fillRef idx="1">
+            <a:schemeClr val="accent1"/>
+          </a:fillRef>
+          <a:effectRef idx="0">
+            <a:schemeClr val="accent1"/>
+          </a:effectRef>
+          <a:fontRef idx="minor">
+            <a:schemeClr val="lt1"/>
+          </a:fontRef>
+        </p:style>
+        <p:txBody>
+          <a:bodyPr anchor="ctr"/>
+          <a:lstStyle/>
+          <a:p>
+            <a:pPr algn="ctr">
+              <a:defRPr/>
+            </a:pPr>
+            <a:endParaRPr lang="ja-JP" altLang="en-US"/>
+          </a:p>
+        </p:txBody>
+      </p:sp>
+      <p:sp>
+        <p:nvSpPr>
+          <p:cNvPr id="24" name="テキスト ボックス 7"/>
+          <p:cNvSpPr txBox="1">
+            <a:spLocks noChangeArrowheads="1"/>
+          </p:cNvSpPr>
+          <p:nvPr/>
+        </p:nvSpPr>
+        <p:spPr bwMode="auto">
+          <a:xfrm>
+            <a:off x="5974364" y="1795081"/>
+            <a:ext cx="2255235" cy="369332"/>
+          </a:xfrm>
+          <a:prstGeom prst="rect">
+            <a:avLst/>
+          </a:prstGeom>
+          <a:noFill/>
+          <a:ln>
+            <a:noFill/>
+          </a:ln>
+          <a:extLst>
+            <a:ext uri="{909E8E84-426E-40DD-AFC4-6F175D3DCCD1}">
+              <a14:hiddenFill xmlns:a14="http://schemas.microsoft.com/office/drawing/2010/main">
+                <a:solidFill>
+                  <a:srgbClr val="FFFFFF"/>
+                </a:solidFill>
+              </a14:hiddenFill>
+            </a:ext>
+            <a:ext uri="{91240B29-F687-4F45-9708-019B960494DF}">
+              <a14:hiddenLine xmlns:a14="http://schemas.microsoft.com/office/drawing/2010/main" w="9525">
+                <a:solidFill>
+                  <a:srgbClr val="000000"/>
+                </a:solidFill>
+                <a:miter lim="800000"/>
+                <a:headEnd/>
+                <a:tailEnd/>
+              </a14:hiddenLine>
+            </a:ext>
+          </a:extLst>
+        </p:spPr>
+        <p:txBody>
+          <a:bodyPr wrap="square">
+            <a:spAutoFit/>
+          </a:bodyPr>
+          <a:lstStyle>
+            <a:lvl1pPr>
+              <a:defRPr kumimoji="1">
+                <a:solidFill>
+                  <a:schemeClr val="tx1"/>
+                </a:solidFill>
+                <a:latin typeface="Arial" panose="020B0604020202020204" pitchFamily="34" charset="0"/>
+                <a:ea typeface="ＭＳ Ｐゴシック" panose="020B0600070205080204" pitchFamily="50" charset="-128"/>
+              </a:defRPr>
+            </a:lvl1pPr>
+            <a:lvl2pPr marL="742950" indent="-285750">
+              <a:defRPr kumimoji="1">
+                <a:solidFill>
+                  <a:schemeClr val="tx1"/>
+                </a:solidFill>
+                <a:latin typeface="Arial" panose="020B0604020202020204" pitchFamily="34" charset="0"/>
+                <a:ea typeface="ＭＳ Ｐゴシック" panose="020B0600070205080204" pitchFamily="50" charset="-128"/>
+              </a:defRPr>
+            </a:lvl2pPr>
+            <a:lvl3pPr marL="1143000" indent="-228600">
+              <a:defRPr kumimoji="1">
+                <a:solidFill>
+                  <a:schemeClr val="tx1"/>
+                </a:solidFill>
+                <a:latin typeface="Arial" panose="020B0604020202020204" pitchFamily="34" charset="0"/>
+                <a:ea typeface="ＭＳ Ｐゴシック" panose="020B0600070205080204" pitchFamily="50" charset="-128"/>
+              </a:defRPr>
+            </a:lvl3pPr>
+            <a:lvl4pPr marL="1600200" indent="-228600">
+              <a:defRPr kumimoji="1">
+                <a:solidFill>
+                  <a:schemeClr val="tx1"/>
+                </a:solidFill>
+                <a:latin typeface="Arial" panose="020B0604020202020204" pitchFamily="34" charset="0"/>
+                <a:ea typeface="ＭＳ Ｐゴシック" panose="020B0600070205080204" pitchFamily="50" charset="-128"/>
+              </a:defRPr>
+            </a:lvl4pPr>
+            <a:lvl5pPr marL="2057400" indent="-228600">
+              <a:defRPr kumimoji="1">
+                <a:solidFill>
+                  <a:schemeClr val="tx1"/>
+                </a:solidFill>
+                <a:latin typeface="Arial" panose="020B0604020202020204" pitchFamily="34" charset="0"/>
+                <a:ea typeface="ＭＳ Ｐゴシック" panose="020B0600070205080204" pitchFamily="50" charset="-128"/>
+              </a:defRPr>
+            </a:lvl5pPr>
+            <a:lvl6pPr marL="2514600" indent="-228600" eaLnBrk="0" fontAlgn="base" hangingPunct="0">
+              <a:spcBef>
+                <a:spcPct val="0"/>
+              </a:spcBef>
+              <a:spcAft>
+                <a:spcPct val="0"/>
+              </a:spcAft>
+              <a:defRPr kumimoji="1">
+                <a:solidFill>
+                  <a:schemeClr val="tx1"/>
+                </a:solidFill>
+                <a:latin typeface="Arial" panose="020B0604020202020204" pitchFamily="34" charset="0"/>
+                <a:ea typeface="ＭＳ Ｐゴシック" panose="020B0600070205080204" pitchFamily="50" charset="-128"/>
+              </a:defRPr>
+            </a:lvl6pPr>
+            <a:lvl7pPr marL="2971800" indent="-228600" eaLnBrk="0" fontAlgn="base" hangingPunct="0">
+              <a:spcBef>
+                <a:spcPct val="0"/>
+              </a:spcBef>
+              <a:spcAft>
+                <a:spcPct val="0"/>
+              </a:spcAft>
+              <a:defRPr kumimoji="1">
+                <a:solidFill>
+                  <a:schemeClr val="tx1"/>
+                </a:solidFill>
+                <a:latin typeface="Arial" panose="020B0604020202020204" pitchFamily="34" charset="0"/>
+                <a:ea typeface="ＭＳ Ｐゴシック" panose="020B0600070205080204" pitchFamily="50" charset="-128"/>
+              </a:defRPr>
+            </a:lvl7pPr>
+            <a:lvl8pPr marL="3429000" indent="-228600" eaLnBrk="0" fontAlgn="base" hangingPunct="0">
+              <a:spcBef>
+                <a:spcPct val="0"/>
+              </a:spcBef>
+              <a:spcAft>
+                <a:spcPct val="0"/>
+              </a:spcAft>
+              <a:defRPr kumimoji="1">
+                <a:solidFill>
+                  <a:schemeClr val="tx1"/>
+                </a:solidFill>
+                <a:latin typeface="Arial" panose="020B0604020202020204" pitchFamily="34" charset="0"/>
+                <a:ea typeface="ＭＳ Ｐゴシック" panose="020B0600070205080204" pitchFamily="50" charset="-128"/>
+              </a:defRPr>
+            </a:lvl8pPr>
+            <a:lvl9pPr marL="3886200" indent="-228600" eaLnBrk="0" fontAlgn="base" hangingPunct="0">
+              <a:spcBef>
+                <a:spcPct val="0"/>
+              </a:spcBef>
+              <a:spcAft>
+                <a:spcPct val="0"/>
+              </a:spcAft>
+              <a:defRPr kumimoji="1">
+                <a:solidFill>
+                  <a:schemeClr val="tx1"/>
+                </a:solidFill>
+                <a:latin typeface="Arial" panose="020B0604020202020204" pitchFamily="34" charset="0"/>
+                <a:ea typeface="ＭＳ Ｐゴシック" panose="020B0600070205080204" pitchFamily="50" charset="-128"/>
+              </a:defRPr>
+            </a:lvl9pPr>
+          </a:lstStyle>
+          <a:p>
+            <a:r>
+              <a:rPr lang="ja-JP" altLang="en-US" dirty="0"/>
+              <a:t>「暑い」　：　</a:t>
+            </a:r>
+            <a:r>
+              <a:rPr lang="en-US" altLang="ja-JP" dirty="0"/>
+              <a:t>80</a:t>
+            </a:r>
+            <a:r>
+              <a:rPr lang="ja-JP" altLang="en-US" dirty="0"/>
+              <a:t>％</a:t>
+            </a:r>
+            <a:endParaRPr lang="en-US" altLang="ja-JP" dirty="0"/>
+          </a:p>
+        </p:txBody>
+      </p:sp>
+      <p:sp>
+        <p:nvSpPr>
+          <p:cNvPr id="25" name="テキスト ボックス 7"/>
+          <p:cNvSpPr txBox="1">
+            <a:spLocks noChangeArrowheads="1"/>
+          </p:cNvSpPr>
+          <p:nvPr/>
+        </p:nvSpPr>
+        <p:spPr bwMode="auto">
+          <a:xfrm>
+            <a:off x="3429000" y="4187714"/>
+            <a:ext cx="1447800" cy="368300"/>
+          </a:xfrm>
+          <a:prstGeom prst="rect">
+            <a:avLst/>
+          </a:prstGeom>
+          <a:noFill/>
+          <a:ln>
+            <a:noFill/>
+          </a:ln>
+          <a:extLst>
+            <a:ext uri="{909E8E84-426E-40DD-AFC4-6F175D3DCCD1}">
+              <a14:hiddenFill xmlns:a14="http://schemas.microsoft.com/office/drawing/2010/main">
+                <a:solidFill>
+                  <a:srgbClr val="FFFFFF"/>
+                </a:solidFill>
+              </a14:hiddenFill>
+            </a:ext>
+            <a:ext uri="{91240B29-F687-4F45-9708-019B960494DF}">
+              <a14:hiddenLine xmlns:a14="http://schemas.microsoft.com/office/drawing/2010/main" w="9525">
+                <a:solidFill>
+                  <a:srgbClr val="000000"/>
+                </a:solidFill>
+                <a:miter lim="800000"/>
+                <a:headEnd/>
+                <a:tailEnd/>
+              </a14:hiddenLine>
+            </a:ext>
+          </a:extLst>
+        </p:spPr>
+        <p:txBody>
+          <a:bodyPr>
+            <a:spAutoFit/>
+          </a:bodyPr>
+          <a:lstStyle>
+            <a:lvl1pPr>
+              <a:defRPr kumimoji="1">
+                <a:solidFill>
+                  <a:schemeClr val="tx1"/>
+                </a:solidFill>
+                <a:latin typeface="Arial" panose="020B0604020202020204" pitchFamily="34" charset="0"/>
+                <a:ea typeface="ＭＳ Ｐゴシック" panose="020B0600070205080204" pitchFamily="50" charset="-128"/>
+              </a:defRPr>
+            </a:lvl1pPr>
+            <a:lvl2pPr marL="742950" indent="-285750">
+              <a:defRPr kumimoji="1">
+                <a:solidFill>
+                  <a:schemeClr val="tx1"/>
+                </a:solidFill>
+                <a:latin typeface="Arial" panose="020B0604020202020204" pitchFamily="34" charset="0"/>
+                <a:ea typeface="ＭＳ Ｐゴシック" panose="020B0600070205080204" pitchFamily="50" charset="-128"/>
+              </a:defRPr>
+            </a:lvl2pPr>
+            <a:lvl3pPr marL="1143000" indent="-228600">
+              <a:defRPr kumimoji="1">
+                <a:solidFill>
+                  <a:schemeClr val="tx1"/>
+                </a:solidFill>
+                <a:latin typeface="Arial" panose="020B0604020202020204" pitchFamily="34" charset="0"/>
+                <a:ea typeface="ＭＳ Ｐゴシック" panose="020B0600070205080204" pitchFamily="50" charset="-128"/>
+              </a:defRPr>
+            </a:lvl3pPr>
+            <a:lvl4pPr marL="1600200" indent="-228600">
+              <a:defRPr kumimoji="1">
+                <a:solidFill>
+                  <a:schemeClr val="tx1"/>
+                </a:solidFill>
+                <a:latin typeface="Arial" panose="020B0604020202020204" pitchFamily="34" charset="0"/>
+                <a:ea typeface="ＭＳ Ｐゴシック" panose="020B0600070205080204" pitchFamily="50" charset="-128"/>
+              </a:defRPr>
+            </a:lvl4pPr>
+            <a:lvl5pPr marL="2057400" indent="-228600">
+              <a:defRPr kumimoji="1">
+                <a:solidFill>
+                  <a:schemeClr val="tx1"/>
+                </a:solidFill>
+                <a:latin typeface="Arial" panose="020B0604020202020204" pitchFamily="34" charset="0"/>
+                <a:ea typeface="ＭＳ Ｐゴシック" panose="020B0600070205080204" pitchFamily="50" charset="-128"/>
+              </a:defRPr>
+            </a:lvl5pPr>
+            <a:lvl6pPr marL="2514600" indent="-228600" eaLnBrk="0" fontAlgn="base" hangingPunct="0">
+              <a:spcBef>
+                <a:spcPct val="0"/>
+              </a:spcBef>
+              <a:spcAft>
+                <a:spcPct val="0"/>
+              </a:spcAft>
+              <a:defRPr kumimoji="1">
+                <a:solidFill>
+                  <a:schemeClr val="tx1"/>
+                </a:solidFill>
+                <a:latin typeface="Arial" panose="020B0604020202020204" pitchFamily="34" charset="0"/>
+                <a:ea typeface="ＭＳ Ｐゴシック" panose="020B0600070205080204" pitchFamily="50" charset="-128"/>
+              </a:defRPr>
+            </a:lvl6pPr>
+            <a:lvl7pPr marL="2971800" indent="-228600" eaLnBrk="0" fontAlgn="base" hangingPunct="0">
+              <a:spcBef>
+                <a:spcPct val="0"/>
+              </a:spcBef>
+              <a:spcAft>
+                <a:spcPct val="0"/>
+              </a:spcAft>
+              <a:defRPr kumimoji="1">
+                <a:solidFill>
+                  <a:schemeClr val="tx1"/>
+                </a:solidFill>
+                <a:latin typeface="Arial" panose="020B0604020202020204" pitchFamily="34" charset="0"/>
+                <a:ea typeface="ＭＳ Ｐゴシック" panose="020B0600070205080204" pitchFamily="50" charset="-128"/>
+              </a:defRPr>
+            </a:lvl7pPr>
+            <a:lvl8pPr marL="3429000" indent="-228600" eaLnBrk="0" fontAlgn="base" hangingPunct="0">
+              <a:spcBef>
+                <a:spcPct val="0"/>
+              </a:spcBef>
+              <a:spcAft>
+                <a:spcPct val="0"/>
+              </a:spcAft>
+              <a:defRPr kumimoji="1">
+                <a:solidFill>
+                  <a:schemeClr val="tx1"/>
+                </a:solidFill>
+                <a:latin typeface="Arial" panose="020B0604020202020204" pitchFamily="34" charset="0"/>
+                <a:ea typeface="ＭＳ Ｐゴシック" panose="020B0600070205080204" pitchFamily="50" charset="-128"/>
+              </a:defRPr>
+            </a:lvl8pPr>
+            <a:lvl9pPr marL="3886200" indent="-228600" eaLnBrk="0" fontAlgn="base" hangingPunct="0">
+              <a:spcBef>
+                <a:spcPct val="0"/>
+              </a:spcBef>
+              <a:spcAft>
+                <a:spcPct val="0"/>
+              </a:spcAft>
+              <a:defRPr kumimoji="1">
+                <a:solidFill>
+                  <a:schemeClr val="tx1"/>
+                </a:solidFill>
+                <a:latin typeface="Arial" panose="020B0604020202020204" pitchFamily="34" charset="0"/>
+                <a:ea typeface="ＭＳ Ｐゴシック" panose="020B0600070205080204" pitchFamily="50" charset="-128"/>
+              </a:defRPr>
+            </a:lvl9pPr>
+          </a:lstStyle>
+          <a:p>
+            <a:r>
+              <a:rPr lang="ja-JP" altLang="en-US" dirty="0"/>
+              <a:t>気温：</a:t>
+            </a:r>
+            <a:r>
+              <a:rPr lang="en-US" altLang="ja-JP" dirty="0"/>
+              <a:t>26</a:t>
+            </a:r>
+            <a:r>
+              <a:rPr lang="ja-JP" altLang="en-US" dirty="0"/>
+              <a:t>℃</a:t>
+            </a:r>
+            <a:endParaRPr lang="en-US" altLang="ja-JP" dirty="0"/>
+          </a:p>
+        </p:txBody>
+      </p:sp>
+      <p:sp>
+        <p:nvSpPr>
+          <p:cNvPr id="26" name="テキスト ボックス 7"/>
+          <p:cNvSpPr txBox="1">
+            <a:spLocks noChangeArrowheads="1"/>
+          </p:cNvSpPr>
+          <p:nvPr/>
+        </p:nvSpPr>
+        <p:spPr bwMode="auto">
+          <a:xfrm>
+            <a:off x="4610100" y="1366563"/>
+            <a:ext cx="1066800" cy="368300"/>
+          </a:xfrm>
+          <a:prstGeom prst="rect">
+            <a:avLst/>
+          </a:prstGeom>
+          <a:noFill/>
+          <a:ln w="9525">
+            <a:solidFill>
+              <a:srgbClr val="000000"/>
+            </a:solidFill>
+            <a:miter lim="800000"/>
+            <a:headEnd/>
+            <a:tailEnd/>
+          </a:ln>
+          <a:extLst>
+            <a:ext uri="{909E8E84-426E-40DD-AFC4-6F175D3DCCD1}">
+              <a14:hiddenFill xmlns:a14="http://schemas.microsoft.com/office/drawing/2010/main">
+                <a:solidFill>
+                  <a:srgbClr val="FFFFFF"/>
+                </a:solidFill>
+              </a14:hiddenFill>
+            </a:ext>
+          </a:extLst>
+        </p:spPr>
+        <p:txBody>
+          <a:bodyPr wrap="square">
+            <a:spAutoFit/>
+          </a:bodyPr>
+          <a:lstStyle>
+            <a:lvl1pPr>
+              <a:defRPr kumimoji="1">
+                <a:solidFill>
+                  <a:schemeClr val="tx1"/>
+                </a:solidFill>
+                <a:latin typeface="Arial" panose="020B0604020202020204" pitchFamily="34" charset="0"/>
+                <a:ea typeface="ＭＳ Ｐゴシック" panose="020B0600070205080204" pitchFamily="50" charset="-128"/>
+              </a:defRPr>
+            </a:lvl1pPr>
+            <a:lvl2pPr marL="742950" indent="-285750">
+              <a:defRPr kumimoji="1">
+                <a:solidFill>
+                  <a:schemeClr val="tx1"/>
+                </a:solidFill>
+                <a:latin typeface="Arial" panose="020B0604020202020204" pitchFamily="34" charset="0"/>
+                <a:ea typeface="ＭＳ Ｐゴシック" panose="020B0600070205080204" pitchFamily="50" charset="-128"/>
+              </a:defRPr>
+            </a:lvl2pPr>
+            <a:lvl3pPr marL="1143000" indent="-228600">
+              <a:defRPr kumimoji="1">
+                <a:solidFill>
+                  <a:schemeClr val="tx1"/>
+                </a:solidFill>
+                <a:latin typeface="Arial" panose="020B0604020202020204" pitchFamily="34" charset="0"/>
+                <a:ea typeface="ＭＳ Ｐゴシック" panose="020B0600070205080204" pitchFamily="50" charset="-128"/>
+              </a:defRPr>
+            </a:lvl3pPr>
+            <a:lvl4pPr marL="1600200" indent="-228600">
+              <a:defRPr kumimoji="1">
+                <a:solidFill>
+                  <a:schemeClr val="tx1"/>
+                </a:solidFill>
+                <a:latin typeface="Arial" panose="020B0604020202020204" pitchFamily="34" charset="0"/>
+                <a:ea typeface="ＭＳ Ｐゴシック" panose="020B0600070205080204" pitchFamily="50" charset="-128"/>
+              </a:defRPr>
+            </a:lvl4pPr>
+            <a:lvl5pPr marL="2057400" indent="-228600">
+              <a:defRPr kumimoji="1">
+                <a:solidFill>
+                  <a:schemeClr val="tx1"/>
+                </a:solidFill>
+                <a:latin typeface="Arial" panose="020B0604020202020204" pitchFamily="34" charset="0"/>
+                <a:ea typeface="ＭＳ Ｐゴシック" panose="020B0600070205080204" pitchFamily="50" charset="-128"/>
+              </a:defRPr>
+            </a:lvl5pPr>
+            <a:lvl6pPr marL="2514600" indent="-228600" eaLnBrk="0" fontAlgn="base" hangingPunct="0">
+              <a:spcBef>
+                <a:spcPct val="0"/>
+              </a:spcBef>
+              <a:spcAft>
+                <a:spcPct val="0"/>
+              </a:spcAft>
+              <a:defRPr kumimoji="1">
+                <a:solidFill>
+                  <a:schemeClr val="tx1"/>
+                </a:solidFill>
+                <a:latin typeface="Arial" panose="020B0604020202020204" pitchFamily="34" charset="0"/>
+                <a:ea typeface="ＭＳ Ｐゴシック" panose="020B0600070205080204" pitchFamily="50" charset="-128"/>
+              </a:defRPr>
+            </a:lvl6pPr>
+            <a:lvl7pPr marL="2971800" indent="-228600" eaLnBrk="0" fontAlgn="base" hangingPunct="0">
+              <a:spcBef>
+                <a:spcPct val="0"/>
+              </a:spcBef>
+              <a:spcAft>
+                <a:spcPct val="0"/>
+              </a:spcAft>
+              <a:defRPr kumimoji="1">
+                <a:solidFill>
+                  <a:schemeClr val="tx1"/>
+                </a:solidFill>
+                <a:latin typeface="Arial" panose="020B0604020202020204" pitchFamily="34" charset="0"/>
+                <a:ea typeface="ＭＳ Ｐゴシック" panose="020B0600070205080204" pitchFamily="50" charset="-128"/>
+              </a:defRPr>
+            </a:lvl7pPr>
+            <a:lvl8pPr marL="3429000" indent="-228600" eaLnBrk="0" fontAlgn="base" hangingPunct="0">
+              <a:spcBef>
+                <a:spcPct val="0"/>
+              </a:spcBef>
+              <a:spcAft>
+                <a:spcPct val="0"/>
+              </a:spcAft>
+              <a:defRPr kumimoji="1">
+                <a:solidFill>
+                  <a:schemeClr val="tx1"/>
+                </a:solidFill>
+                <a:latin typeface="Arial" panose="020B0604020202020204" pitchFamily="34" charset="0"/>
+                <a:ea typeface="ＭＳ Ｐゴシック" panose="020B0600070205080204" pitchFamily="50" charset="-128"/>
+              </a:defRPr>
+            </a:lvl8pPr>
+            <a:lvl9pPr marL="3886200" indent="-228600" eaLnBrk="0" fontAlgn="base" hangingPunct="0">
+              <a:spcBef>
+                <a:spcPct val="0"/>
+              </a:spcBef>
+              <a:spcAft>
+                <a:spcPct val="0"/>
+              </a:spcAft>
+              <a:defRPr kumimoji="1">
+                <a:solidFill>
+                  <a:schemeClr val="tx1"/>
+                </a:solidFill>
+                <a:latin typeface="Arial" panose="020B0604020202020204" pitchFamily="34" charset="0"/>
+                <a:ea typeface="ＭＳ Ｐゴシック" panose="020B0600070205080204" pitchFamily="50" charset="-128"/>
+              </a:defRPr>
+            </a:lvl9pPr>
+          </a:lstStyle>
+          <a:p>
+            <a:r>
+              <a:rPr lang="ja-JP" altLang="en-US" dirty="0"/>
+              <a:t>ファジィ</a:t>
+            </a:r>
+            <a:endParaRPr lang="en-US" altLang="ja-JP" dirty="0"/>
+          </a:p>
+        </p:txBody>
+      </p:sp>
+      <p:sp>
+        <p:nvSpPr>
+          <p:cNvPr id="27" name="テキスト ボックス 7"/>
+          <p:cNvSpPr txBox="1">
+            <a:spLocks noChangeArrowheads="1"/>
+          </p:cNvSpPr>
+          <p:nvPr/>
+        </p:nvSpPr>
+        <p:spPr bwMode="auto">
+          <a:xfrm>
+            <a:off x="2590800" y="5824482"/>
+            <a:ext cx="3505200" cy="369332"/>
+          </a:xfrm>
+          <a:prstGeom prst="rect">
+            <a:avLst/>
+          </a:prstGeom>
+          <a:noFill/>
+          <a:ln>
+            <a:noFill/>
+          </a:ln>
+          <a:extLst>
+            <a:ext uri="{909E8E84-426E-40DD-AFC4-6F175D3DCCD1}">
+              <a14:hiddenFill xmlns:a14="http://schemas.microsoft.com/office/drawing/2010/main">
+                <a:solidFill>
+                  <a:srgbClr val="FFFFFF"/>
+                </a:solidFill>
+              </a14:hiddenFill>
+            </a:ext>
+            <a:ext uri="{91240B29-F687-4F45-9708-019B960494DF}">
+              <a14:hiddenLine xmlns:a14="http://schemas.microsoft.com/office/drawing/2010/main" w="9525">
+                <a:solidFill>
+                  <a:srgbClr val="000000"/>
+                </a:solidFill>
+                <a:miter lim="800000"/>
+                <a:headEnd/>
+                <a:tailEnd/>
+              </a14:hiddenLine>
+            </a:ext>
+          </a:extLst>
+        </p:spPr>
+        <p:txBody>
+          <a:bodyPr wrap="square">
+            <a:spAutoFit/>
+          </a:bodyPr>
+          <a:lstStyle>
+            <a:lvl1pPr>
+              <a:defRPr kumimoji="1">
+                <a:solidFill>
+                  <a:schemeClr val="tx1"/>
+                </a:solidFill>
+                <a:latin typeface="Arial" panose="020B0604020202020204" pitchFamily="34" charset="0"/>
+                <a:ea typeface="ＭＳ Ｐゴシック" panose="020B0600070205080204" pitchFamily="50" charset="-128"/>
+              </a:defRPr>
+            </a:lvl1pPr>
+            <a:lvl2pPr marL="742950" indent="-285750">
+              <a:defRPr kumimoji="1">
+                <a:solidFill>
+                  <a:schemeClr val="tx1"/>
+                </a:solidFill>
+                <a:latin typeface="Arial" panose="020B0604020202020204" pitchFamily="34" charset="0"/>
+                <a:ea typeface="ＭＳ Ｐゴシック" panose="020B0600070205080204" pitchFamily="50" charset="-128"/>
+              </a:defRPr>
+            </a:lvl2pPr>
+            <a:lvl3pPr marL="1143000" indent="-228600">
+              <a:defRPr kumimoji="1">
+                <a:solidFill>
+                  <a:schemeClr val="tx1"/>
+                </a:solidFill>
+                <a:latin typeface="Arial" panose="020B0604020202020204" pitchFamily="34" charset="0"/>
+                <a:ea typeface="ＭＳ Ｐゴシック" panose="020B0600070205080204" pitchFamily="50" charset="-128"/>
+              </a:defRPr>
+            </a:lvl3pPr>
+            <a:lvl4pPr marL="1600200" indent="-228600">
+              <a:defRPr kumimoji="1">
+                <a:solidFill>
+                  <a:schemeClr val="tx1"/>
+                </a:solidFill>
+                <a:latin typeface="Arial" panose="020B0604020202020204" pitchFamily="34" charset="0"/>
+                <a:ea typeface="ＭＳ Ｐゴシック" panose="020B0600070205080204" pitchFamily="50" charset="-128"/>
+              </a:defRPr>
+            </a:lvl4pPr>
+            <a:lvl5pPr marL="2057400" indent="-228600">
+              <a:defRPr kumimoji="1">
+                <a:solidFill>
+                  <a:schemeClr val="tx1"/>
+                </a:solidFill>
+                <a:latin typeface="Arial" panose="020B0604020202020204" pitchFamily="34" charset="0"/>
+                <a:ea typeface="ＭＳ Ｐゴシック" panose="020B0600070205080204" pitchFamily="50" charset="-128"/>
+              </a:defRPr>
+            </a:lvl5pPr>
+            <a:lvl6pPr marL="2514600" indent="-228600" eaLnBrk="0" fontAlgn="base" hangingPunct="0">
+              <a:spcBef>
+                <a:spcPct val="0"/>
+              </a:spcBef>
+              <a:spcAft>
+                <a:spcPct val="0"/>
+              </a:spcAft>
+              <a:defRPr kumimoji="1">
+                <a:solidFill>
+                  <a:schemeClr val="tx1"/>
+                </a:solidFill>
+                <a:latin typeface="Arial" panose="020B0604020202020204" pitchFamily="34" charset="0"/>
+                <a:ea typeface="ＭＳ Ｐゴシック" panose="020B0600070205080204" pitchFamily="50" charset="-128"/>
+              </a:defRPr>
+            </a:lvl6pPr>
+            <a:lvl7pPr marL="2971800" indent="-228600" eaLnBrk="0" fontAlgn="base" hangingPunct="0">
+              <a:spcBef>
+                <a:spcPct val="0"/>
+              </a:spcBef>
+              <a:spcAft>
+                <a:spcPct val="0"/>
+              </a:spcAft>
+              <a:defRPr kumimoji="1">
+                <a:solidFill>
+                  <a:schemeClr val="tx1"/>
+                </a:solidFill>
+                <a:latin typeface="Arial" panose="020B0604020202020204" pitchFamily="34" charset="0"/>
+                <a:ea typeface="ＭＳ Ｐゴシック" panose="020B0600070205080204" pitchFamily="50" charset="-128"/>
+              </a:defRPr>
+            </a:lvl7pPr>
+            <a:lvl8pPr marL="3429000" indent="-228600" eaLnBrk="0" fontAlgn="base" hangingPunct="0">
+              <a:spcBef>
+                <a:spcPct val="0"/>
+              </a:spcBef>
+              <a:spcAft>
+                <a:spcPct val="0"/>
+              </a:spcAft>
+              <a:defRPr kumimoji="1">
+                <a:solidFill>
+                  <a:schemeClr val="tx1"/>
+                </a:solidFill>
+                <a:latin typeface="Arial" panose="020B0604020202020204" pitchFamily="34" charset="0"/>
+                <a:ea typeface="ＭＳ Ｐゴシック" panose="020B0600070205080204" pitchFamily="50" charset="-128"/>
+              </a:defRPr>
+            </a:lvl8pPr>
+            <a:lvl9pPr marL="3886200" indent="-228600" eaLnBrk="0" fontAlgn="base" hangingPunct="0">
+              <a:spcBef>
+                <a:spcPct val="0"/>
+              </a:spcBef>
+              <a:spcAft>
+                <a:spcPct val="0"/>
+              </a:spcAft>
+              <a:defRPr kumimoji="1">
+                <a:solidFill>
+                  <a:schemeClr val="tx1"/>
+                </a:solidFill>
+                <a:latin typeface="Arial" panose="020B0604020202020204" pitchFamily="34" charset="0"/>
+                <a:ea typeface="ＭＳ Ｐゴシック" panose="020B0600070205080204" pitchFamily="50" charset="-128"/>
+              </a:defRPr>
+            </a:lvl9pPr>
+          </a:lstStyle>
+          <a:p>
+            <a:r>
+              <a:rPr lang="ja-JP" altLang="en-US" dirty="0"/>
+              <a:t>「暑い」に関する</a:t>
+            </a:r>
+            <a:r>
+              <a:rPr lang="ja-JP" altLang="en-US" dirty="0">
+                <a:solidFill>
+                  <a:srgbClr val="FF0000"/>
+                </a:solidFill>
+              </a:rPr>
+              <a:t>メンバシップ関数</a:t>
+            </a:r>
+            <a:endParaRPr lang="en-US" altLang="ja-JP" dirty="0">
+              <a:solidFill>
+                <a:srgbClr val="FF0000"/>
+              </a:solidFill>
+            </a:endParaRPr>
+          </a:p>
+        </p:txBody>
+      </p:sp>
+      <p:cxnSp>
+        <p:nvCxnSpPr>
+          <p:cNvPr id="28" name="直線矢印コネクタ 27"/>
+          <p:cNvCxnSpPr/>
+          <p:nvPr/>
+        </p:nvCxnSpPr>
+        <p:spPr>
+          <a:xfrm flipV="1">
+            <a:off x="5715000" y="4877020"/>
+            <a:ext cx="1386981" cy="866445"/>
+          </a:xfrm>
+          <a:prstGeom prst="straightConnector1">
+            <a:avLst/>
+          </a:prstGeom>
+          <a:ln>
+            <a:tailEnd type="triangle"/>
+          </a:ln>
+        </p:spPr>
+        <p:style>
+          <a:lnRef idx="1">
+            <a:schemeClr val="accent1"/>
+          </a:lnRef>
+          <a:fillRef idx="0">
+            <a:schemeClr val="accent1"/>
+          </a:fillRef>
+          <a:effectRef idx="0">
+            <a:schemeClr val="accent1"/>
+          </a:effectRef>
+          <a:fontRef idx="minor">
+            <a:schemeClr val="tx1"/>
+          </a:fontRef>
+        </p:style>
+      </p:cxnSp>
+      <p:cxnSp>
+        <p:nvCxnSpPr>
+          <p:cNvPr id="30" name="直線矢印コネクタ 29"/>
+          <p:cNvCxnSpPr/>
+          <p:nvPr/>
+        </p:nvCxnSpPr>
+        <p:spPr>
+          <a:xfrm flipH="1" flipV="1">
+            <a:off x="2590800" y="4919999"/>
+            <a:ext cx="2286000" cy="904483"/>
+          </a:xfrm>
+          <a:prstGeom prst="straightConnector1">
+            <a:avLst/>
+          </a:prstGeom>
+          <a:ln>
+            <a:tailEnd type="triangle"/>
+          </a:ln>
+        </p:spPr>
+        <p:style>
+          <a:lnRef idx="1">
+            <a:schemeClr val="accent1"/>
+          </a:lnRef>
+          <a:fillRef idx="0">
+            <a:schemeClr val="accent1"/>
+          </a:fillRef>
+          <a:effectRef idx="0">
+            <a:schemeClr val="accent1"/>
+          </a:effectRef>
+          <a:fontRef idx="minor">
+            <a:schemeClr val="tx1"/>
+          </a:fontRef>
+        </p:style>
+      </p:cxnSp>
+    </p:spTree>
+    <p:extLst>
+      <p:ext uri="{BB962C8B-B14F-4D97-AF65-F5344CB8AC3E}">
+        <p14:creationId xmlns:p14="http://schemas.microsoft.com/office/powerpoint/2010/main" val="3306551004"/>
+      </p:ext>
+    </p:extLst>
+  </p:cSld>
+  <p:clrMapOvr>
+    <a:masterClrMapping/>
+  </p:clrMapOvr>
+</p:sld>
+</file>
+
+<file path=ppt/slides/slide3.xml><?xml version="1.0" encoding="utf-8"?>
+<p:sld xmlns:a="http://schemas.openxmlformats.org/drawingml/2006/main" xmlns:r="http://schemas.openxmlformats.org/officeDocument/2006/relationships" xmlns:p="http://schemas.openxmlformats.org/presentationml/2006/main">
+  <p:cSld>
+    <p:spTree>
+      <p:nvGrpSpPr>
+        <p:cNvPr id="1" name=""/>
+        <p:cNvGrpSpPr/>
+        <p:nvPr/>
+      </p:nvGrpSpPr>
+      <p:grpSpPr>
+        <a:xfrm>
+          <a:off x="0" y="0"/>
+          <a:ext cx="0" cy="0"/>
+          <a:chOff x="0" y="0"/>
+          <a:chExt cx="0" cy="0"/>
+        </a:xfrm>
+      </p:grpSpPr>
+      <p:sp>
+        <p:nvSpPr>
+          <p:cNvPr id="2" name="タイトル 1"/>
+          <p:cNvSpPr>
+            <a:spLocks noGrp="1"/>
+          </p:cNvSpPr>
+          <p:nvPr>
+            <p:ph type="title"/>
+          </p:nvPr>
+        </p:nvSpPr>
+        <p:spPr/>
+        <p:txBody>
+          <a:bodyPr/>
+          <a:lstStyle/>
+          <a:p>
+            <a:r>
+              <a:rPr kumimoji="1" lang="ja-JP" altLang="en-US" dirty="0"/>
+              <a:t>ファジィ集合</a:t>
+            </a:r>
+          </a:p>
+        </p:txBody>
+      </p:sp>
+      <p:sp>
+        <p:nvSpPr>
+          <p:cNvPr id="12" name="テキスト ボックス 7"/>
+          <p:cNvSpPr txBox="1">
+            <a:spLocks noChangeArrowheads="1"/>
+          </p:cNvSpPr>
+          <p:nvPr/>
+        </p:nvSpPr>
+        <p:spPr bwMode="auto">
+          <a:xfrm>
+            <a:off x="533400" y="1469767"/>
+            <a:ext cx="5299075" cy="369332"/>
+          </a:xfrm>
+          <a:prstGeom prst="rect">
+            <a:avLst/>
+          </a:prstGeom>
+          <a:noFill/>
+          <a:ln>
+            <a:noFill/>
+          </a:ln>
+          <a:extLst>
+            <a:ext uri="{909E8E84-426E-40DD-AFC4-6F175D3DCCD1}">
+              <a14:hiddenFill xmlns:a14="http://schemas.microsoft.com/office/drawing/2010/main">
+                <a:solidFill>
+                  <a:srgbClr val="FFFFFF"/>
+                </a:solidFill>
+              </a14:hiddenFill>
+            </a:ext>
+            <a:ext uri="{91240B29-F687-4F45-9708-019B960494DF}">
+              <a14:hiddenLine xmlns:a14="http://schemas.microsoft.com/office/drawing/2010/main" w="9525">
+                <a:solidFill>
+                  <a:srgbClr val="000000"/>
+                </a:solidFill>
+                <a:miter lim="800000"/>
+                <a:headEnd/>
+                <a:tailEnd/>
+              </a14:hiddenLine>
+            </a:ext>
+          </a:extLst>
+        </p:spPr>
+        <p:txBody>
+          <a:bodyPr wrap="square">
+            <a:spAutoFit/>
+          </a:bodyPr>
+          <a:lstStyle>
+            <a:lvl1pPr>
+              <a:defRPr kumimoji="1">
+                <a:solidFill>
+                  <a:schemeClr val="tx1"/>
+                </a:solidFill>
+                <a:latin typeface="Arial" panose="020B0604020202020204" pitchFamily="34" charset="0"/>
+                <a:ea typeface="ＭＳ Ｐゴシック" panose="020B0600070205080204" pitchFamily="50" charset="-128"/>
+              </a:defRPr>
+            </a:lvl1pPr>
+            <a:lvl2pPr marL="742950" indent="-285750">
+              <a:defRPr kumimoji="1">
+                <a:solidFill>
+                  <a:schemeClr val="tx1"/>
+                </a:solidFill>
+                <a:latin typeface="Arial" panose="020B0604020202020204" pitchFamily="34" charset="0"/>
+                <a:ea typeface="ＭＳ Ｐゴシック" panose="020B0600070205080204" pitchFamily="50" charset="-128"/>
+              </a:defRPr>
+            </a:lvl2pPr>
+            <a:lvl3pPr marL="1143000" indent="-228600">
+              <a:defRPr kumimoji="1">
+                <a:solidFill>
+                  <a:schemeClr val="tx1"/>
+                </a:solidFill>
+                <a:latin typeface="Arial" panose="020B0604020202020204" pitchFamily="34" charset="0"/>
+                <a:ea typeface="ＭＳ Ｐゴシック" panose="020B0600070205080204" pitchFamily="50" charset="-128"/>
+              </a:defRPr>
+            </a:lvl3pPr>
+            <a:lvl4pPr marL="1600200" indent="-228600">
+              <a:defRPr kumimoji="1">
+                <a:solidFill>
+                  <a:schemeClr val="tx1"/>
+                </a:solidFill>
+                <a:latin typeface="Arial" panose="020B0604020202020204" pitchFamily="34" charset="0"/>
+                <a:ea typeface="ＭＳ Ｐゴシック" panose="020B0600070205080204" pitchFamily="50" charset="-128"/>
+              </a:defRPr>
+            </a:lvl4pPr>
+            <a:lvl5pPr marL="2057400" indent="-228600">
+              <a:defRPr kumimoji="1">
+                <a:solidFill>
+                  <a:schemeClr val="tx1"/>
+                </a:solidFill>
+                <a:latin typeface="Arial" panose="020B0604020202020204" pitchFamily="34" charset="0"/>
+                <a:ea typeface="ＭＳ Ｐゴシック" panose="020B0600070205080204" pitchFamily="50" charset="-128"/>
+              </a:defRPr>
+            </a:lvl5pPr>
+            <a:lvl6pPr marL="2514600" indent="-228600" eaLnBrk="0" fontAlgn="base" hangingPunct="0">
+              <a:spcBef>
+                <a:spcPct val="0"/>
+              </a:spcBef>
+              <a:spcAft>
+                <a:spcPct val="0"/>
+              </a:spcAft>
+              <a:defRPr kumimoji="1">
+                <a:solidFill>
+                  <a:schemeClr val="tx1"/>
+                </a:solidFill>
+                <a:latin typeface="Arial" panose="020B0604020202020204" pitchFamily="34" charset="0"/>
+                <a:ea typeface="ＭＳ Ｐゴシック" panose="020B0600070205080204" pitchFamily="50" charset="-128"/>
+              </a:defRPr>
+            </a:lvl6pPr>
+            <a:lvl7pPr marL="2971800" indent="-228600" eaLnBrk="0" fontAlgn="base" hangingPunct="0">
+              <a:spcBef>
+                <a:spcPct val="0"/>
+              </a:spcBef>
+              <a:spcAft>
+                <a:spcPct val="0"/>
+              </a:spcAft>
+              <a:defRPr kumimoji="1">
+                <a:solidFill>
+                  <a:schemeClr val="tx1"/>
+                </a:solidFill>
+                <a:latin typeface="Arial" panose="020B0604020202020204" pitchFamily="34" charset="0"/>
+                <a:ea typeface="ＭＳ Ｐゴシック" panose="020B0600070205080204" pitchFamily="50" charset="-128"/>
+              </a:defRPr>
+            </a:lvl7pPr>
+            <a:lvl8pPr marL="3429000" indent="-228600" eaLnBrk="0" fontAlgn="base" hangingPunct="0">
+              <a:spcBef>
+                <a:spcPct val="0"/>
+              </a:spcBef>
+              <a:spcAft>
+                <a:spcPct val="0"/>
+              </a:spcAft>
+              <a:defRPr kumimoji="1">
+                <a:solidFill>
+                  <a:schemeClr val="tx1"/>
+                </a:solidFill>
+                <a:latin typeface="Arial" panose="020B0604020202020204" pitchFamily="34" charset="0"/>
+                <a:ea typeface="ＭＳ Ｐゴシック" panose="020B0600070205080204" pitchFamily="50" charset="-128"/>
+              </a:defRPr>
+            </a:lvl8pPr>
+            <a:lvl9pPr marL="3886200" indent="-228600" eaLnBrk="0" fontAlgn="base" hangingPunct="0">
+              <a:spcBef>
+                <a:spcPct val="0"/>
+              </a:spcBef>
+              <a:spcAft>
+                <a:spcPct val="0"/>
+              </a:spcAft>
+              <a:defRPr kumimoji="1">
+                <a:solidFill>
+                  <a:schemeClr val="tx1"/>
+                </a:solidFill>
+                <a:latin typeface="Arial" panose="020B0604020202020204" pitchFamily="34" charset="0"/>
+                <a:ea typeface="ＭＳ Ｐゴシック" panose="020B0600070205080204" pitchFamily="50" charset="-128"/>
+              </a:defRPr>
+            </a:lvl9pPr>
+          </a:lstStyle>
+          <a:p>
+            <a:r>
+              <a:rPr lang="ja-JP" altLang="en-US" dirty="0">
+                <a:solidFill>
+                  <a:srgbClr val="FF0000"/>
+                </a:solidFill>
+              </a:rPr>
+              <a:t>複数のメンバシップ関数</a:t>
+            </a:r>
+            <a:r>
+              <a:rPr lang="ja-JP" altLang="en-US" dirty="0"/>
+              <a:t>を使った事実の読み取り</a:t>
+            </a:r>
+            <a:endParaRPr lang="en-US" altLang="ja-JP" dirty="0"/>
+          </a:p>
+        </p:txBody>
+      </p:sp>
+      <p:grpSp>
+        <p:nvGrpSpPr>
+          <p:cNvPr id="21" name="グループ化 20"/>
+          <p:cNvGrpSpPr/>
+          <p:nvPr/>
+        </p:nvGrpSpPr>
+        <p:grpSpPr>
+          <a:xfrm>
+            <a:off x="508256" y="4343400"/>
+            <a:ext cx="4005007" cy="1905000"/>
+            <a:chOff x="736856" y="3276600"/>
+            <a:chExt cx="4005007" cy="1905000"/>
+          </a:xfrm>
+        </p:grpSpPr>
+        <p:grpSp>
+          <p:nvGrpSpPr>
+            <p:cNvPr id="3" name="グループ化 54"/>
+            <p:cNvGrpSpPr>
+              <a:grpSpLocks/>
+            </p:cNvGrpSpPr>
+            <p:nvPr/>
+          </p:nvGrpSpPr>
+          <p:grpSpPr bwMode="auto">
+            <a:xfrm>
+              <a:off x="736856" y="3276600"/>
+              <a:ext cx="4005007" cy="1905000"/>
+              <a:chOff x="108819" y="2286000"/>
+              <a:chExt cx="4005322" cy="1905000"/>
+            </a:xfrm>
+          </p:grpSpPr>
+          <p:grpSp>
+            <p:nvGrpSpPr>
+              <p:cNvPr id="4" name="グループ化 55"/>
+              <p:cNvGrpSpPr>
+                <a:grpSpLocks/>
+              </p:cNvGrpSpPr>
+              <p:nvPr/>
+            </p:nvGrpSpPr>
+            <p:grpSpPr bwMode="auto">
+              <a:xfrm>
+                <a:off x="686458" y="2286000"/>
+                <a:ext cx="3427683" cy="1905000"/>
+                <a:chOff x="1125265" y="2667000"/>
+                <a:chExt cx="3427683" cy="1905000"/>
+              </a:xfrm>
+            </p:grpSpPr>
+            <p:sp>
+              <p:nvSpPr>
+                <p:cNvPr id="9" name="二等辺三角形 8"/>
+                <p:cNvSpPr/>
+                <p:nvPr/>
+              </p:nvSpPr>
+              <p:spPr>
+                <a:xfrm>
+                  <a:off x="1125265" y="2667000"/>
+                  <a:ext cx="3427683" cy="1905000"/>
+                </a:xfrm>
+                <a:prstGeom prst="triangle">
+                  <a:avLst/>
+                </a:prstGeom>
+                <a:noFill/>
+              </p:spPr>
+              <p:style>
+                <a:lnRef idx="2">
+                  <a:schemeClr val="accent1">
+                    <a:shade val="50000"/>
+                  </a:schemeClr>
+                </a:lnRef>
+                <a:fillRef idx="1">
+                  <a:schemeClr val="accent1"/>
+                </a:fillRef>
+                <a:effectRef idx="0">
+                  <a:schemeClr val="accent1"/>
+                </a:effectRef>
+                <a:fontRef idx="minor">
+                  <a:schemeClr val="lt1"/>
+                </a:fontRef>
+              </p:style>
+              <p:txBody>
+                <a:bodyPr anchor="ctr"/>
+                <a:lstStyle/>
+                <a:p>
+                  <a:pPr algn="ctr">
+                    <a:defRPr/>
+                  </a:pPr>
+                  <a:endParaRPr lang="ja-JP" altLang="en-US"/>
+                </a:p>
+              </p:txBody>
+            </p:sp>
+            <p:sp>
+              <p:nvSpPr>
+                <p:cNvPr id="10" name="二等辺三角形 9"/>
+                <p:cNvSpPr/>
+                <p:nvPr/>
+              </p:nvSpPr>
+              <p:spPr>
+                <a:xfrm>
+                  <a:off x="1144317" y="2667000"/>
+                  <a:ext cx="1694789" cy="1905000"/>
+                </a:xfrm>
+                <a:prstGeom prst="triangle">
+                  <a:avLst>
+                    <a:gd name="adj" fmla="val 0"/>
+                  </a:avLst>
+                </a:prstGeom>
+                <a:noFill/>
+              </p:spPr>
+              <p:style>
+                <a:lnRef idx="2">
+                  <a:schemeClr val="accent1">
+                    <a:shade val="50000"/>
+                  </a:schemeClr>
+                </a:lnRef>
+                <a:fillRef idx="1">
+                  <a:schemeClr val="accent1"/>
+                </a:fillRef>
+                <a:effectRef idx="0">
+                  <a:schemeClr val="accent1"/>
+                </a:effectRef>
+                <a:fontRef idx="minor">
+                  <a:schemeClr val="lt1"/>
+                </a:fontRef>
+              </p:style>
+              <p:txBody>
+                <a:bodyPr anchor="ctr"/>
+                <a:lstStyle/>
+                <a:p>
+                  <a:pPr algn="ctr">
+                    <a:defRPr/>
+                  </a:pPr>
+                  <a:endParaRPr lang="ja-JP" altLang="en-US"/>
+                </a:p>
+              </p:txBody>
+            </p:sp>
+          </p:grpSp>
+          <p:sp>
+            <p:nvSpPr>
+              <p:cNvPr id="5" name="テキスト ボックス 56"/>
+              <p:cNvSpPr txBox="1">
+                <a:spLocks noChangeArrowheads="1"/>
+              </p:cNvSpPr>
+              <p:nvPr/>
+            </p:nvSpPr>
+            <p:spPr bwMode="auto">
+              <a:xfrm>
+                <a:off x="3477665" y="3053834"/>
+                <a:ext cx="633507" cy="369332"/>
+              </a:xfrm>
+              <a:prstGeom prst="rect">
+                <a:avLst/>
+              </a:prstGeom>
+              <a:noFill/>
+              <a:ln>
+                <a:noFill/>
+              </a:ln>
+              <a:extLst>
+                <a:ext uri="{909E8E84-426E-40DD-AFC4-6F175D3DCCD1}">
+                  <a14:hiddenFill xmlns:a14="http://schemas.microsoft.com/office/drawing/2010/main">
+                    <a:solidFill>
+                      <a:srgbClr val="FFFFFF"/>
+                    </a:solidFill>
+                  </a14:hiddenFill>
+                </a:ext>
+                <a:ext uri="{91240B29-F687-4F45-9708-019B960494DF}">
+                  <a14:hiddenLine xmlns:a14="http://schemas.microsoft.com/office/drawing/2010/main" w="9525">
+                    <a:solidFill>
+                      <a:srgbClr val="000000"/>
+                    </a:solidFill>
+                    <a:miter lim="800000"/>
+                    <a:headEnd/>
+                    <a:tailEnd/>
+                  </a14:hiddenLine>
+                </a:ext>
+              </a:extLst>
+            </p:spPr>
+            <p:txBody>
+              <a:bodyPr wrap="none">
+                <a:spAutoFit/>
+              </a:bodyPr>
+              <a:lstStyle>
+                <a:lvl1pPr>
+                  <a:defRPr kumimoji="1">
+                    <a:solidFill>
+                      <a:schemeClr val="tx1"/>
+                    </a:solidFill>
+                    <a:latin typeface="Arial" panose="020B0604020202020204" pitchFamily="34" charset="0"/>
+                    <a:ea typeface="ＭＳ Ｐゴシック" panose="020B0600070205080204" pitchFamily="50" charset="-128"/>
+                  </a:defRPr>
+                </a:lvl1pPr>
+                <a:lvl2pPr marL="742950" indent="-285750">
+                  <a:defRPr kumimoji="1">
+                    <a:solidFill>
+                      <a:schemeClr val="tx1"/>
+                    </a:solidFill>
+                    <a:latin typeface="Arial" panose="020B0604020202020204" pitchFamily="34" charset="0"/>
+                    <a:ea typeface="ＭＳ Ｐゴシック" panose="020B0600070205080204" pitchFamily="50" charset="-128"/>
+                  </a:defRPr>
+                </a:lvl2pPr>
+                <a:lvl3pPr marL="1143000" indent="-228600">
+                  <a:defRPr kumimoji="1">
+                    <a:solidFill>
+                      <a:schemeClr val="tx1"/>
+                    </a:solidFill>
+                    <a:latin typeface="Arial" panose="020B0604020202020204" pitchFamily="34" charset="0"/>
+                    <a:ea typeface="ＭＳ Ｐゴシック" panose="020B0600070205080204" pitchFamily="50" charset="-128"/>
+                  </a:defRPr>
+                </a:lvl3pPr>
+                <a:lvl4pPr marL="1600200" indent="-228600">
+                  <a:defRPr kumimoji="1">
+                    <a:solidFill>
+                      <a:schemeClr val="tx1"/>
+                    </a:solidFill>
+                    <a:latin typeface="Arial" panose="020B0604020202020204" pitchFamily="34" charset="0"/>
+                    <a:ea typeface="ＭＳ Ｐゴシック" panose="020B0600070205080204" pitchFamily="50" charset="-128"/>
+                  </a:defRPr>
+                </a:lvl4pPr>
+                <a:lvl5pPr marL="2057400" indent="-228600">
+                  <a:defRPr kumimoji="1">
+                    <a:solidFill>
+                      <a:schemeClr val="tx1"/>
+                    </a:solidFill>
+                    <a:latin typeface="Arial" panose="020B0604020202020204" pitchFamily="34" charset="0"/>
+                    <a:ea typeface="ＭＳ Ｐゴシック" panose="020B0600070205080204" pitchFamily="50" charset="-128"/>
+                  </a:defRPr>
+                </a:lvl5pPr>
+                <a:lvl6pPr marL="2514600" indent="-228600" eaLnBrk="0" fontAlgn="base" hangingPunct="0">
+                  <a:spcBef>
+                    <a:spcPct val="0"/>
+                  </a:spcBef>
+                  <a:spcAft>
+                    <a:spcPct val="0"/>
+                  </a:spcAft>
+                  <a:defRPr kumimoji="1">
+                    <a:solidFill>
+                      <a:schemeClr val="tx1"/>
+                    </a:solidFill>
+                    <a:latin typeface="Arial" panose="020B0604020202020204" pitchFamily="34" charset="0"/>
+                    <a:ea typeface="ＭＳ Ｐゴシック" panose="020B0600070205080204" pitchFamily="50" charset="-128"/>
+                  </a:defRPr>
+                </a:lvl6pPr>
+                <a:lvl7pPr marL="2971800" indent="-228600" eaLnBrk="0" fontAlgn="base" hangingPunct="0">
+                  <a:spcBef>
+                    <a:spcPct val="0"/>
+                  </a:spcBef>
+                  <a:spcAft>
+                    <a:spcPct val="0"/>
+                  </a:spcAft>
+                  <a:defRPr kumimoji="1">
+                    <a:solidFill>
+                      <a:schemeClr val="tx1"/>
+                    </a:solidFill>
+                    <a:latin typeface="Arial" panose="020B0604020202020204" pitchFamily="34" charset="0"/>
+                    <a:ea typeface="ＭＳ Ｐゴシック" panose="020B0600070205080204" pitchFamily="50" charset="-128"/>
+                  </a:defRPr>
+                </a:lvl7pPr>
+                <a:lvl8pPr marL="3429000" indent="-228600" eaLnBrk="0" fontAlgn="base" hangingPunct="0">
+                  <a:spcBef>
+                    <a:spcPct val="0"/>
+                  </a:spcBef>
+                  <a:spcAft>
+                    <a:spcPct val="0"/>
+                  </a:spcAft>
+                  <a:defRPr kumimoji="1">
+                    <a:solidFill>
+                      <a:schemeClr val="tx1"/>
+                    </a:solidFill>
+                    <a:latin typeface="Arial" panose="020B0604020202020204" pitchFamily="34" charset="0"/>
+                    <a:ea typeface="ＭＳ Ｐゴシック" panose="020B0600070205080204" pitchFamily="50" charset="-128"/>
+                  </a:defRPr>
+                </a:lvl8pPr>
+                <a:lvl9pPr marL="3886200" indent="-228600" eaLnBrk="0" fontAlgn="base" hangingPunct="0">
+                  <a:spcBef>
+                    <a:spcPct val="0"/>
+                  </a:spcBef>
+                  <a:spcAft>
+                    <a:spcPct val="0"/>
+                  </a:spcAft>
+                  <a:defRPr kumimoji="1">
+                    <a:solidFill>
+                      <a:schemeClr val="tx1"/>
+                    </a:solidFill>
+                    <a:latin typeface="Arial" panose="020B0604020202020204" pitchFamily="34" charset="0"/>
+                    <a:ea typeface="ＭＳ Ｐゴシック" panose="020B0600070205080204" pitchFamily="50" charset="-128"/>
+                  </a:defRPr>
+                </a:lvl9pPr>
+              </a:lstStyle>
+              <a:p>
+                <a:r>
+                  <a:rPr lang="ja-JP" altLang="en-US"/>
+                  <a:t>暑い</a:t>
+                </a:r>
+              </a:p>
+            </p:txBody>
+          </p:sp>
+          <p:sp>
+            <p:nvSpPr>
+              <p:cNvPr id="6" name="テキスト ボックス 57"/>
+              <p:cNvSpPr txBox="1">
+                <a:spLocks noChangeArrowheads="1"/>
+              </p:cNvSpPr>
+              <p:nvPr/>
+            </p:nvSpPr>
+            <p:spPr bwMode="auto">
+              <a:xfrm>
+                <a:off x="1952428" y="2894709"/>
+                <a:ext cx="809837" cy="369332"/>
+              </a:xfrm>
+              <a:prstGeom prst="rect">
+                <a:avLst/>
+              </a:prstGeom>
+              <a:noFill/>
+              <a:ln>
+                <a:noFill/>
+              </a:ln>
+              <a:extLst>
+                <a:ext uri="{909E8E84-426E-40DD-AFC4-6F175D3DCCD1}">
+                  <a14:hiddenFill xmlns:a14="http://schemas.microsoft.com/office/drawing/2010/main">
+                    <a:solidFill>
+                      <a:srgbClr val="FFFFFF"/>
+                    </a:solidFill>
+                  </a14:hiddenFill>
+                </a:ext>
+                <a:ext uri="{91240B29-F687-4F45-9708-019B960494DF}">
+                  <a14:hiddenLine xmlns:a14="http://schemas.microsoft.com/office/drawing/2010/main" w="9525">
+                    <a:solidFill>
+                      <a:srgbClr val="000000"/>
+                    </a:solidFill>
+                    <a:miter lim="800000"/>
+                    <a:headEnd/>
+                    <a:tailEnd/>
+                  </a14:hiddenLine>
+                </a:ext>
+              </a:extLst>
+            </p:spPr>
+            <p:txBody>
+              <a:bodyPr wrap="none">
+                <a:spAutoFit/>
+              </a:bodyPr>
+              <a:lstStyle>
+                <a:lvl1pPr>
+                  <a:defRPr kumimoji="1">
+                    <a:solidFill>
+                      <a:schemeClr val="tx1"/>
+                    </a:solidFill>
+                    <a:latin typeface="Arial" panose="020B0604020202020204" pitchFamily="34" charset="0"/>
+                    <a:ea typeface="ＭＳ Ｐゴシック" panose="020B0600070205080204" pitchFamily="50" charset="-128"/>
+                  </a:defRPr>
+                </a:lvl1pPr>
+                <a:lvl2pPr marL="742950" indent="-285750">
+                  <a:defRPr kumimoji="1">
+                    <a:solidFill>
+                      <a:schemeClr val="tx1"/>
+                    </a:solidFill>
+                    <a:latin typeface="Arial" panose="020B0604020202020204" pitchFamily="34" charset="0"/>
+                    <a:ea typeface="ＭＳ Ｐゴシック" panose="020B0600070205080204" pitchFamily="50" charset="-128"/>
+                  </a:defRPr>
+                </a:lvl2pPr>
+                <a:lvl3pPr marL="1143000" indent="-228600">
+                  <a:defRPr kumimoji="1">
+                    <a:solidFill>
+                      <a:schemeClr val="tx1"/>
+                    </a:solidFill>
+                    <a:latin typeface="Arial" panose="020B0604020202020204" pitchFamily="34" charset="0"/>
+                    <a:ea typeface="ＭＳ Ｐゴシック" panose="020B0600070205080204" pitchFamily="50" charset="-128"/>
+                  </a:defRPr>
+                </a:lvl3pPr>
+                <a:lvl4pPr marL="1600200" indent="-228600">
+                  <a:defRPr kumimoji="1">
+                    <a:solidFill>
+                      <a:schemeClr val="tx1"/>
+                    </a:solidFill>
+                    <a:latin typeface="Arial" panose="020B0604020202020204" pitchFamily="34" charset="0"/>
+                    <a:ea typeface="ＭＳ Ｐゴシック" panose="020B0600070205080204" pitchFamily="50" charset="-128"/>
+                  </a:defRPr>
+                </a:lvl4pPr>
+                <a:lvl5pPr marL="2057400" indent="-228600">
+                  <a:defRPr kumimoji="1">
+                    <a:solidFill>
+                      <a:schemeClr val="tx1"/>
+                    </a:solidFill>
+                    <a:latin typeface="Arial" panose="020B0604020202020204" pitchFamily="34" charset="0"/>
+                    <a:ea typeface="ＭＳ Ｐゴシック" panose="020B0600070205080204" pitchFamily="50" charset="-128"/>
+                  </a:defRPr>
+                </a:lvl5pPr>
+                <a:lvl6pPr marL="2514600" indent="-228600" eaLnBrk="0" fontAlgn="base" hangingPunct="0">
+                  <a:spcBef>
+                    <a:spcPct val="0"/>
+                  </a:spcBef>
+                  <a:spcAft>
+                    <a:spcPct val="0"/>
+                  </a:spcAft>
+                  <a:defRPr kumimoji="1">
+                    <a:solidFill>
+                      <a:schemeClr val="tx1"/>
+                    </a:solidFill>
+                    <a:latin typeface="Arial" panose="020B0604020202020204" pitchFamily="34" charset="0"/>
+                    <a:ea typeface="ＭＳ Ｐゴシック" panose="020B0600070205080204" pitchFamily="50" charset="-128"/>
+                  </a:defRPr>
+                </a:lvl6pPr>
+                <a:lvl7pPr marL="2971800" indent="-228600" eaLnBrk="0" fontAlgn="base" hangingPunct="0">
+                  <a:spcBef>
+                    <a:spcPct val="0"/>
+                  </a:spcBef>
+                  <a:spcAft>
+                    <a:spcPct val="0"/>
+                  </a:spcAft>
+                  <a:defRPr kumimoji="1">
+                    <a:solidFill>
+                      <a:schemeClr val="tx1"/>
+                    </a:solidFill>
+                    <a:latin typeface="Arial" panose="020B0604020202020204" pitchFamily="34" charset="0"/>
+                    <a:ea typeface="ＭＳ Ｐゴシック" panose="020B0600070205080204" pitchFamily="50" charset="-128"/>
+                  </a:defRPr>
+                </a:lvl7pPr>
+                <a:lvl8pPr marL="3429000" indent="-228600" eaLnBrk="0" fontAlgn="base" hangingPunct="0">
+                  <a:spcBef>
+                    <a:spcPct val="0"/>
+                  </a:spcBef>
+                  <a:spcAft>
+                    <a:spcPct val="0"/>
+                  </a:spcAft>
+                  <a:defRPr kumimoji="1">
+                    <a:solidFill>
+                      <a:schemeClr val="tx1"/>
+                    </a:solidFill>
+                    <a:latin typeface="Arial" panose="020B0604020202020204" pitchFamily="34" charset="0"/>
+                    <a:ea typeface="ＭＳ Ｐゴシック" panose="020B0600070205080204" pitchFamily="50" charset="-128"/>
+                  </a:defRPr>
+                </a:lvl8pPr>
+                <a:lvl9pPr marL="3886200" indent="-228600" eaLnBrk="0" fontAlgn="base" hangingPunct="0">
+                  <a:spcBef>
+                    <a:spcPct val="0"/>
+                  </a:spcBef>
+                  <a:spcAft>
+                    <a:spcPct val="0"/>
+                  </a:spcAft>
+                  <a:defRPr kumimoji="1">
+                    <a:solidFill>
+                      <a:schemeClr val="tx1"/>
+                    </a:solidFill>
+                    <a:latin typeface="Arial" panose="020B0604020202020204" pitchFamily="34" charset="0"/>
+                    <a:ea typeface="ＭＳ Ｐゴシック" panose="020B0600070205080204" pitchFamily="50" charset="-128"/>
+                  </a:defRPr>
+                </a:lvl9pPr>
+              </a:lstStyle>
+              <a:p>
+                <a:r>
+                  <a:rPr lang="ja-JP" altLang="en-US" dirty="0"/>
+                  <a:t>涼しい</a:t>
+                </a:r>
+              </a:p>
+            </p:txBody>
+          </p:sp>
+          <p:sp>
+            <p:nvSpPr>
+              <p:cNvPr id="7" name="テキスト ボックス 58"/>
+              <p:cNvSpPr txBox="1">
+                <a:spLocks noChangeArrowheads="1"/>
+              </p:cNvSpPr>
+              <p:nvPr/>
+            </p:nvSpPr>
+            <p:spPr bwMode="auto">
+              <a:xfrm>
+                <a:off x="667407" y="3027402"/>
+                <a:ext cx="633507" cy="369332"/>
+              </a:xfrm>
+              <a:prstGeom prst="rect">
+                <a:avLst/>
+              </a:prstGeom>
+              <a:noFill/>
+              <a:ln>
+                <a:noFill/>
+              </a:ln>
+              <a:extLst>
+                <a:ext uri="{909E8E84-426E-40DD-AFC4-6F175D3DCCD1}">
+                  <a14:hiddenFill xmlns:a14="http://schemas.microsoft.com/office/drawing/2010/main">
+                    <a:solidFill>
+                      <a:srgbClr val="FFFFFF"/>
+                    </a:solidFill>
+                  </a14:hiddenFill>
+                </a:ext>
+                <a:ext uri="{91240B29-F687-4F45-9708-019B960494DF}">
+                  <a14:hiddenLine xmlns:a14="http://schemas.microsoft.com/office/drawing/2010/main" w="9525">
+                    <a:solidFill>
+                      <a:srgbClr val="000000"/>
+                    </a:solidFill>
+                    <a:miter lim="800000"/>
+                    <a:headEnd/>
+                    <a:tailEnd/>
+                  </a14:hiddenLine>
+                </a:ext>
+              </a:extLst>
+            </p:spPr>
+            <p:txBody>
+              <a:bodyPr wrap="none">
+                <a:spAutoFit/>
+              </a:bodyPr>
+              <a:lstStyle>
+                <a:lvl1pPr>
+                  <a:defRPr kumimoji="1">
+                    <a:solidFill>
+                      <a:schemeClr val="tx1"/>
+                    </a:solidFill>
+                    <a:latin typeface="Arial" panose="020B0604020202020204" pitchFamily="34" charset="0"/>
+                    <a:ea typeface="ＭＳ Ｐゴシック" panose="020B0600070205080204" pitchFamily="50" charset="-128"/>
+                  </a:defRPr>
+                </a:lvl1pPr>
+                <a:lvl2pPr marL="742950" indent="-285750">
+                  <a:defRPr kumimoji="1">
+                    <a:solidFill>
+                      <a:schemeClr val="tx1"/>
+                    </a:solidFill>
+                    <a:latin typeface="Arial" panose="020B0604020202020204" pitchFamily="34" charset="0"/>
+                    <a:ea typeface="ＭＳ Ｐゴシック" panose="020B0600070205080204" pitchFamily="50" charset="-128"/>
+                  </a:defRPr>
+                </a:lvl2pPr>
+                <a:lvl3pPr marL="1143000" indent="-228600">
+                  <a:defRPr kumimoji="1">
+                    <a:solidFill>
+                      <a:schemeClr val="tx1"/>
+                    </a:solidFill>
+                    <a:latin typeface="Arial" panose="020B0604020202020204" pitchFamily="34" charset="0"/>
+                    <a:ea typeface="ＭＳ Ｐゴシック" panose="020B0600070205080204" pitchFamily="50" charset="-128"/>
+                  </a:defRPr>
+                </a:lvl3pPr>
+                <a:lvl4pPr marL="1600200" indent="-228600">
+                  <a:defRPr kumimoji="1">
+                    <a:solidFill>
+                      <a:schemeClr val="tx1"/>
+                    </a:solidFill>
+                    <a:latin typeface="Arial" panose="020B0604020202020204" pitchFamily="34" charset="0"/>
+                    <a:ea typeface="ＭＳ Ｐゴシック" panose="020B0600070205080204" pitchFamily="50" charset="-128"/>
+                  </a:defRPr>
+                </a:lvl4pPr>
+                <a:lvl5pPr marL="2057400" indent="-228600">
+                  <a:defRPr kumimoji="1">
+                    <a:solidFill>
+                      <a:schemeClr val="tx1"/>
+                    </a:solidFill>
+                    <a:latin typeface="Arial" panose="020B0604020202020204" pitchFamily="34" charset="0"/>
+                    <a:ea typeface="ＭＳ Ｐゴシック" panose="020B0600070205080204" pitchFamily="50" charset="-128"/>
+                  </a:defRPr>
+                </a:lvl5pPr>
+                <a:lvl6pPr marL="2514600" indent="-228600" eaLnBrk="0" fontAlgn="base" hangingPunct="0">
+                  <a:spcBef>
+                    <a:spcPct val="0"/>
+                  </a:spcBef>
+                  <a:spcAft>
+                    <a:spcPct val="0"/>
+                  </a:spcAft>
+                  <a:defRPr kumimoji="1">
+                    <a:solidFill>
+                      <a:schemeClr val="tx1"/>
+                    </a:solidFill>
+                    <a:latin typeface="Arial" panose="020B0604020202020204" pitchFamily="34" charset="0"/>
+                    <a:ea typeface="ＭＳ Ｐゴシック" panose="020B0600070205080204" pitchFamily="50" charset="-128"/>
+                  </a:defRPr>
+                </a:lvl6pPr>
+                <a:lvl7pPr marL="2971800" indent="-228600" eaLnBrk="0" fontAlgn="base" hangingPunct="0">
+                  <a:spcBef>
+                    <a:spcPct val="0"/>
+                  </a:spcBef>
+                  <a:spcAft>
+                    <a:spcPct val="0"/>
+                  </a:spcAft>
+                  <a:defRPr kumimoji="1">
+                    <a:solidFill>
+                      <a:schemeClr val="tx1"/>
+                    </a:solidFill>
+                    <a:latin typeface="Arial" panose="020B0604020202020204" pitchFamily="34" charset="0"/>
+                    <a:ea typeface="ＭＳ Ｐゴシック" panose="020B0600070205080204" pitchFamily="50" charset="-128"/>
+                  </a:defRPr>
+                </a:lvl7pPr>
+                <a:lvl8pPr marL="3429000" indent="-228600" eaLnBrk="0" fontAlgn="base" hangingPunct="0">
+                  <a:spcBef>
+                    <a:spcPct val="0"/>
+                  </a:spcBef>
+                  <a:spcAft>
+                    <a:spcPct val="0"/>
+                  </a:spcAft>
+                  <a:defRPr kumimoji="1">
+                    <a:solidFill>
+                      <a:schemeClr val="tx1"/>
+                    </a:solidFill>
+                    <a:latin typeface="Arial" panose="020B0604020202020204" pitchFamily="34" charset="0"/>
+                    <a:ea typeface="ＭＳ Ｐゴシック" panose="020B0600070205080204" pitchFamily="50" charset="-128"/>
+                  </a:defRPr>
+                </a:lvl8pPr>
+                <a:lvl9pPr marL="3886200" indent="-228600" eaLnBrk="0" fontAlgn="base" hangingPunct="0">
+                  <a:spcBef>
+                    <a:spcPct val="0"/>
+                  </a:spcBef>
+                  <a:spcAft>
+                    <a:spcPct val="0"/>
+                  </a:spcAft>
+                  <a:defRPr kumimoji="1">
+                    <a:solidFill>
+                      <a:schemeClr val="tx1"/>
+                    </a:solidFill>
+                    <a:latin typeface="Arial" panose="020B0604020202020204" pitchFamily="34" charset="0"/>
+                    <a:ea typeface="ＭＳ Ｐゴシック" panose="020B0600070205080204" pitchFamily="50" charset="-128"/>
+                  </a:defRPr>
+                </a:lvl9pPr>
+              </a:lstStyle>
+              <a:p>
+                <a:r>
+                  <a:rPr lang="ja-JP" altLang="en-US" dirty="0"/>
+                  <a:t>寒い</a:t>
+                </a:r>
+              </a:p>
+            </p:txBody>
+          </p:sp>
+          <p:sp>
+            <p:nvSpPr>
+              <p:cNvPr id="35" name="テキスト ボックス 58"/>
+              <p:cNvSpPr txBox="1">
+                <a:spLocks noChangeArrowheads="1"/>
+              </p:cNvSpPr>
+              <p:nvPr/>
+            </p:nvSpPr>
+            <p:spPr bwMode="auto">
+              <a:xfrm>
+                <a:off x="108819" y="2402327"/>
+                <a:ext cx="505307" cy="369332"/>
+              </a:xfrm>
+              <a:prstGeom prst="rect">
+                <a:avLst/>
+              </a:prstGeom>
+              <a:noFill/>
+              <a:ln>
+                <a:noFill/>
+              </a:ln>
+              <a:extLst>
+                <a:ext uri="{909E8E84-426E-40DD-AFC4-6F175D3DCCD1}">
+                  <a14:hiddenFill xmlns:a14="http://schemas.microsoft.com/office/drawing/2010/main">
+                    <a:solidFill>
+                      <a:srgbClr val="FFFFFF"/>
+                    </a:solidFill>
+                  </a14:hiddenFill>
+                </a:ext>
+                <a:ext uri="{91240B29-F687-4F45-9708-019B960494DF}">
+                  <a14:hiddenLine xmlns:a14="http://schemas.microsoft.com/office/drawing/2010/main" w="9525">
+                    <a:solidFill>
+                      <a:srgbClr val="000000"/>
+                    </a:solidFill>
+                    <a:miter lim="800000"/>
+                    <a:headEnd/>
+                    <a:tailEnd/>
+                  </a14:hiddenLine>
+                </a:ext>
+              </a:extLst>
+            </p:spPr>
+            <p:txBody>
+              <a:bodyPr wrap="none">
+                <a:spAutoFit/>
+              </a:bodyPr>
+              <a:lstStyle>
+                <a:lvl1pPr>
+                  <a:defRPr kumimoji="1">
+                    <a:solidFill>
+                      <a:schemeClr val="tx1"/>
+                    </a:solidFill>
+                    <a:latin typeface="Arial" panose="020B0604020202020204" pitchFamily="34" charset="0"/>
+                    <a:ea typeface="ＭＳ Ｐゴシック" panose="020B0600070205080204" pitchFamily="50" charset="-128"/>
+                  </a:defRPr>
+                </a:lvl1pPr>
+                <a:lvl2pPr marL="742950" indent="-285750">
+                  <a:defRPr kumimoji="1">
+                    <a:solidFill>
+                      <a:schemeClr val="tx1"/>
+                    </a:solidFill>
+                    <a:latin typeface="Arial" panose="020B0604020202020204" pitchFamily="34" charset="0"/>
+                    <a:ea typeface="ＭＳ Ｐゴシック" panose="020B0600070205080204" pitchFamily="50" charset="-128"/>
+                  </a:defRPr>
+                </a:lvl2pPr>
+                <a:lvl3pPr marL="1143000" indent="-228600">
+                  <a:defRPr kumimoji="1">
+                    <a:solidFill>
+                      <a:schemeClr val="tx1"/>
+                    </a:solidFill>
+                    <a:latin typeface="Arial" panose="020B0604020202020204" pitchFamily="34" charset="0"/>
+                    <a:ea typeface="ＭＳ Ｐゴシック" panose="020B0600070205080204" pitchFamily="50" charset="-128"/>
+                  </a:defRPr>
+                </a:lvl3pPr>
+                <a:lvl4pPr marL="1600200" indent="-228600">
+                  <a:defRPr kumimoji="1">
+                    <a:solidFill>
+                      <a:schemeClr val="tx1"/>
+                    </a:solidFill>
+                    <a:latin typeface="Arial" panose="020B0604020202020204" pitchFamily="34" charset="0"/>
+                    <a:ea typeface="ＭＳ Ｐゴシック" panose="020B0600070205080204" pitchFamily="50" charset="-128"/>
+                  </a:defRPr>
+                </a:lvl4pPr>
+                <a:lvl5pPr marL="2057400" indent="-228600">
+                  <a:defRPr kumimoji="1">
+                    <a:solidFill>
+                      <a:schemeClr val="tx1"/>
+                    </a:solidFill>
+                    <a:latin typeface="Arial" panose="020B0604020202020204" pitchFamily="34" charset="0"/>
+                    <a:ea typeface="ＭＳ Ｐゴシック" panose="020B0600070205080204" pitchFamily="50" charset="-128"/>
+                  </a:defRPr>
+                </a:lvl5pPr>
+                <a:lvl6pPr marL="2514600" indent="-228600" eaLnBrk="0" fontAlgn="base" hangingPunct="0">
+                  <a:spcBef>
+                    <a:spcPct val="0"/>
+                  </a:spcBef>
+                  <a:spcAft>
+                    <a:spcPct val="0"/>
+                  </a:spcAft>
+                  <a:defRPr kumimoji="1">
+                    <a:solidFill>
+                      <a:schemeClr val="tx1"/>
+                    </a:solidFill>
+                    <a:latin typeface="Arial" panose="020B0604020202020204" pitchFamily="34" charset="0"/>
+                    <a:ea typeface="ＭＳ Ｐゴシック" panose="020B0600070205080204" pitchFamily="50" charset="-128"/>
+                  </a:defRPr>
+                </a:lvl6pPr>
+                <a:lvl7pPr marL="2971800" indent="-228600" eaLnBrk="0" fontAlgn="base" hangingPunct="0">
+                  <a:spcBef>
+                    <a:spcPct val="0"/>
+                  </a:spcBef>
+                  <a:spcAft>
+                    <a:spcPct val="0"/>
+                  </a:spcAft>
+                  <a:defRPr kumimoji="1">
+                    <a:solidFill>
+                      <a:schemeClr val="tx1"/>
+                    </a:solidFill>
+                    <a:latin typeface="Arial" panose="020B0604020202020204" pitchFamily="34" charset="0"/>
+                    <a:ea typeface="ＭＳ Ｐゴシック" panose="020B0600070205080204" pitchFamily="50" charset="-128"/>
+                  </a:defRPr>
+                </a:lvl7pPr>
+                <a:lvl8pPr marL="3429000" indent="-228600" eaLnBrk="0" fontAlgn="base" hangingPunct="0">
+                  <a:spcBef>
+                    <a:spcPct val="0"/>
+                  </a:spcBef>
+                  <a:spcAft>
+                    <a:spcPct val="0"/>
+                  </a:spcAft>
+                  <a:defRPr kumimoji="1">
+                    <a:solidFill>
+                      <a:schemeClr val="tx1"/>
+                    </a:solidFill>
+                    <a:latin typeface="Arial" panose="020B0604020202020204" pitchFamily="34" charset="0"/>
+                    <a:ea typeface="ＭＳ Ｐゴシック" panose="020B0600070205080204" pitchFamily="50" charset="-128"/>
+                  </a:defRPr>
+                </a:lvl8pPr>
+                <a:lvl9pPr marL="3886200" indent="-228600" eaLnBrk="0" fontAlgn="base" hangingPunct="0">
+                  <a:spcBef>
+                    <a:spcPct val="0"/>
+                  </a:spcBef>
+                  <a:spcAft>
+                    <a:spcPct val="0"/>
+                  </a:spcAft>
+                  <a:defRPr kumimoji="1">
+                    <a:solidFill>
+                      <a:schemeClr val="tx1"/>
+                    </a:solidFill>
+                    <a:latin typeface="Arial" panose="020B0604020202020204" pitchFamily="34" charset="0"/>
+                    <a:ea typeface="ＭＳ Ｐゴシック" panose="020B0600070205080204" pitchFamily="50" charset="-128"/>
+                  </a:defRPr>
+                </a:lvl9pPr>
+              </a:lstStyle>
+              <a:p>
+                <a:r>
+                  <a:rPr lang="en-US" altLang="ja-JP" dirty="0"/>
+                  <a:t>0.9</a:t>
+                </a:r>
+                <a:endParaRPr lang="ja-JP" altLang="en-US" dirty="0"/>
+              </a:p>
+            </p:txBody>
+          </p:sp>
+          <p:sp>
+            <p:nvSpPr>
+              <p:cNvPr id="36" name="テキスト ボックス 58"/>
+              <p:cNvSpPr txBox="1">
+                <a:spLocks noChangeArrowheads="1"/>
+              </p:cNvSpPr>
+              <p:nvPr/>
+            </p:nvSpPr>
+            <p:spPr bwMode="auto">
+              <a:xfrm>
+                <a:off x="108819" y="3288268"/>
+                <a:ext cx="505307" cy="369332"/>
+              </a:xfrm>
+              <a:prstGeom prst="rect">
+                <a:avLst/>
+              </a:prstGeom>
+              <a:noFill/>
+              <a:ln>
+                <a:noFill/>
+              </a:ln>
+              <a:extLst>
+                <a:ext uri="{909E8E84-426E-40DD-AFC4-6F175D3DCCD1}">
+                  <a14:hiddenFill xmlns:a14="http://schemas.microsoft.com/office/drawing/2010/main">
+                    <a:solidFill>
+                      <a:srgbClr val="FFFFFF"/>
+                    </a:solidFill>
+                  </a14:hiddenFill>
+                </a:ext>
+                <a:ext uri="{91240B29-F687-4F45-9708-019B960494DF}">
+                  <a14:hiddenLine xmlns:a14="http://schemas.microsoft.com/office/drawing/2010/main" w="9525">
+                    <a:solidFill>
+                      <a:srgbClr val="000000"/>
+                    </a:solidFill>
+                    <a:miter lim="800000"/>
+                    <a:headEnd/>
+                    <a:tailEnd/>
+                  </a14:hiddenLine>
+                </a:ext>
+              </a:extLst>
+            </p:spPr>
+            <p:txBody>
+              <a:bodyPr wrap="none">
+                <a:spAutoFit/>
+              </a:bodyPr>
+              <a:lstStyle>
+                <a:lvl1pPr>
+                  <a:defRPr kumimoji="1">
+                    <a:solidFill>
+                      <a:schemeClr val="tx1"/>
+                    </a:solidFill>
+                    <a:latin typeface="Arial" panose="020B0604020202020204" pitchFamily="34" charset="0"/>
+                    <a:ea typeface="ＭＳ Ｐゴシック" panose="020B0600070205080204" pitchFamily="50" charset="-128"/>
+                  </a:defRPr>
+                </a:lvl1pPr>
+                <a:lvl2pPr marL="742950" indent="-285750">
+                  <a:defRPr kumimoji="1">
+                    <a:solidFill>
+                      <a:schemeClr val="tx1"/>
+                    </a:solidFill>
+                    <a:latin typeface="Arial" panose="020B0604020202020204" pitchFamily="34" charset="0"/>
+                    <a:ea typeface="ＭＳ Ｐゴシック" panose="020B0600070205080204" pitchFamily="50" charset="-128"/>
+                  </a:defRPr>
+                </a:lvl2pPr>
+                <a:lvl3pPr marL="1143000" indent="-228600">
+                  <a:defRPr kumimoji="1">
+                    <a:solidFill>
+                      <a:schemeClr val="tx1"/>
+                    </a:solidFill>
+                    <a:latin typeface="Arial" panose="020B0604020202020204" pitchFamily="34" charset="0"/>
+                    <a:ea typeface="ＭＳ Ｐゴシック" panose="020B0600070205080204" pitchFamily="50" charset="-128"/>
+                  </a:defRPr>
+                </a:lvl3pPr>
+                <a:lvl4pPr marL="1600200" indent="-228600">
+                  <a:defRPr kumimoji="1">
+                    <a:solidFill>
+                      <a:schemeClr val="tx1"/>
+                    </a:solidFill>
+                    <a:latin typeface="Arial" panose="020B0604020202020204" pitchFamily="34" charset="0"/>
+                    <a:ea typeface="ＭＳ Ｐゴシック" panose="020B0600070205080204" pitchFamily="50" charset="-128"/>
+                  </a:defRPr>
+                </a:lvl4pPr>
+                <a:lvl5pPr marL="2057400" indent="-228600">
+                  <a:defRPr kumimoji="1">
+                    <a:solidFill>
+                      <a:schemeClr val="tx1"/>
+                    </a:solidFill>
+                    <a:latin typeface="Arial" panose="020B0604020202020204" pitchFamily="34" charset="0"/>
+                    <a:ea typeface="ＭＳ Ｐゴシック" panose="020B0600070205080204" pitchFamily="50" charset="-128"/>
+                  </a:defRPr>
+                </a:lvl5pPr>
+                <a:lvl6pPr marL="2514600" indent="-228600" eaLnBrk="0" fontAlgn="base" hangingPunct="0">
+                  <a:spcBef>
+                    <a:spcPct val="0"/>
+                  </a:spcBef>
+                  <a:spcAft>
+                    <a:spcPct val="0"/>
+                  </a:spcAft>
+                  <a:defRPr kumimoji="1">
+                    <a:solidFill>
+                      <a:schemeClr val="tx1"/>
+                    </a:solidFill>
+                    <a:latin typeface="Arial" panose="020B0604020202020204" pitchFamily="34" charset="0"/>
+                    <a:ea typeface="ＭＳ Ｐゴシック" panose="020B0600070205080204" pitchFamily="50" charset="-128"/>
+                  </a:defRPr>
+                </a:lvl6pPr>
+                <a:lvl7pPr marL="2971800" indent="-228600" eaLnBrk="0" fontAlgn="base" hangingPunct="0">
+                  <a:spcBef>
+                    <a:spcPct val="0"/>
+                  </a:spcBef>
+                  <a:spcAft>
+                    <a:spcPct val="0"/>
+                  </a:spcAft>
+                  <a:defRPr kumimoji="1">
+                    <a:solidFill>
+                      <a:schemeClr val="tx1"/>
+                    </a:solidFill>
+                    <a:latin typeface="Arial" panose="020B0604020202020204" pitchFamily="34" charset="0"/>
+                    <a:ea typeface="ＭＳ Ｐゴシック" panose="020B0600070205080204" pitchFamily="50" charset="-128"/>
+                  </a:defRPr>
+                </a:lvl7pPr>
+                <a:lvl8pPr marL="3429000" indent="-228600" eaLnBrk="0" fontAlgn="base" hangingPunct="0">
+                  <a:spcBef>
+                    <a:spcPct val="0"/>
+                  </a:spcBef>
+                  <a:spcAft>
+                    <a:spcPct val="0"/>
+                  </a:spcAft>
+                  <a:defRPr kumimoji="1">
+                    <a:solidFill>
+                      <a:schemeClr val="tx1"/>
+                    </a:solidFill>
+                    <a:latin typeface="Arial" panose="020B0604020202020204" pitchFamily="34" charset="0"/>
+                    <a:ea typeface="ＭＳ Ｐゴシック" panose="020B0600070205080204" pitchFamily="50" charset="-128"/>
+                  </a:defRPr>
+                </a:lvl8pPr>
+                <a:lvl9pPr marL="3886200" indent="-228600" eaLnBrk="0" fontAlgn="base" hangingPunct="0">
+                  <a:spcBef>
+                    <a:spcPct val="0"/>
+                  </a:spcBef>
+                  <a:spcAft>
+                    <a:spcPct val="0"/>
+                  </a:spcAft>
+                  <a:defRPr kumimoji="1">
+                    <a:solidFill>
+                      <a:schemeClr val="tx1"/>
+                    </a:solidFill>
+                    <a:latin typeface="Arial" panose="020B0604020202020204" pitchFamily="34" charset="0"/>
+                    <a:ea typeface="ＭＳ Ｐゴシック" panose="020B0600070205080204" pitchFamily="50" charset="-128"/>
+                  </a:defRPr>
+                </a:lvl9pPr>
+              </a:lstStyle>
+              <a:p>
+                <a:r>
+                  <a:rPr lang="en-US" altLang="ja-JP" dirty="0"/>
+                  <a:t>0.1</a:t>
+                </a:r>
+                <a:endParaRPr lang="ja-JP" altLang="en-US" dirty="0"/>
+              </a:p>
+            </p:txBody>
+          </p:sp>
+        </p:grpSp>
+        <p:cxnSp>
+          <p:nvCxnSpPr>
+            <p:cNvPr id="14" name="直線コネクタ 13"/>
+            <p:cNvCxnSpPr>
+              <a:stCxn id="9" idx="3"/>
+            </p:cNvCxnSpPr>
+            <p:nvPr/>
+          </p:nvCxnSpPr>
+          <p:spPr>
+            <a:xfrm flipV="1">
+              <a:off x="3028157" y="3352800"/>
+              <a:ext cx="629443" cy="1828800"/>
+            </a:xfrm>
+            <a:prstGeom prst="line">
+              <a:avLst/>
+            </a:prstGeom>
+          </p:spPr>
+          <p:style>
+            <a:lnRef idx="1">
+              <a:schemeClr val="accent1"/>
+            </a:lnRef>
+            <a:fillRef idx="0">
+              <a:schemeClr val="accent1"/>
+            </a:fillRef>
+            <a:effectRef idx="0">
+              <a:schemeClr val="accent1"/>
+            </a:effectRef>
+            <a:fontRef idx="minor">
+              <a:schemeClr val="tx1"/>
+            </a:fontRef>
+          </p:style>
+        </p:cxnSp>
+        <p:cxnSp>
+          <p:nvCxnSpPr>
+            <p:cNvPr id="15" name="直線コネクタ 14"/>
+            <p:cNvCxnSpPr/>
+            <p:nvPr/>
+          </p:nvCxnSpPr>
+          <p:spPr>
+            <a:xfrm flipH="1">
+              <a:off x="3657600" y="3352800"/>
+              <a:ext cx="1055372" cy="0"/>
+            </a:xfrm>
+            <a:prstGeom prst="line">
+              <a:avLst/>
+            </a:prstGeom>
+          </p:spPr>
+          <p:style>
+            <a:lnRef idx="1">
+              <a:schemeClr val="accent1"/>
+            </a:lnRef>
+            <a:fillRef idx="0">
+              <a:schemeClr val="accent1"/>
+            </a:fillRef>
+            <a:effectRef idx="0">
+              <a:schemeClr val="accent1"/>
+            </a:effectRef>
+            <a:fontRef idx="minor">
+              <a:schemeClr val="tx1"/>
+            </a:fontRef>
+          </p:style>
+        </p:cxnSp>
+        <p:cxnSp>
+          <p:nvCxnSpPr>
+            <p:cNvPr id="18" name="直線コネクタ 17"/>
+            <p:cNvCxnSpPr>
+              <a:stCxn id="9" idx="4"/>
+            </p:cNvCxnSpPr>
+            <p:nvPr/>
+          </p:nvCxnSpPr>
+          <p:spPr>
+            <a:xfrm flipH="1" flipV="1">
+              <a:off x="4738895" y="3352800"/>
+              <a:ext cx="2968" cy="1828800"/>
+            </a:xfrm>
+            <a:prstGeom prst="line">
+              <a:avLst/>
+            </a:prstGeom>
+          </p:spPr>
+          <p:style>
+            <a:lnRef idx="1">
+              <a:schemeClr val="accent1"/>
+            </a:lnRef>
+            <a:fillRef idx="0">
+              <a:schemeClr val="accent1"/>
+            </a:fillRef>
+            <a:effectRef idx="0">
+              <a:schemeClr val="accent1"/>
+            </a:effectRef>
+            <a:fontRef idx="minor">
+              <a:schemeClr val="tx1"/>
+            </a:fontRef>
+          </p:style>
+        </p:cxnSp>
+      </p:grpSp>
+      <p:sp>
+        <p:nvSpPr>
+          <p:cNvPr id="22" name="テキスト ボックス 7"/>
+          <p:cNvSpPr txBox="1">
+            <a:spLocks noChangeArrowheads="1"/>
+          </p:cNvSpPr>
+          <p:nvPr/>
+        </p:nvSpPr>
+        <p:spPr bwMode="auto">
+          <a:xfrm>
+            <a:off x="252457" y="2026850"/>
+            <a:ext cx="1447800" cy="368300"/>
+          </a:xfrm>
+          <a:prstGeom prst="rect">
+            <a:avLst/>
+          </a:prstGeom>
+          <a:noFill/>
+          <a:ln>
+            <a:noFill/>
+          </a:ln>
+          <a:extLst>
+            <a:ext uri="{909E8E84-426E-40DD-AFC4-6F175D3DCCD1}">
+              <a14:hiddenFill xmlns:a14="http://schemas.microsoft.com/office/drawing/2010/main">
+                <a:solidFill>
+                  <a:srgbClr val="FFFFFF"/>
+                </a:solidFill>
+              </a14:hiddenFill>
+            </a:ext>
+            <a:ext uri="{91240B29-F687-4F45-9708-019B960494DF}">
+              <a14:hiddenLine xmlns:a14="http://schemas.microsoft.com/office/drawing/2010/main" w="9525">
+                <a:solidFill>
+                  <a:srgbClr val="000000"/>
+                </a:solidFill>
+                <a:miter lim="800000"/>
+                <a:headEnd/>
+                <a:tailEnd/>
+              </a14:hiddenLine>
+            </a:ext>
+          </a:extLst>
+        </p:spPr>
+        <p:txBody>
+          <a:bodyPr>
+            <a:spAutoFit/>
+          </a:bodyPr>
+          <a:lstStyle>
+            <a:lvl1pPr>
+              <a:defRPr kumimoji="1">
+                <a:solidFill>
+                  <a:schemeClr val="tx1"/>
+                </a:solidFill>
+                <a:latin typeface="Arial" panose="020B0604020202020204" pitchFamily="34" charset="0"/>
+                <a:ea typeface="ＭＳ Ｐゴシック" panose="020B0600070205080204" pitchFamily="50" charset="-128"/>
+              </a:defRPr>
+            </a:lvl1pPr>
+            <a:lvl2pPr marL="742950" indent="-285750">
+              <a:defRPr kumimoji="1">
+                <a:solidFill>
+                  <a:schemeClr val="tx1"/>
+                </a:solidFill>
+                <a:latin typeface="Arial" panose="020B0604020202020204" pitchFamily="34" charset="0"/>
+                <a:ea typeface="ＭＳ Ｐゴシック" panose="020B0600070205080204" pitchFamily="50" charset="-128"/>
+              </a:defRPr>
+            </a:lvl2pPr>
+            <a:lvl3pPr marL="1143000" indent="-228600">
+              <a:defRPr kumimoji="1">
+                <a:solidFill>
+                  <a:schemeClr val="tx1"/>
+                </a:solidFill>
+                <a:latin typeface="Arial" panose="020B0604020202020204" pitchFamily="34" charset="0"/>
+                <a:ea typeface="ＭＳ Ｐゴシック" panose="020B0600070205080204" pitchFamily="50" charset="-128"/>
+              </a:defRPr>
+            </a:lvl3pPr>
+            <a:lvl4pPr marL="1600200" indent="-228600">
+              <a:defRPr kumimoji="1">
+                <a:solidFill>
+                  <a:schemeClr val="tx1"/>
+                </a:solidFill>
+                <a:latin typeface="Arial" panose="020B0604020202020204" pitchFamily="34" charset="0"/>
+                <a:ea typeface="ＭＳ Ｐゴシック" panose="020B0600070205080204" pitchFamily="50" charset="-128"/>
+              </a:defRPr>
+            </a:lvl4pPr>
+            <a:lvl5pPr marL="2057400" indent="-228600">
+              <a:defRPr kumimoji="1">
+                <a:solidFill>
+                  <a:schemeClr val="tx1"/>
+                </a:solidFill>
+                <a:latin typeface="Arial" panose="020B0604020202020204" pitchFamily="34" charset="0"/>
+                <a:ea typeface="ＭＳ Ｐゴシック" panose="020B0600070205080204" pitchFamily="50" charset="-128"/>
+              </a:defRPr>
+            </a:lvl5pPr>
+            <a:lvl6pPr marL="2514600" indent="-228600" eaLnBrk="0" fontAlgn="base" hangingPunct="0">
+              <a:spcBef>
+                <a:spcPct val="0"/>
+              </a:spcBef>
+              <a:spcAft>
+                <a:spcPct val="0"/>
+              </a:spcAft>
+              <a:defRPr kumimoji="1">
+                <a:solidFill>
+                  <a:schemeClr val="tx1"/>
+                </a:solidFill>
+                <a:latin typeface="Arial" panose="020B0604020202020204" pitchFamily="34" charset="0"/>
+                <a:ea typeface="ＭＳ Ｐゴシック" panose="020B0600070205080204" pitchFamily="50" charset="-128"/>
+              </a:defRPr>
+            </a:lvl6pPr>
+            <a:lvl7pPr marL="2971800" indent="-228600" eaLnBrk="0" fontAlgn="base" hangingPunct="0">
+              <a:spcBef>
+                <a:spcPct val="0"/>
+              </a:spcBef>
+              <a:spcAft>
+                <a:spcPct val="0"/>
+              </a:spcAft>
+              <a:defRPr kumimoji="1">
+                <a:solidFill>
+                  <a:schemeClr val="tx1"/>
+                </a:solidFill>
+                <a:latin typeface="Arial" panose="020B0604020202020204" pitchFamily="34" charset="0"/>
+                <a:ea typeface="ＭＳ Ｐゴシック" panose="020B0600070205080204" pitchFamily="50" charset="-128"/>
+              </a:defRPr>
+            </a:lvl7pPr>
+            <a:lvl8pPr marL="3429000" indent="-228600" eaLnBrk="0" fontAlgn="base" hangingPunct="0">
+              <a:spcBef>
+                <a:spcPct val="0"/>
+              </a:spcBef>
+              <a:spcAft>
+                <a:spcPct val="0"/>
+              </a:spcAft>
+              <a:defRPr kumimoji="1">
+                <a:solidFill>
+                  <a:schemeClr val="tx1"/>
+                </a:solidFill>
+                <a:latin typeface="Arial" panose="020B0604020202020204" pitchFamily="34" charset="0"/>
+                <a:ea typeface="ＭＳ Ｐゴシック" panose="020B0600070205080204" pitchFamily="50" charset="-128"/>
+              </a:defRPr>
+            </a:lvl8pPr>
+            <a:lvl9pPr marL="3886200" indent="-228600" eaLnBrk="0" fontAlgn="base" hangingPunct="0">
+              <a:spcBef>
+                <a:spcPct val="0"/>
+              </a:spcBef>
+              <a:spcAft>
+                <a:spcPct val="0"/>
+              </a:spcAft>
+              <a:defRPr kumimoji="1">
+                <a:solidFill>
+                  <a:schemeClr val="tx1"/>
+                </a:solidFill>
+                <a:latin typeface="Arial" panose="020B0604020202020204" pitchFamily="34" charset="0"/>
+                <a:ea typeface="ＭＳ Ｐゴシック" panose="020B0600070205080204" pitchFamily="50" charset="-128"/>
+              </a:defRPr>
+            </a:lvl9pPr>
+          </a:lstStyle>
+          <a:p>
+            <a:r>
+              <a:rPr lang="ja-JP" altLang="en-US" dirty="0"/>
+              <a:t>気温：</a:t>
+            </a:r>
+            <a:r>
+              <a:rPr lang="en-US" altLang="ja-JP" dirty="0"/>
+              <a:t>26</a:t>
+            </a:r>
+            <a:r>
+              <a:rPr lang="ja-JP" altLang="en-US" dirty="0"/>
+              <a:t>℃</a:t>
+            </a:r>
+            <a:endParaRPr lang="en-US" altLang="ja-JP" dirty="0"/>
+          </a:p>
+        </p:txBody>
+      </p:sp>
+      <p:cxnSp>
+        <p:nvCxnSpPr>
+          <p:cNvPr id="24" name="直線コネクタ 23"/>
+          <p:cNvCxnSpPr/>
+          <p:nvPr/>
+        </p:nvCxnSpPr>
+        <p:spPr>
+          <a:xfrm>
+            <a:off x="3048000" y="4343400"/>
+            <a:ext cx="0" cy="1981201"/>
+          </a:xfrm>
+          <a:prstGeom prst="line">
+            <a:avLst/>
+          </a:prstGeom>
+          <a:ln>
+            <a:solidFill>
+              <a:srgbClr val="FF0000"/>
+            </a:solidFill>
+            <a:prstDash val="lgDash"/>
+          </a:ln>
+        </p:spPr>
+        <p:style>
+          <a:lnRef idx="1">
+            <a:schemeClr val="accent1"/>
+          </a:lnRef>
+          <a:fillRef idx="0">
+            <a:schemeClr val="accent1"/>
+          </a:fillRef>
+          <a:effectRef idx="0">
+            <a:schemeClr val="accent1"/>
+          </a:effectRef>
+          <a:fontRef idx="minor">
+            <a:schemeClr val="tx1"/>
+          </a:fontRef>
+        </p:style>
+      </p:cxnSp>
+      <p:sp>
+        <p:nvSpPr>
+          <p:cNvPr id="25" name="テキスト ボックス 7"/>
+          <p:cNvSpPr txBox="1">
+            <a:spLocks noChangeArrowheads="1"/>
+          </p:cNvSpPr>
+          <p:nvPr/>
+        </p:nvSpPr>
+        <p:spPr bwMode="auto">
+          <a:xfrm>
+            <a:off x="2865246" y="6264017"/>
+            <a:ext cx="1447800" cy="368300"/>
+          </a:xfrm>
+          <a:prstGeom prst="rect">
+            <a:avLst/>
+          </a:prstGeom>
+          <a:noFill/>
+          <a:ln>
+            <a:noFill/>
+          </a:ln>
+          <a:extLst>
+            <a:ext uri="{909E8E84-426E-40DD-AFC4-6F175D3DCCD1}">
+              <a14:hiddenFill xmlns:a14="http://schemas.microsoft.com/office/drawing/2010/main">
+                <a:solidFill>
+                  <a:srgbClr val="FFFFFF"/>
+                </a:solidFill>
+              </a14:hiddenFill>
+            </a:ext>
+            <a:ext uri="{91240B29-F687-4F45-9708-019B960494DF}">
+              <a14:hiddenLine xmlns:a14="http://schemas.microsoft.com/office/drawing/2010/main" w="9525">
+                <a:solidFill>
+                  <a:srgbClr val="000000"/>
+                </a:solidFill>
+                <a:miter lim="800000"/>
+                <a:headEnd/>
+                <a:tailEnd/>
+              </a14:hiddenLine>
+            </a:ext>
+          </a:extLst>
+        </p:spPr>
+        <p:txBody>
+          <a:bodyPr>
+            <a:spAutoFit/>
+          </a:bodyPr>
+          <a:lstStyle>
+            <a:lvl1pPr>
+              <a:defRPr kumimoji="1">
+                <a:solidFill>
+                  <a:schemeClr val="tx1"/>
+                </a:solidFill>
+                <a:latin typeface="Arial" panose="020B0604020202020204" pitchFamily="34" charset="0"/>
+                <a:ea typeface="ＭＳ Ｐゴシック" panose="020B0600070205080204" pitchFamily="50" charset="-128"/>
+              </a:defRPr>
+            </a:lvl1pPr>
+            <a:lvl2pPr marL="742950" indent="-285750">
+              <a:defRPr kumimoji="1">
+                <a:solidFill>
+                  <a:schemeClr val="tx1"/>
+                </a:solidFill>
+                <a:latin typeface="Arial" panose="020B0604020202020204" pitchFamily="34" charset="0"/>
+                <a:ea typeface="ＭＳ Ｐゴシック" panose="020B0600070205080204" pitchFamily="50" charset="-128"/>
+              </a:defRPr>
+            </a:lvl2pPr>
+            <a:lvl3pPr marL="1143000" indent="-228600">
+              <a:defRPr kumimoji="1">
+                <a:solidFill>
+                  <a:schemeClr val="tx1"/>
+                </a:solidFill>
+                <a:latin typeface="Arial" panose="020B0604020202020204" pitchFamily="34" charset="0"/>
+                <a:ea typeface="ＭＳ Ｐゴシック" panose="020B0600070205080204" pitchFamily="50" charset="-128"/>
+              </a:defRPr>
+            </a:lvl3pPr>
+            <a:lvl4pPr marL="1600200" indent="-228600">
+              <a:defRPr kumimoji="1">
+                <a:solidFill>
+                  <a:schemeClr val="tx1"/>
+                </a:solidFill>
+                <a:latin typeface="Arial" panose="020B0604020202020204" pitchFamily="34" charset="0"/>
+                <a:ea typeface="ＭＳ Ｐゴシック" panose="020B0600070205080204" pitchFamily="50" charset="-128"/>
+              </a:defRPr>
+            </a:lvl4pPr>
+            <a:lvl5pPr marL="2057400" indent="-228600">
+              <a:defRPr kumimoji="1">
+                <a:solidFill>
+                  <a:schemeClr val="tx1"/>
+                </a:solidFill>
+                <a:latin typeface="Arial" panose="020B0604020202020204" pitchFamily="34" charset="0"/>
+                <a:ea typeface="ＭＳ Ｐゴシック" panose="020B0600070205080204" pitchFamily="50" charset="-128"/>
+              </a:defRPr>
+            </a:lvl5pPr>
+            <a:lvl6pPr marL="2514600" indent="-228600" eaLnBrk="0" fontAlgn="base" hangingPunct="0">
+              <a:spcBef>
+                <a:spcPct val="0"/>
+              </a:spcBef>
+              <a:spcAft>
+                <a:spcPct val="0"/>
+              </a:spcAft>
+              <a:defRPr kumimoji="1">
+                <a:solidFill>
+                  <a:schemeClr val="tx1"/>
+                </a:solidFill>
+                <a:latin typeface="Arial" panose="020B0604020202020204" pitchFamily="34" charset="0"/>
+                <a:ea typeface="ＭＳ Ｐゴシック" panose="020B0600070205080204" pitchFamily="50" charset="-128"/>
+              </a:defRPr>
+            </a:lvl6pPr>
+            <a:lvl7pPr marL="2971800" indent="-228600" eaLnBrk="0" fontAlgn="base" hangingPunct="0">
+              <a:spcBef>
+                <a:spcPct val="0"/>
+              </a:spcBef>
+              <a:spcAft>
+                <a:spcPct val="0"/>
+              </a:spcAft>
+              <a:defRPr kumimoji="1">
+                <a:solidFill>
+                  <a:schemeClr val="tx1"/>
+                </a:solidFill>
+                <a:latin typeface="Arial" panose="020B0604020202020204" pitchFamily="34" charset="0"/>
+                <a:ea typeface="ＭＳ Ｐゴシック" panose="020B0600070205080204" pitchFamily="50" charset="-128"/>
+              </a:defRPr>
+            </a:lvl7pPr>
+            <a:lvl8pPr marL="3429000" indent="-228600" eaLnBrk="0" fontAlgn="base" hangingPunct="0">
+              <a:spcBef>
+                <a:spcPct val="0"/>
+              </a:spcBef>
+              <a:spcAft>
+                <a:spcPct val="0"/>
+              </a:spcAft>
+              <a:defRPr kumimoji="1">
+                <a:solidFill>
+                  <a:schemeClr val="tx1"/>
+                </a:solidFill>
+                <a:latin typeface="Arial" panose="020B0604020202020204" pitchFamily="34" charset="0"/>
+                <a:ea typeface="ＭＳ Ｐゴシック" panose="020B0600070205080204" pitchFamily="50" charset="-128"/>
+              </a:defRPr>
+            </a:lvl8pPr>
+            <a:lvl9pPr marL="3886200" indent="-228600" eaLnBrk="0" fontAlgn="base" hangingPunct="0">
+              <a:spcBef>
+                <a:spcPct val="0"/>
+              </a:spcBef>
+              <a:spcAft>
+                <a:spcPct val="0"/>
+              </a:spcAft>
+              <a:defRPr kumimoji="1">
+                <a:solidFill>
+                  <a:schemeClr val="tx1"/>
+                </a:solidFill>
+                <a:latin typeface="Arial" panose="020B0604020202020204" pitchFamily="34" charset="0"/>
+                <a:ea typeface="ＭＳ Ｐゴシック" panose="020B0600070205080204" pitchFamily="50" charset="-128"/>
+              </a:defRPr>
+            </a:lvl9pPr>
+          </a:lstStyle>
+          <a:p>
+            <a:r>
+              <a:rPr lang="en-US" altLang="ja-JP" dirty="0"/>
+              <a:t>26</a:t>
+            </a:r>
+          </a:p>
+        </p:txBody>
+      </p:sp>
+      <p:sp>
+        <p:nvSpPr>
+          <p:cNvPr id="26" name="テキスト ボックス 7"/>
+          <p:cNvSpPr txBox="1">
+            <a:spLocks noChangeArrowheads="1"/>
+          </p:cNvSpPr>
+          <p:nvPr/>
+        </p:nvSpPr>
+        <p:spPr bwMode="auto">
+          <a:xfrm>
+            <a:off x="4495800" y="6090452"/>
+            <a:ext cx="1447800" cy="368300"/>
+          </a:xfrm>
+          <a:prstGeom prst="rect">
+            <a:avLst/>
+          </a:prstGeom>
+          <a:noFill/>
+          <a:ln>
+            <a:noFill/>
+          </a:ln>
+          <a:extLst>
+            <a:ext uri="{909E8E84-426E-40DD-AFC4-6F175D3DCCD1}">
+              <a14:hiddenFill xmlns:a14="http://schemas.microsoft.com/office/drawing/2010/main">
+                <a:solidFill>
+                  <a:srgbClr val="FFFFFF"/>
+                </a:solidFill>
+              </a14:hiddenFill>
+            </a:ext>
+            <a:ext uri="{91240B29-F687-4F45-9708-019B960494DF}">
+              <a14:hiddenLine xmlns:a14="http://schemas.microsoft.com/office/drawing/2010/main" w="9525">
+                <a:solidFill>
+                  <a:srgbClr val="000000"/>
+                </a:solidFill>
+                <a:miter lim="800000"/>
+                <a:headEnd/>
+                <a:tailEnd/>
+              </a14:hiddenLine>
+            </a:ext>
+          </a:extLst>
+        </p:spPr>
+        <p:txBody>
+          <a:bodyPr>
+            <a:spAutoFit/>
+          </a:bodyPr>
+          <a:lstStyle>
+            <a:lvl1pPr>
+              <a:defRPr kumimoji="1">
+                <a:solidFill>
+                  <a:schemeClr val="tx1"/>
+                </a:solidFill>
+                <a:latin typeface="Arial" panose="020B0604020202020204" pitchFamily="34" charset="0"/>
+                <a:ea typeface="ＭＳ Ｐゴシック" panose="020B0600070205080204" pitchFamily="50" charset="-128"/>
+              </a:defRPr>
+            </a:lvl1pPr>
+            <a:lvl2pPr marL="742950" indent="-285750">
+              <a:defRPr kumimoji="1">
+                <a:solidFill>
+                  <a:schemeClr val="tx1"/>
+                </a:solidFill>
+                <a:latin typeface="Arial" panose="020B0604020202020204" pitchFamily="34" charset="0"/>
+                <a:ea typeface="ＭＳ Ｐゴシック" panose="020B0600070205080204" pitchFamily="50" charset="-128"/>
+              </a:defRPr>
+            </a:lvl2pPr>
+            <a:lvl3pPr marL="1143000" indent="-228600">
+              <a:defRPr kumimoji="1">
+                <a:solidFill>
+                  <a:schemeClr val="tx1"/>
+                </a:solidFill>
+                <a:latin typeface="Arial" panose="020B0604020202020204" pitchFamily="34" charset="0"/>
+                <a:ea typeface="ＭＳ Ｐゴシック" panose="020B0600070205080204" pitchFamily="50" charset="-128"/>
+              </a:defRPr>
+            </a:lvl3pPr>
+            <a:lvl4pPr marL="1600200" indent="-228600">
+              <a:defRPr kumimoji="1">
+                <a:solidFill>
+                  <a:schemeClr val="tx1"/>
+                </a:solidFill>
+                <a:latin typeface="Arial" panose="020B0604020202020204" pitchFamily="34" charset="0"/>
+                <a:ea typeface="ＭＳ Ｐゴシック" panose="020B0600070205080204" pitchFamily="50" charset="-128"/>
+              </a:defRPr>
+            </a:lvl4pPr>
+            <a:lvl5pPr marL="2057400" indent="-228600">
+              <a:defRPr kumimoji="1">
+                <a:solidFill>
+                  <a:schemeClr val="tx1"/>
+                </a:solidFill>
+                <a:latin typeface="Arial" panose="020B0604020202020204" pitchFamily="34" charset="0"/>
+                <a:ea typeface="ＭＳ Ｐゴシック" panose="020B0600070205080204" pitchFamily="50" charset="-128"/>
+              </a:defRPr>
+            </a:lvl5pPr>
+            <a:lvl6pPr marL="2514600" indent="-228600" eaLnBrk="0" fontAlgn="base" hangingPunct="0">
+              <a:spcBef>
+                <a:spcPct val="0"/>
+              </a:spcBef>
+              <a:spcAft>
+                <a:spcPct val="0"/>
+              </a:spcAft>
+              <a:defRPr kumimoji="1">
+                <a:solidFill>
+                  <a:schemeClr val="tx1"/>
+                </a:solidFill>
+                <a:latin typeface="Arial" panose="020B0604020202020204" pitchFamily="34" charset="0"/>
+                <a:ea typeface="ＭＳ Ｐゴシック" panose="020B0600070205080204" pitchFamily="50" charset="-128"/>
+              </a:defRPr>
+            </a:lvl6pPr>
+            <a:lvl7pPr marL="2971800" indent="-228600" eaLnBrk="0" fontAlgn="base" hangingPunct="0">
+              <a:spcBef>
+                <a:spcPct val="0"/>
+              </a:spcBef>
+              <a:spcAft>
+                <a:spcPct val="0"/>
+              </a:spcAft>
+              <a:defRPr kumimoji="1">
+                <a:solidFill>
+                  <a:schemeClr val="tx1"/>
+                </a:solidFill>
+                <a:latin typeface="Arial" panose="020B0604020202020204" pitchFamily="34" charset="0"/>
+                <a:ea typeface="ＭＳ Ｐゴシック" panose="020B0600070205080204" pitchFamily="50" charset="-128"/>
+              </a:defRPr>
+            </a:lvl7pPr>
+            <a:lvl8pPr marL="3429000" indent="-228600" eaLnBrk="0" fontAlgn="base" hangingPunct="0">
+              <a:spcBef>
+                <a:spcPct val="0"/>
+              </a:spcBef>
+              <a:spcAft>
+                <a:spcPct val="0"/>
+              </a:spcAft>
+              <a:defRPr kumimoji="1">
+                <a:solidFill>
+                  <a:schemeClr val="tx1"/>
+                </a:solidFill>
+                <a:latin typeface="Arial" panose="020B0604020202020204" pitchFamily="34" charset="0"/>
+                <a:ea typeface="ＭＳ Ｐゴシック" panose="020B0600070205080204" pitchFamily="50" charset="-128"/>
+              </a:defRPr>
+            </a:lvl8pPr>
+            <a:lvl9pPr marL="3886200" indent="-228600" eaLnBrk="0" fontAlgn="base" hangingPunct="0">
+              <a:spcBef>
+                <a:spcPct val="0"/>
+              </a:spcBef>
+              <a:spcAft>
+                <a:spcPct val="0"/>
+              </a:spcAft>
+              <a:defRPr kumimoji="1">
+                <a:solidFill>
+                  <a:schemeClr val="tx1"/>
+                </a:solidFill>
+                <a:latin typeface="Arial" panose="020B0604020202020204" pitchFamily="34" charset="0"/>
+                <a:ea typeface="ＭＳ Ｐゴシック" panose="020B0600070205080204" pitchFamily="50" charset="-128"/>
+              </a:defRPr>
+            </a:lvl9pPr>
+          </a:lstStyle>
+          <a:p>
+            <a:r>
+              <a:rPr lang="ja-JP" altLang="en-US" dirty="0"/>
+              <a:t>℃</a:t>
+            </a:r>
+            <a:endParaRPr lang="en-US" altLang="ja-JP" dirty="0"/>
+          </a:p>
+        </p:txBody>
+      </p:sp>
+      <p:sp>
+        <p:nvSpPr>
+          <p:cNvPr id="27" name="楕円 26"/>
+          <p:cNvSpPr/>
+          <p:nvPr/>
+        </p:nvSpPr>
+        <p:spPr>
+          <a:xfrm>
+            <a:off x="2972388" y="4568193"/>
+            <a:ext cx="152400" cy="152400"/>
+          </a:xfrm>
+          <a:prstGeom prst="ellipse">
+            <a:avLst/>
+          </a:prstGeom>
+          <a:solidFill>
+            <a:schemeClr val="tx1"/>
+          </a:solidFill>
+        </p:spPr>
+        <p:style>
+          <a:lnRef idx="2">
+            <a:schemeClr val="accent1">
+              <a:shade val="50000"/>
+            </a:schemeClr>
+          </a:lnRef>
+          <a:fillRef idx="1">
+            <a:schemeClr val="accent1"/>
+          </a:fillRef>
+          <a:effectRef idx="0">
+            <a:schemeClr val="accent1"/>
+          </a:effectRef>
+          <a:fontRef idx="minor">
+            <a:schemeClr val="lt1"/>
+          </a:fontRef>
+        </p:style>
+        <p:txBody>
+          <a:bodyPr rtlCol="0" anchor="ctr"/>
+          <a:lstStyle/>
+          <a:p>
+            <a:pPr algn="ctr"/>
+            <a:endParaRPr kumimoji="1" lang="ja-JP" altLang="en-US"/>
+          </a:p>
+        </p:txBody>
+      </p:sp>
+      <p:sp>
+        <p:nvSpPr>
+          <p:cNvPr id="28" name="楕円 27"/>
+          <p:cNvSpPr/>
+          <p:nvPr/>
+        </p:nvSpPr>
+        <p:spPr>
+          <a:xfrm>
+            <a:off x="2972388" y="5454134"/>
+            <a:ext cx="152400" cy="152400"/>
+          </a:xfrm>
+          <a:prstGeom prst="ellipse">
+            <a:avLst/>
+          </a:prstGeom>
+          <a:solidFill>
+            <a:srgbClr val="FF0000"/>
+          </a:solidFill>
+        </p:spPr>
+        <p:style>
+          <a:lnRef idx="2">
+            <a:schemeClr val="accent1">
+              <a:shade val="50000"/>
+            </a:schemeClr>
+          </a:lnRef>
+          <a:fillRef idx="1">
+            <a:schemeClr val="accent1"/>
+          </a:fillRef>
+          <a:effectRef idx="0">
+            <a:schemeClr val="accent1"/>
+          </a:effectRef>
+          <a:fontRef idx="minor">
+            <a:schemeClr val="lt1"/>
+          </a:fontRef>
+        </p:style>
+        <p:txBody>
+          <a:bodyPr rtlCol="0" anchor="ctr"/>
+          <a:lstStyle/>
+          <a:p>
+            <a:pPr algn="ctr"/>
+            <a:endParaRPr kumimoji="1" lang="ja-JP" altLang="en-US"/>
+          </a:p>
+        </p:txBody>
+      </p:sp>
+      <p:sp>
+        <p:nvSpPr>
+          <p:cNvPr id="29" name="スマイル 28"/>
+          <p:cNvSpPr/>
+          <p:nvPr/>
+        </p:nvSpPr>
+        <p:spPr>
+          <a:xfrm>
+            <a:off x="1104900" y="2882150"/>
+            <a:ext cx="1371600" cy="1143000"/>
+          </a:xfrm>
+          <a:prstGeom prst="smileyFace">
+            <a:avLst/>
+          </a:prstGeom>
+        </p:spPr>
+        <p:style>
+          <a:lnRef idx="2">
+            <a:schemeClr val="accent1">
+              <a:shade val="50000"/>
+            </a:schemeClr>
+          </a:lnRef>
+          <a:fillRef idx="1">
+            <a:schemeClr val="accent1"/>
+          </a:fillRef>
+          <a:effectRef idx="0">
+            <a:schemeClr val="accent1"/>
+          </a:effectRef>
+          <a:fontRef idx="minor">
+            <a:schemeClr val="lt1"/>
+          </a:fontRef>
+        </p:style>
+        <p:txBody>
+          <a:bodyPr anchor="ctr"/>
+          <a:lstStyle/>
+          <a:p>
+            <a:pPr algn="ctr">
+              <a:defRPr/>
+            </a:pPr>
+            <a:endParaRPr lang="ja-JP" altLang="en-US"/>
+          </a:p>
+        </p:txBody>
+      </p:sp>
+      <p:sp>
+        <p:nvSpPr>
+          <p:cNvPr id="30" name="テキスト ボックス 4"/>
+          <p:cNvSpPr txBox="1">
+            <a:spLocks noChangeArrowheads="1"/>
+          </p:cNvSpPr>
+          <p:nvPr/>
+        </p:nvSpPr>
+        <p:spPr bwMode="auto">
+          <a:xfrm>
+            <a:off x="2972388" y="2916051"/>
+            <a:ext cx="1447800" cy="923925"/>
+          </a:xfrm>
+          <a:prstGeom prst="rect">
+            <a:avLst/>
+          </a:prstGeom>
+          <a:noFill/>
+          <a:ln>
+            <a:noFill/>
+          </a:ln>
+          <a:extLst>
+            <a:ext uri="{909E8E84-426E-40DD-AFC4-6F175D3DCCD1}">
+              <a14:hiddenFill xmlns:a14="http://schemas.microsoft.com/office/drawing/2010/main">
+                <a:solidFill>
+                  <a:srgbClr val="FFFFFF"/>
+                </a:solidFill>
+              </a14:hiddenFill>
+            </a:ext>
+            <a:ext uri="{91240B29-F687-4F45-9708-019B960494DF}">
+              <a14:hiddenLine xmlns:a14="http://schemas.microsoft.com/office/drawing/2010/main" w="9525">
+                <a:solidFill>
+                  <a:srgbClr val="000000"/>
+                </a:solidFill>
+                <a:miter lim="800000"/>
+                <a:headEnd/>
+                <a:tailEnd/>
+              </a14:hiddenLine>
+            </a:ext>
+          </a:extLst>
+        </p:spPr>
+        <p:txBody>
+          <a:bodyPr>
+            <a:spAutoFit/>
+          </a:bodyPr>
+          <a:lstStyle>
+            <a:lvl1pPr>
+              <a:defRPr kumimoji="1">
+                <a:solidFill>
+                  <a:schemeClr val="tx1"/>
+                </a:solidFill>
+                <a:latin typeface="Arial" panose="020B0604020202020204" pitchFamily="34" charset="0"/>
+                <a:ea typeface="ＭＳ Ｐゴシック" panose="020B0600070205080204" pitchFamily="50" charset="-128"/>
+              </a:defRPr>
+            </a:lvl1pPr>
+            <a:lvl2pPr marL="742950" indent="-285750">
+              <a:defRPr kumimoji="1">
+                <a:solidFill>
+                  <a:schemeClr val="tx1"/>
+                </a:solidFill>
+                <a:latin typeface="Arial" panose="020B0604020202020204" pitchFamily="34" charset="0"/>
+                <a:ea typeface="ＭＳ Ｐゴシック" panose="020B0600070205080204" pitchFamily="50" charset="-128"/>
+              </a:defRPr>
+            </a:lvl2pPr>
+            <a:lvl3pPr marL="1143000" indent="-228600">
+              <a:defRPr kumimoji="1">
+                <a:solidFill>
+                  <a:schemeClr val="tx1"/>
+                </a:solidFill>
+                <a:latin typeface="Arial" panose="020B0604020202020204" pitchFamily="34" charset="0"/>
+                <a:ea typeface="ＭＳ Ｐゴシック" panose="020B0600070205080204" pitchFamily="50" charset="-128"/>
+              </a:defRPr>
+            </a:lvl3pPr>
+            <a:lvl4pPr marL="1600200" indent="-228600">
+              <a:defRPr kumimoji="1">
+                <a:solidFill>
+                  <a:schemeClr val="tx1"/>
+                </a:solidFill>
+                <a:latin typeface="Arial" panose="020B0604020202020204" pitchFamily="34" charset="0"/>
+                <a:ea typeface="ＭＳ Ｐゴシック" panose="020B0600070205080204" pitchFamily="50" charset="-128"/>
+              </a:defRPr>
+            </a:lvl4pPr>
+            <a:lvl5pPr marL="2057400" indent="-228600">
+              <a:defRPr kumimoji="1">
+                <a:solidFill>
+                  <a:schemeClr val="tx1"/>
+                </a:solidFill>
+                <a:latin typeface="Arial" panose="020B0604020202020204" pitchFamily="34" charset="0"/>
+                <a:ea typeface="ＭＳ Ｐゴシック" panose="020B0600070205080204" pitchFamily="50" charset="-128"/>
+              </a:defRPr>
+            </a:lvl5pPr>
+            <a:lvl6pPr marL="2514600" indent="-228600" eaLnBrk="0" fontAlgn="base" hangingPunct="0">
+              <a:spcBef>
+                <a:spcPct val="0"/>
+              </a:spcBef>
+              <a:spcAft>
+                <a:spcPct val="0"/>
+              </a:spcAft>
+              <a:defRPr kumimoji="1">
+                <a:solidFill>
+                  <a:schemeClr val="tx1"/>
+                </a:solidFill>
+                <a:latin typeface="Arial" panose="020B0604020202020204" pitchFamily="34" charset="0"/>
+                <a:ea typeface="ＭＳ Ｐゴシック" panose="020B0600070205080204" pitchFamily="50" charset="-128"/>
+              </a:defRPr>
+            </a:lvl6pPr>
+            <a:lvl7pPr marL="2971800" indent="-228600" eaLnBrk="0" fontAlgn="base" hangingPunct="0">
+              <a:spcBef>
+                <a:spcPct val="0"/>
+              </a:spcBef>
+              <a:spcAft>
+                <a:spcPct val="0"/>
+              </a:spcAft>
+              <a:defRPr kumimoji="1">
+                <a:solidFill>
+                  <a:schemeClr val="tx1"/>
+                </a:solidFill>
+                <a:latin typeface="Arial" panose="020B0604020202020204" pitchFamily="34" charset="0"/>
+                <a:ea typeface="ＭＳ Ｐゴシック" panose="020B0600070205080204" pitchFamily="50" charset="-128"/>
+              </a:defRPr>
+            </a:lvl7pPr>
+            <a:lvl8pPr marL="3429000" indent="-228600" eaLnBrk="0" fontAlgn="base" hangingPunct="0">
+              <a:spcBef>
+                <a:spcPct val="0"/>
+              </a:spcBef>
+              <a:spcAft>
+                <a:spcPct val="0"/>
+              </a:spcAft>
+              <a:defRPr kumimoji="1">
+                <a:solidFill>
+                  <a:schemeClr val="tx1"/>
+                </a:solidFill>
+                <a:latin typeface="Arial" panose="020B0604020202020204" pitchFamily="34" charset="0"/>
+                <a:ea typeface="ＭＳ Ｐゴシック" panose="020B0600070205080204" pitchFamily="50" charset="-128"/>
+              </a:defRPr>
+            </a:lvl8pPr>
+            <a:lvl9pPr marL="3886200" indent="-228600" eaLnBrk="0" fontAlgn="base" hangingPunct="0">
+              <a:spcBef>
+                <a:spcPct val="0"/>
+              </a:spcBef>
+              <a:spcAft>
+                <a:spcPct val="0"/>
+              </a:spcAft>
+              <a:defRPr kumimoji="1">
+                <a:solidFill>
+                  <a:schemeClr val="tx1"/>
+                </a:solidFill>
+                <a:latin typeface="Arial" panose="020B0604020202020204" pitchFamily="34" charset="0"/>
+                <a:ea typeface="ＭＳ Ｐゴシック" panose="020B0600070205080204" pitchFamily="50" charset="-128"/>
+              </a:defRPr>
+            </a:lvl9pPr>
+          </a:lstStyle>
+          <a:p>
+            <a:r>
+              <a:rPr lang="ja-JP" altLang="en-US" dirty="0"/>
+              <a:t>暑い：</a:t>
+            </a:r>
+            <a:r>
+              <a:rPr lang="en-US" altLang="ja-JP" dirty="0"/>
+              <a:t>90</a:t>
+            </a:r>
+            <a:r>
+              <a:rPr lang="ja-JP" altLang="en-US" dirty="0"/>
+              <a:t>％</a:t>
+            </a:r>
+            <a:endParaRPr lang="en-US" altLang="ja-JP" dirty="0"/>
+          </a:p>
+          <a:p>
+            <a:r>
+              <a:rPr lang="ja-JP" altLang="en-US" dirty="0"/>
+              <a:t>涼しい：</a:t>
+            </a:r>
+            <a:r>
+              <a:rPr lang="en-US" altLang="ja-JP" dirty="0"/>
+              <a:t>10</a:t>
+            </a:r>
+            <a:r>
+              <a:rPr lang="ja-JP" altLang="en-US" dirty="0"/>
+              <a:t>％</a:t>
+            </a:r>
+            <a:endParaRPr lang="en-US" altLang="ja-JP" dirty="0"/>
+          </a:p>
+          <a:p>
+            <a:r>
+              <a:rPr lang="ja-JP" altLang="en-US" dirty="0"/>
+              <a:t>寒い：</a:t>
+            </a:r>
+            <a:r>
+              <a:rPr lang="en-US" altLang="ja-JP" dirty="0"/>
+              <a:t>0</a:t>
+            </a:r>
+            <a:r>
+              <a:rPr lang="ja-JP" altLang="en-US" dirty="0"/>
+              <a:t>％</a:t>
+            </a:r>
+            <a:endParaRPr lang="en-US" altLang="ja-JP" dirty="0"/>
+          </a:p>
+        </p:txBody>
+      </p:sp>
+      <p:cxnSp>
+        <p:nvCxnSpPr>
+          <p:cNvPr id="31" name="直線コネクタ 30"/>
+          <p:cNvCxnSpPr/>
+          <p:nvPr/>
+        </p:nvCxnSpPr>
+        <p:spPr>
+          <a:xfrm>
+            <a:off x="1066802" y="5530334"/>
+            <a:ext cx="1964707" cy="0"/>
+          </a:xfrm>
+          <a:prstGeom prst="line">
+            <a:avLst/>
+          </a:prstGeom>
+          <a:ln>
+            <a:solidFill>
+              <a:srgbClr val="FF0000"/>
+            </a:solidFill>
+            <a:prstDash val="lgDash"/>
+          </a:ln>
+        </p:spPr>
+        <p:style>
+          <a:lnRef idx="1">
+            <a:schemeClr val="accent1"/>
+          </a:lnRef>
+          <a:fillRef idx="0">
+            <a:schemeClr val="accent1"/>
+          </a:fillRef>
+          <a:effectRef idx="0">
+            <a:schemeClr val="accent1"/>
+          </a:effectRef>
+          <a:fontRef idx="minor">
+            <a:schemeClr val="tx1"/>
+          </a:fontRef>
+        </p:style>
+      </p:cxnSp>
+      <p:cxnSp>
+        <p:nvCxnSpPr>
+          <p:cNvPr id="34" name="直線コネクタ 33"/>
+          <p:cNvCxnSpPr/>
+          <p:nvPr/>
+        </p:nvCxnSpPr>
+        <p:spPr>
+          <a:xfrm>
+            <a:off x="1083293" y="4644393"/>
+            <a:ext cx="1964707" cy="0"/>
+          </a:xfrm>
+          <a:prstGeom prst="line">
+            <a:avLst/>
+          </a:prstGeom>
+          <a:ln>
+            <a:solidFill>
+              <a:srgbClr val="FF0000"/>
+            </a:solidFill>
+            <a:prstDash val="lgDash"/>
+          </a:ln>
+        </p:spPr>
+        <p:style>
+          <a:lnRef idx="1">
+            <a:schemeClr val="accent1"/>
+          </a:lnRef>
+          <a:fillRef idx="0">
+            <a:schemeClr val="accent1"/>
+          </a:fillRef>
+          <a:effectRef idx="0">
+            <a:schemeClr val="accent1"/>
+          </a:effectRef>
+          <a:fontRef idx="minor">
+            <a:schemeClr val="tx1"/>
+          </a:fontRef>
+        </p:style>
+      </p:cxnSp>
+      <p:sp>
+        <p:nvSpPr>
+          <p:cNvPr id="37" name="テキスト ボックス 7"/>
+          <p:cNvSpPr txBox="1">
+            <a:spLocks noChangeArrowheads="1"/>
+          </p:cNvSpPr>
+          <p:nvPr/>
+        </p:nvSpPr>
+        <p:spPr bwMode="auto">
+          <a:xfrm>
+            <a:off x="5594558" y="4436814"/>
+            <a:ext cx="3228784" cy="646331"/>
+          </a:xfrm>
+          <a:prstGeom prst="rect">
+            <a:avLst/>
+          </a:prstGeom>
+          <a:noFill/>
+          <a:ln>
+            <a:noFill/>
+          </a:ln>
+          <a:extLst>
+            <a:ext uri="{909E8E84-426E-40DD-AFC4-6F175D3DCCD1}">
+              <a14:hiddenFill xmlns:a14="http://schemas.microsoft.com/office/drawing/2010/main">
+                <a:solidFill>
+                  <a:srgbClr val="FFFFFF"/>
+                </a:solidFill>
+              </a14:hiddenFill>
+            </a:ext>
+            <a:ext uri="{91240B29-F687-4F45-9708-019B960494DF}">
+              <a14:hiddenLine xmlns:a14="http://schemas.microsoft.com/office/drawing/2010/main" w="9525">
+                <a:solidFill>
+                  <a:srgbClr val="000000"/>
+                </a:solidFill>
+                <a:miter lim="800000"/>
+                <a:headEnd/>
+                <a:tailEnd/>
+              </a14:hiddenLine>
+            </a:ext>
+          </a:extLst>
+        </p:spPr>
+        <p:txBody>
+          <a:bodyPr wrap="square">
+            <a:spAutoFit/>
+          </a:bodyPr>
+          <a:lstStyle>
+            <a:lvl1pPr>
+              <a:defRPr kumimoji="1">
+                <a:solidFill>
+                  <a:schemeClr val="tx1"/>
+                </a:solidFill>
+                <a:latin typeface="Arial" panose="020B0604020202020204" pitchFamily="34" charset="0"/>
+                <a:ea typeface="ＭＳ Ｐゴシック" panose="020B0600070205080204" pitchFamily="50" charset="-128"/>
+              </a:defRPr>
+            </a:lvl1pPr>
+            <a:lvl2pPr marL="742950" indent="-285750">
+              <a:defRPr kumimoji="1">
+                <a:solidFill>
+                  <a:schemeClr val="tx1"/>
+                </a:solidFill>
+                <a:latin typeface="Arial" panose="020B0604020202020204" pitchFamily="34" charset="0"/>
+                <a:ea typeface="ＭＳ Ｐゴシック" panose="020B0600070205080204" pitchFamily="50" charset="-128"/>
+              </a:defRPr>
+            </a:lvl2pPr>
+            <a:lvl3pPr marL="1143000" indent="-228600">
+              <a:defRPr kumimoji="1">
+                <a:solidFill>
+                  <a:schemeClr val="tx1"/>
+                </a:solidFill>
+                <a:latin typeface="Arial" panose="020B0604020202020204" pitchFamily="34" charset="0"/>
+                <a:ea typeface="ＭＳ Ｐゴシック" panose="020B0600070205080204" pitchFamily="50" charset="-128"/>
+              </a:defRPr>
+            </a:lvl3pPr>
+            <a:lvl4pPr marL="1600200" indent="-228600">
+              <a:defRPr kumimoji="1">
+                <a:solidFill>
+                  <a:schemeClr val="tx1"/>
+                </a:solidFill>
+                <a:latin typeface="Arial" panose="020B0604020202020204" pitchFamily="34" charset="0"/>
+                <a:ea typeface="ＭＳ Ｐゴシック" panose="020B0600070205080204" pitchFamily="50" charset="-128"/>
+              </a:defRPr>
+            </a:lvl4pPr>
+            <a:lvl5pPr marL="2057400" indent="-228600">
+              <a:defRPr kumimoji="1">
+                <a:solidFill>
+                  <a:schemeClr val="tx1"/>
+                </a:solidFill>
+                <a:latin typeface="Arial" panose="020B0604020202020204" pitchFamily="34" charset="0"/>
+                <a:ea typeface="ＭＳ Ｐゴシック" panose="020B0600070205080204" pitchFamily="50" charset="-128"/>
+              </a:defRPr>
+            </a:lvl5pPr>
+            <a:lvl6pPr marL="2514600" indent="-228600" eaLnBrk="0" fontAlgn="base" hangingPunct="0">
+              <a:spcBef>
+                <a:spcPct val="0"/>
+              </a:spcBef>
+              <a:spcAft>
+                <a:spcPct val="0"/>
+              </a:spcAft>
+              <a:defRPr kumimoji="1">
+                <a:solidFill>
+                  <a:schemeClr val="tx1"/>
+                </a:solidFill>
+                <a:latin typeface="Arial" panose="020B0604020202020204" pitchFamily="34" charset="0"/>
+                <a:ea typeface="ＭＳ Ｐゴシック" panose="020B0600070205080204" pitchFamily="50" charset="-128"/>
+              </a:defRPr>
+            </a:lvl6pPr>
+            <a:lvl7pPr marL="2971800" indent="-228600" eaLnBrk="0" fontAlgn="base" hangingPunct="0">
+              <a:spcBef>
+                <a:spcPct val="0"/>
+              </a:spcBef>
+              <a:spcAft>
+                <a:spcPct val="0"/>
+              </a:spcAft>
+              <a:defRPr kumimoji="1">
+                <a:solidFill>
+                  <a:schemeClr val="tx1"/>
+                </a:solidFill>
+                <a:latin typeface="Arial" panose="020B0604020202020204" pitchFamily="34" charset="0"/>
+                <a:ea typeface="ＭＳ Ｐゴシック" panose="020B0600070205080204" pitchFamily="50" charset="-128"/>
+              </a:defRPr>
+            </a:lvl7pPr>
+            <a:lvl8pPr marL="3429000" indent="-228600" eaLnBrk="0" fontAlgn="base" hangingPunct="0">
+              <a:spcBef>
+                <a:spcPct val="0"/>
+              </a:spcBef>
+              <a:spcAft>
+                <a:spcPct val="0"/>
+              </a:spcAft>
+              <a:defRPr kumimoji="1">
+                <a:solidFill>
+                  <a:schemeClr val="tx1"/>
+                </a:solidFill>
+                <a:latin typeface="Arial" panose="020B0604020202020204" pitchFamily="34" charset="0"/>
+                <a:ea typeface="ＭＳ Ｐゴシック" panose="020B0600070205080204" pitchFamily="50" charset="-128"/>
+              </a:defRPr>
+            </a:lvl8pPr>
+            <a:lvl9pPr marL="3886200" indent="-228600" eaLnBrk="0" fontAlgn="base" hangingPunct="0">
+              <a:spcBef>
+                <a:spcPct val="0"/>
+              </a:spcBef>
+              <a:spcAft>
+                <a:spcPct val="0"/>
+              </a:spcAft>
+              <a:defRPr kumimoji="1">
+                <a:solidFill>
+                  <a:schemeClr val="tx1"/>
+                </a:solidFill>
+                <a:latin typeface="Arial" panose="020B0604020202020204" pitchFamily="34" charset="0"/>
+                <a:ea typeface="ＭＳ Ｐゴシック" panose="020B0600070205080204" pitchFamily="50" charset="-128"/>
+              </a:defRPr>
+            </a:lvl9pPr>
+          </a:lstStyle>
+          <a:p>
+            <a:r>
+              <a:rPr lang="ja-JP" altLang="en-US" dirty="0"/>
+              <a:t>「暑い」「涼しい」「寒い」</a:t>
+            </a:r>
+            <a:endParaRPr lang="en-US" altLang="ja-JP" dirty="0"/>
+          </a:p>
+          <a:p>
+            <a:r>
+              <a:rPr lang="ja-JP" altLang="en-US" dirty="0"/>
+              <a:t>それぞれ</a:t>
+            </a:r>
+            <a:r>
+              <a:rPr lang="ja-JP" altLang="en-US" dirty="0">
+                <a:solidFill>
+                  <a:srgbClr val="FF0000"/>
+                </a:solidFill>
+              </a:rPr>
+              <a:t>ファジィ集合</a:t>
+            </a:r>
+            <a:endParaRPr lang="en-US" altLang="ja-JP" dirty="0">
+              <a:solidFill>
+                <a:srgbClr val="FF0000"/>
+              </a:solidFill>
+            </a:endParaRPr>
+          </a:p>
+        </p:txBody>
+      </p:sp>
+    </p:spTree>
+    <p:extLst>
+      <p:ext uri="{BB962C8B-B14F-4D97-AF65-F5344CB8AC3E}">
+        <p14:creationId xmlns:p14="http://schemas.microsoft.com/office/powerpoint/2010/main" val="3688298170"/>
+      </p:ext>
+    </p:extLst>
+  </p:cSld>
+  <p:clrMapOvr>
+    <a:masterClrMapping/>
+  </p:clrMapOvr>
+</p:sld>
+</file>
+
+<file path=ppt/slides/slide4.xml><?xml version="1.0" encoding="utf-8"?>
+<p:sld xmlns:a="http://schemas.openxmlformats.org/drawingml/2006/main" xmlns:r="http://schemas.openxmlformats.org/officeDocument/2006/relationships" xmlns:p="http://schemas.openxmlformats.org/presentationml/2006/main">
+  <p:cSld>
+    <p:spTree>
+      <p:nvGrpSpPr>
+        <p:cNvPr id="1" name=""/>
+        <p:cNvGrpSpPr/>
+        <p:nvPr/>
+      </p:nvGrpSpPr>
+      <p:grpSpPr>
+        <a:xfrm>
+          <a:off x="0" y="0"/>
+          <a:ext cx="0" cy="0"/>
+          <a:chOff x="0" y="0"/>
+          <a:chExt cx="0" cy="0"/>
+        </a:xfrm>
+      </p:grpSpPr>
+      <p:sp>
+        <p:nvSpPr>
+          <p:cNvPr id="2" name="タイトル 1"/>
+          <p:cNvSpPr>
+            <a:spLocks noGrp="1"/>
+          </p:cNvSpPr>
+          <p:nvPr>
+            <p:ph type="title"/>
+          </p:nvPr>
+        </p:nvSpPr>
+        <p:spPr/>
+        <p:txBody>
+          <a:bodyPr/>
+          <a:lstStyle/>
+          <a:p>
+            <a:r>
+              <a:rPr lang="ja-JP" altLang="en-US" dirty="0"/>
+              <a:t>三角型メンバシップ関数</a:t>
+            </a:r>
+            <a:endParaRPr kumimoji="1" lang="ja-JP" altLang="en-US" dirty="0"/>
+          </a:p>
+        </p:txBody>
+      </p:sp>
+      <p:grpSp>
+        <p:nvGrpSpPr>
+          <p:cNvPr id="3" name="グループ化 54"/>
+          <p:cNvGrpSpPr>
+            <a:grpSpLocks/>
+          </p:cNvGrpSpPr>
+          <p:nvPr/>
+        </p:nvGrpSpPr>
+        <p:grpSpPr bwMode="auto">
+          <a:xfrm>
+            <a:off x="780286" y="3429000"/>
+            <a:ext cx="3491897" cy="1905000"/>
+            <a:chOff x="667407" y="2286000"/>
+            <a:chExt cx="3492172" cy="1905000"/>
+          </a:xfrm>
+        </p:grpSpPr>
+        <p:grpSp>
+          <p:nvGrpSpPr>
+            <p:cNvPr id="4" name="グループ化 55"/>
+            <p:cNvGrpSpPr>
+              <a:grpSpLocks/>
+            </p:cNvGrpSpPr>
+            <p:nvPr/>
+          </p:nvGrpSpPr>
+          <p:grpSpPr bwMode="auto">
+            <a:xfrm>
+              <a:off x="685800" y="2286000"/>
+              <a:ext cx="3447393" cy="1905000"/>
+              <a:chOff x="1124607" y="2667000"/>
+              <a:chExt cx="3447393" cy="1905000"/>
+            </a:xfrm>
+          </p:grpSpPr>
+          <p:sp>
+            <p:nvSpPr>
+              <p:cNvPr id="8" name="正方形/長方形 7"/>
+              <p:cNvSpPr/>
+              <p:nvPr/>
+            </p:nvSpPr>
+            <p:spPr>
+              <a:xfrm>
+                <a:off x="1144317" y="2667000"/>
+                <a:ext cx="3427683" cy="1905000"/>
+              </a:xfrm>
+              <a:prstGeom prst="rect">
+                <a:avLst/>
+              </a:prstGeom>
+            </p:spPr>
+            <p:style>
+              <a:lnRef idx="2">
+                <a:schemeClr val="accent1">
+                  <a:shade val="50000"/>
+                </a:schemeClr>
+              </a:lnRef>
+              <a:fillRef idx="1">
+                <a:schemeClr val="accent1"/>
+              </a:fillRef>
+              <a:effectRef idx="0">
+                <a:schemeClr val="accent1"/>
+              </a:effectRef>
+              <a:fontRef idx="minor">
+                <a:schemeClr val="lt1"/>
+              </a:fontRef>
+            </p:style>
+            <p:txBody>
+              <a:bodyPr anchor="ctr"/>
+              <a:lstStyle/>
+              <a:p>
+                <a:pPr algn="ctr">
+                  <a:defRPr/>
+                </a:pPr>
+                <a:endParaRPr lang="ja-JP" altLang="en-US"/>
+              </a:p>
+            </p:txBody>
+          </p:sp>
+          <p:sp>
+            <p:nvSpPr>
+              <p:cNvPr id="9" name="二等辺三角形 8"/>
+              <p:cNvSpPr/>
+              <p:nvPr/>
+            </p:nvSpPr>
+            <p:spPr>
+              <a:xfrm>
+                <a:off x="1125265" y="2667000"/>
+                <a:ext cx="3427683" cy="1905000"/>
+              </a:xfrm>
+              <a:prstGeom prst="triangle">
+                <a:avLst/>
+              </a:prstGeom>
+            </p:spPr>
+            <p:style>
+              <a:lnRef idx="2">
+                <a:schemeClr val="accent1">
+                  <a:shade val="50000"/>
+                </a:schemeClr>
+              </a:lnRef>
+              <a:fillRef idx="1">
+                <a:schemeClr val="accent1"/>
+              </a:fillRef>
+              <a:effectRef idx="0">
+                <a:schemeClr val="accent1"/>
+              </a:effectRef>
+              <a:fontRef idx="minor">
+                <a:schemeClr val="lt1"/>
+              </a:fontRef>
+            </p:style>
+            <p:txBody>
+              <a:bodyPr anchor="ctr"/>
+              <a:lstStyle/>
+              <a:p>
+                <a:pPr algn="ctr">
+                  <a:defRPr/>
+                </a:pPr>
+                <a:endParaRPr lang="ja-JP" altLang="en-US"/>
+              </a:p>
+            </p:txBody>
+          </p:sp>
+          <p:sp>
+            <p:nvSpPr>
+              <p:cNvPr id="10" name="二等辺三角形 9"/>
+              <p:cNvSpPr/>
+              <p:nvPr/>
+            </p:nvSpPr>
+            <p:spPr>
+              <a:xfrm>
+                <a:off x="1144317" y="2667000"/>
+                <a:ext cx="1674945" cy="1905000"/>
+              </a:xfrm>
+              <a:prstGeom prst="triangle">
+                <a:avLst>
+                  <a:gd name="adj" fmla="val 0"/>
+                </a:avLst>
+              </a:prstGeom>
+              <a:noFill/>
+            </p:spPr>
+            <p:style>
+              <a:lnRef idx="2">
+                <a:schemeClr val="accent1">
+                  <a:shade val="50000"/>
+                </a:schemeClr>
+              </a:lnRef>
+              <a:fillRef idx="1">
+                <a:schemeClr val="accent1"/>
+              </a:fillRef>
+              <a:effectRef idx="0">
+                <a:schemeClr val="accent1"/>
+              </a:effectRef>
+              <a:fontRef idx="minor">
+                <a:schemeClr val="lt1"/>
+              </a:fontRef>
+            </p:style>
+            <p:txBody>
+              <a:bodyPr anchor="ctr"/>
+              <a:lstStyle/>
+              <a:p>
+                <a:pPr algn="ctr">
+                  <a:defRPr/>
+                </a:pPr>
+                <a:endParaRPr lang="ja-JP" altLang="en-US"/>
+              </a:p>
+            </p:txBody>
+          </p:sp>
+          <p:sp>
+            <p:nvSpPr>
+              <p:cNvPr id="11" name="二等辺三角形 10"/>
+              <p:cNvSpPr/>
+              <p:nvPr/>
+            </p:nvSpPr>
+            <p:spPr>
+              <a:xfrm flipH="1">
+                <a:off x="2819262" y="2667000"/>
+                <a:ext cx="1752738" cy="1905000"/>
+              </a:xfrm>
+              <a:prstGeom prst="triangle">
+                <a:avLst>
+                  <a:gd name="adj" fmla="val 0"/>
+                </a:avLst>
+              </a:prstGeom>
+              <a:noFill/>
+            </p:spPr>
+            <p:style>
+              <a:lnRef idx="2">
+                <a:schemeClr val="accent1">
+                  <a:shade val="50000"/>
+                </a:schemeClr>
+              </a:lnRef>
+              <a:fillRef idx="1">
+                <a:schemeClr val="accent1"/>
+              </a:fillRef>
+              <a:effectRef idx="0">
+                <a:schemeClr val="accent1"/>
+              </a:effectRef>
+              <a:fontRef idx="minor">
+                <a:schemeClr val="lt1"/>
+              </a:fontRef>
+            </p:style>
+            <p:txBody>
+              <a:bodyPr anchor="ctr"/>
+              <a:lstStyle/>
+              <a:p>
+                <a:pPr algn="ctr">
+                  <a:defRPr/>
+                </a:pPr>
+                <a:endParaRPr lang="ja-JP" altLang="en-US"/>
+              </a:p>
+            </p:txBody>
+          </p:sp>
+        </p:grpSp>
+        <p:sp>
+          <p:nvSpPr>
+            <p:cNvPr id="5" name="テキスト ボックス 56"/>
+            <p:cNvSpPr txBox="1">
+              <a:spLocks noChangeArrowheads="1"/>
+            </p:cNvSpPr>
+            <p:nvPr/>
+          </p:nvSpPr>
+          <p:spPr bwMode="auto">
+            <a:xfrm>
+              <a:off x="3461897" y="3053834"/>
+              <a:ext cx="697682" cy="369332"/>
+            </a:xfrm>
+            <a:prstGeom prst="rect">
+              <a:avLst/>
+            </a:prstGeom>
+            <a:noFill/>
+            <a:ln>
+              <a:noFill/>
+            </a:ln>
+            <a:extLst>
+              <a:ext uri="{909E8E84-426E-40DD-AFC4-6F175D3DCCD1}">
+                <a14:hiddenFill xmlns:a14="http://schemas.microsoft.com/office/drawing/2010/main">
+                  <a:solidFill>
+                    <a:srgbClr val="FFFFFF"/>
+                  </a:solidFill>
+                </a14:hiddenFill>
+              </a:ext>
+              <a:ext uri="{91240B29-F687-4F45-9708-019B960494DF}">
+                <a14:hiddenLine xmlns:a14="http://schemas.microsoft.com/office/drawing/2010/main" w="9525">
+                  <a:solidFill>
+                    <a:srgbClr val="000000"/>
+                  </a:solidFill>
+                  <a:miter lim="800000"/>
+                  <a:headEnd/>
+                  <a:tailEnd/>
+                </a14:hiddenLine>
+              </a:ext>
+            </a:extLst>
+          </p:spPr>
+          <p:txBody>
+            <a:bodyPr wrap="none">
+              <a:spAutoFit/>
+            </a:bodyPr>
+            <a:lstStyle>
+              <a:lvl1pPr>
+                <a:defRPr kumimoji="1">
+                  <a:solidFill>
+                    <a:schemeClr val="tx1"/>
+                  </a:solidFill>
+                  <a:latin typeface="Arial" panose="020B0604020202020204" pitchFamily="34" charset="0"/>
+                  <a:ea typeface="ＭＳ Ｐゴシック" panose="020B0600070205080204" pitchFamily="50" charset="-128"/>
+                </a:defRPr>
+              </a:lvl1pPr>
+              <a:lvl2pPr marL="742950" indent="-285750">
+                <a:defRPr kumimoji="1">
+                  <a:solidFill>
+                    <a:schemeClr val="tx1"/>
+                  </a:solidFill>
+                  <a:latin typeface="Arial" panose="020B0604020202020204" pitchFamily="34" charset="0"/>
+                  <a:ea typeface="ＭＳ Ｐゴシック" panose="020B0600070205080204" pitchFamily="50" charset="-128"/>
+                </a:defRPr>
+              </a:lvl2pPr>
+              <a:lvl3pPr marL="1143000" indent="-228600">
+                <a:defRPr kumimoji="1">
+                  <a:solidFill>
+                    <a:schemeClr val="tx1"/>
+                  </a:solidFill>
+                  <a:latin typeface="Arial" panose="020B0604020202020204" pitchFamily="34" charset="0"/>
+                  <a:ea typeface="ＭＳ Ｐゴシック" panose="020B0600070205080204" pitchFamily="50" charset="-128"/>
+                </a:defRPr>
+              </a:lvl3pPr>
+              <a:lvl4pPr marL="1600200" indent="-228600">
+                <a:defRPr kumimoji="1">
+                  <a:solidFill>
+                    <a:schemeClr val="tx1"/>
+                  </a:solidFill>
+                  <a:latin typeface="Arial" panose="020B0604020202020204" pitchFamily="34" charset="0"/>
+                  <a:ea typeface="ＭＳ Ｐゴシック" panose="020B0600070205080204" pitchFamily="50" charset="-128"/>
+                </a:defRPr>
+              </a:lvl4pPr>
+              <a:lvl5pPr marL="2057400" indent="-228600">
+                <a:defRPr kumimoji="1">
+                  <a:solidFill>
+                    <a:schemeClr val="tx1"/>
+                  </a:solidFill>
+                  <a:latin typeface="Arial" panose="020B0604020202020204" pitchFamily="34" charset="0"/>
+                  <a:ea typeface="ＭＳ Ｐゴシック" panose="020B0600070205080204" pitchFamily="50" charset="-128"/>
+                </a:defRPr>
+              </a:lvl5pPr>
+              <a:lvl6pPr marL="2514600" indent="-228600" eaLnBrk="0" fontAlgn="base" hangingPunct="0">
+                <a:spcBef>
+                  <a:spcPct val="0"/>
+                </a:spcBef>
+                <a:spcAft>
+                  <a:spcPct val="0"/>
+                </a:spcAft>
+                <a:defRPr kumimoji="1">
+                  <a:solidFill>
+                    <a:schemeClr val="tx1"/>
+                  </a:solidFill>
+                  <a:latin typeface="Arial" panose="020B0604020202020204" pitchFamily="34" charset="0"/>
+                  <a:ea typeface="ＭＳ Ｐゴシック" panose="020B0600070205080204" pitchFamily="50" charset="-128"/>
+                </a:defRPr>
+              </a:lvl6pPr>
+              <a:lvl7pPr marL="2971800" indent="-228600" eaLnBrk="0" fontAlgn="base" hangingPunct="0">
+                <a:spcBef>
+                  <a:spcPct val="0"/>
+                </a:spcBef>
+                <a:spcAft>
+                  <a:spcPct val="0"/>
+                </a:spcAft>
+                <a:defRPr kumimoji="1">
+                  <a:solidFill>
+                    <a:schemeClr val="tx1"/>
+                  </a:solidFill>
+                  <a:latin typeface="Arial" panose="020B0604020202020204" pitchFamily="34" charset="0"/>
+                  <a:ea typeface="ＭＳ Ｐゴシック" panose="020B0600070205080204" pitchFamily="50" charset="-128"/>
+                </a:defRPr>
+              </a:lvl7pPr>
+              <a:lvl8pPr marL="3429000" indent="-228600" eaLnBrk="0" fontAlgn="base" hangingPunct="0">
+                <a:spcBef>
+                  <a:spcPct val="0"/>
+                </a:spcBef>
+                <a:spcAft>
+                  <a:spcPct val="0"/>
+                </a:spcAft>
+                <a:defRPr kumimoji="1">
+                  <a:solidFill>
+                    <a:schemeClr val="tx1"/>
+                  </a:solidFill>
+                  <a:latin typeface="Arial" panose="020B0604020202020204" pitchFamily="34" charset="0"/>
+                  <a:ea typeface="ＭＳ Ｐゴシック" panose="020B0600070205080204" pitchFamily="50" charset="-128"/>
+                </a:defRPr>
+              </a:lvl8pPr>
+              <a:lvl9pPr marL="3886200" indent="-228600" eaLnBrk="0" fontAlgn="base" hangingPunct="0">
+                <a:spcBef>
+                  <a:spcPct val="0"/>
+                </a:spcBef>
+                <a:spcAft>
+                  <a:spcPct val="0"/>
+                </a:spcAft>
+                <a:defRPr kumimoji="1">
+                  <a:solidFill>
+                    <a:schemeClr val="tx1"/>
+                  </a:solidFill>
+                  <a:latin typeface="Arial" panose="020B0604020202020204" pitchFamily="34" charset="0"/>
+                  <a:ea typeface="ＭＳ Ｐゴシック" panose="020B0600070205080204" pitchFamily="50" charset="-128"/>
+                </a:defRPr>
+              </a:lvl9pPr>
+            </a:lstStyle>
+            <a:p>
+              <a:r>
+                <a:rPr lang="en-US" altLang="ja-JP" dirty="0"/>
+                <a:t>large</a:t>
+              </a:r>
+              <a:endParaRPr lang="ja-JP" altLang="en-US" dirty="0"/>
+            </a:p>
+          </p:txBody>
+        </p:sp>
+        <p:sp>
+          <p:nvSpPr>
+            <p:cNvPr id="6" name="テキスト ボックス 57"/>
+            <p:cNvSpPr txBox="1">
+              <a:spLocks noChangeArrowheads="1"/>
+            </p:cNvSpPr>
+            <p:nvPr/>
+          </p:nvSpPr>
+          <p:spPr bwMode="auto">
+            <a:xfrm>
+              <a:off x="1923577" y="3053834"/>
+              <a:ext cx="1005482" cy="369332"/>
+            </a:xfrm>
+            <a:prstGeom prst="rect">
+              <a:avLst/>
+            </a:prstGeom>
+            <a:noFill/>
+            <a:ln>
+              <a:noFill/>
+            </a:ln>
+            <a:extLst>
+              <a:ext uri="{909E8E84-426E-40DD-AFC4-6F175D3DCCD1}">
+                <a14:hiddenFill xmlns:a14="http://schemas.microsoft.com/office/drawing/2010/main">
+                  <a:solidFill>
+                    <a:srgbClr val="FFFFFF"/>
+                  </a:solidFill>
+                </a14:hiddenFill>
+              </a:ext>
+              <a:ext uri="{91240B29-F687-4F45-9708-019B960494DF}">
+                <a14:hiddenLine xmlns:a14="http://schemas.microsoft.com/office/drawing/2010/main" w="9525">
+                  <a:solidFill>
+                    <a:srgbClr val="000000"/>
+                  </a:solidFill>
+                  <a:miter lim="800000"/>
+                  <a:headEnd/>
+                  <a:tailEnd/>
+                </a14:hiddenLine>
+              </a:ext>
+            </a:extLst>
+          </p:spPr>
+          <p:txBody>
+            <a:bodyPr wrap="none">
+              <a:spAutoFit/>
+            </a:bodyPr>
+            <a:lstStyle>
+              <a:lvl1pPr>
+                <a:defRPr kumimoji="1">
+                  <a:solidFill>
+                    <a:schemeClr val="tx1"/>
+                  </a:solidFill>
+                  <a:latin typeface="Arial" panose="020B0604020202020204" pitchFamily="34" charset="0"/>
+                  <a:ea typeface="ＭＳ Ｐゴシック" panose="020B0600070205080204" pitchFamily="50" charset="-128"/>
+                </a:defRPr>
+              </a:lvl1pPr>
+              <a:lvl2pPr marL="742950" indent="-285750">
+                <a:defRPr kumimoji="1">
+                  <a:solidFill>
+                    <a:schemeClr val="tx1"/>
+                  </a:solidFill>
+                  <a:latin typeface="Arial" panose="020B0604020202020204" pitchFamily="34" charset="0"/>
+                  <a:ea typeface="ＭＳ Ｐゴシック" panose="020B0600070205080204" pitchFamily="50" charset="-128"/>
+                </a:defRPr>
+              </a:lvl2pPr>
+              <a:lvl3pPr marL="1143000" indent="-228600">
+                <a:defRPr kumimoji="1">
+                  <a:solidFill>
+                    <a:schemeClr val="tx1"/>
+                  </a:solidFill>
+                  <a:latin typeface="Arial" panose="020B0604020202020204" pitchFamily="34" charset="0"/>
+                  <a:ea typeface="ＭＳ Ｐゴシック" panose="020B0600070205080204" pitchFamily="50" charset="-128"/>
+                </a:defRPr>
+              </a:lvl3pPr>
+              <a:lvl4pPr marL="1600200" indent="-228600">
+                <a:defRPr kumimoji="1">
+                  <a:solidFill>
+                    <a:schemeClr val="tx1"/>
+                  </a:solidFill>
+                  <a:latin typeface="Arial" panose="020B0604020202020204" pitchFamily="34" charset="0"/>
+                  <a:ea typeface="ＭＳ Ｐゴシック" panose="020B0600070205080204" pitchFamily="50" charset="-128"/>
+                </a:defRPr>
+              </a:lvl4pPr>
+              <a:lvl5pPr marL="2057400" indent="-228600">
+                <a:defRPr kumimoji="1">
+                  <a:solidFill>
+                    <a:schemeClr val="tx1"/>
+                  </a:solidFill>
+                  <a:latin typeface="Arial" panose="020B0604020202020204" pitchFamily="34" charset="0"/>
+                  <a:ea typeface="ＭＳ Ｐゴシック" panose="020B0600070205080204" pitchFamily="50" charset="-128"/>
+                </a:defRPr>
+              </a:lvl5pPr>
+              <a:lvl6pPr marL="2514600" indent="-228600" eaLnBrk="0" fontAlgn="base" hangingPunct="0">
+                <a:spcBef>
+                  <a:spcPct val="0"/>
+                </a:spcBef>
+                <a:spcAft>
+                  <a:spcPct val="0"/>
+                </a:spcAft>
+                <a:defRPr kumimoji="1">
+                  <a:solidFill>
+                    <a:schemeClr val="tx1"/>
+                  </a:solidFill>
+                  <a:latin typeface="Arial" panose="020B0604020202020204" pitchFamily="34" charset="0"/>
+                  <a:ea typeface="ＭＳ Ｐゴシック" panose="020B0600070205080204" pitchFamily="50" charset="-128"/>
+                </a:defRPr>
+              </a:lvl6pPr>
+              <a:lvl7pPr marL="2971800" indent="-228600" eaLnBrk="0" fontAlgn="base" hangingPunct="0">
+                <a:spcBef>
+                  <a:spcPct val="0"/>
+                </a:spcBef>
+                <a:spcAft>
+                  <a:spcPct val="0"/>
+                </a:spcAft>
+                <a:defRPr kumimoji="1">
+                  <a:solidFill>
+                    <a:schemeClr val="tx1"/>
+                  </a:solidFill>
+                  <a:latin typeface="Arial" panose="020B0604020202020204" pitchFamily="34" charset="0"/>
+                  <a:ea typeface="ＭＳ Ｐゴシック" panose="020B0600070205080204" pitchFamily="50" charset="-128"/>
+                </a:defRPr>
+              </a:lvl7pPr>
+              <a:lvl8pPr marL="3429000" indent="-228600" eaLnBrk="0" fontAlgn="base" hangingPunct="0">
+                <a:spcBef>
+                  <a:spcPct val="0"/>
+                </a:spcBef>
+                <a:spcAft>
+                  <a:spcPct val="0"/>
+                </a:spcAft>
+                <a:defRPr kumimoji="1">
+                  <a:solidFill>
+                    <a:schemeClr val="tx1"/>
+                  </a:solidFill>
+                  <a:latin typeface="Arial" panose="020B0604020202020204" pitchFamily="34" charset="0"/>
+                  <a:ea typeface="ＭＳ Ｐゴシック" panose="020B0600070205080204" pitchFamily="50" charset="-128"/>
+                </a:defRPr>
+              </a:lvl8pPr>
+              <a:lvl9pPr marL="3886200" indent="-228600" eaLnBrk="0" fontAlgn="base" hangingPunct="0">
+                <a:spcBef>
+                  <a:spcPct val="0"/>
+                </a:spcBef>
+                <a:spcAft>
+                  <a:spcPct val="0"/>
+                </a:spcAft>
+                <a:defRPr kumimoji="1">
+                  <a:solidFill>
+                    <a:schemeClr val="tx1"/>
+                  </a:solidFill>
+                  <a:latin typeface="Arial" panose="020B0604020202020204" pitchFamily="34" charset="0"/>
+                  <a:ea typeface="ＭＳ Ｐゴシック" panose="020B0600070205080204" pitchFamily="50" charset="-128"/>
+                </a:defRPr>
+              </a:lvl9pPr>
+            </a:lstStyle>
+            <a:p>
+              <a:r>
+                <a:rPr lang="en-US" altLang="ja-JP" dirty="0"/>
+                <a:t>medium</a:t>
+              </a:r>
+              <a:endParaRPr lang="ja-JP" altLang="en-US" dirty="0"/>
+            </a:p>
+          </p:txBody>
+        </p:sp>
+        <p:sp>
+          <p:nvSpPr>
+            <p:cNvPr id="7" name="テキスト ボックス 58"/>
+            <p:cNvSpPr txBox="1">
+              <a:spLocks noChangeArrowheads="1"/>
+            </p:cNvSpPr>
+            <p:nvPr/>
+          </p:nvSpPr>
+          <p:spPr bwMode="auto">
+            <a:xfrm>
+              <a:off x="667407" y="3027402"/>
+              <a:ext cx="723332" cy="369332"/>
+            </a:xfrm>
+            <a:prstGeom prst="rect">
+              <a:avLst/>
+            </a:prstGeom>
+            <a:noFill/>
+            <a:ln>
+              <a:noFill/>
+            </a:ln>
+            <a:extLst>
+              <a:ext uri="{909E8E84-426E-40DD-AFC4-6F175D3DCCD1}">
+                <a14:hiddenFill xmlns:a14="http://schemas.microsoft.com/office/drawing/2010/main">
+                  <a:solidFill>
+                    <a:srgbClr val="FFFFFF"/>
+                  </a:solidFill>
+                </a14:hiddenFill>
+              </a:ext>
+              <a:ext uri="{91240B29-F687-4F45-9708-019B960494DF}">
+                <a14:hiddenLine xmlns:a14="http://schemas.microsoft.com/office/drawing/2010/main" w="9525">
+                  <a:solidFill>
+                    <a:srgbClr val="000000"/>
+                  </a:solidFill>
+                  <a:miter lim="800000"/>
+                  <a:headEnd/>
+                  <a:tailEnd/>
+                </a14:hiddenLine>
+              </a:ext>
+            </a:extLst>
+          </p:spPr>
+          <p:txBody>
+            <a:bodyPr wrap="none">
+              <a:spAutoFit/>
+            </a:bodyPr>
+            <a:lstStyle>
+              <a:lvl1pPr>
+                <a:defRPr kumimoji="1">
+                  <a:solidFill>
+                    <a:schemeClr val="tx1"/>
+                  </a:solidFill>
+                  <a:latin typeface="Arial" panose="020B0604020202020204" pitchFamily="34" charset="0"/>
+                  <a:ea typeface="ＭＳ Ｐゴシック" panose="020B0600070205080204" pitchFamily="50" charset="-128"/>
+                </a:defRPr>
+              </a:lvl1pPr>
+              <a:lvl2pPr marL="742950" indent="-285750">
+                <a:defRPr kumimoji="1">
+                  <a:solidFill>
+                    <a:schemeClr val="tx1"/>
+                  </a:solidFill>
+                  <a:latin typeface="Arial" panose="020B0604020202020204" pitchFamily="34" charset="0"/>
+                  <a:ea typeface="ＭＳ Ｐゴシック" panose="020B0600070205080204" pitchFamily="50" charset="-128"/>
+                </a:defRPr>
+              </a:lvl2pPr>
+              <a:lvl3pPr marL="1143000" indent="-228600">
+                <a:defRPr kumimoji="1">
+                  <a:solidFill>
+                    <a:schemeClr val="tx1"/>
+                  </a:solidFill>
+                  <a:latin typeface="Arial" panose="020B0604020202020204" pitchFamily="34" charset="0"/>
+                  <a:ea typeface="ＭＳ Ｐゴシック" panose="020B0600070205080204" pitchFamily="50" charset="-128"/>
+                </a:defRPr>
+              </a:lvl3pPr>
+              <a:lvl4pPr marL="1600200" indent="-228600">
+                <a:defRPr kumimoji="1">
+                  <a:solidFill>
+                    <a:schemeClr val="tx1"/>
+                  </a:solidFill>
+                  <a:latin typeface="Arial" panose="020B0604020202020204" pitchFamily="34" charset="0"/>
+                  <a:ea typeface="ＭＳ Ｐゴシック" panose="020B0600070205080204" pitchFamily="50" charset="-128"/>
+                </a:defRPr>
+              </a:lvl4pPr>
+              <a:lvl5pPr marL="2057400" indent="-228600">
+                <a:defRPr kumimoji="1">
+                  <a:solidFill>
+                    <a:schemeClr val="tx1"/>
+                  </a:solidFill>
+                  <a:latin typeface="Arial" panose="020B0604020202020204" pitchFamily="34" charset="0"/>
+                  <a:ea typeface="ＭＳ Ｐゴシック" panose="020B0600070205080204" pitchFamily="50" charset="-128"/>
+                </a:defRPr>
+              </a:lvl5pPr>
+              <a:lvl6pPr marL="2514600" indent="-228600" eaLnBrk="0" fontAlgn="base" hangingPunct="0">
+                <a:spcBef>
+                  <a:spcPct val="0"/>
+                </a:spcBef>
+                <a:spcAft>
+                  <a:spcPct val="0"/>
+                </a:spcAft>
+                <a:defRPr kumimoji="1">
+                  <a:solidFill>
+                    <a:schemeClr val="tx1"/>
+                  </a:solidFill>
+                  <a:latin typeface="Arial" panose="020B0604020202020204" pitchFamily="34" charset="0"/>
+                  <a:ea typeface="ＭＳ Ｐゴシック" panose="020B0600070205080204" pitchFamily="50" charset="-128"/>
+                </a:defRPr>
+              </a:lvl6pPr>
+              <a:lvl7pPr marL="2971800" indent="-228600" eaLnBrk="0" fontAlgn="base" hangingPunct="0">
+                <a:spcBef>
+                  <a:spcPct val="0"/>
+                </a:spcBef>
+                <a:spcAft>
+                  <a:spcPct val="0"/>
+                </a:spcAft>
+                <a:defRPr kumimoji="1">
+                  <a:solidFill>
+                    <a:schemeClr val="tx1"/>
+                  </a:solidFill>
+                  <a:latin typeface="Arial" panose="020B0604020202020204" pitchFamily="34" charset="0"/>
+                  <a:ea typeface="ＭＳ Ｐゴシック" panose="020B0600070205080204" pitchFamily="50" charset="-128"/>
+                </a:defRPr>
+              </a:lvl7pPr>
+              <a:lvl8pPr marL="3429000" indent="-228600" eaLnBrk="0" fontAlgn="base" hangingPunct="0">
+                <a:spcBef>
+                  <a:spcPct val="0"/>
+                </a:spcBef>
+                <a:spcAft>
+                  <a:spcPct val="0"/>
+                </a:spcAft>
+                <a:defRPr kumimoji="1">
+                  <a:solidFill>
+                    <a:schemeClr val="tx1"/>
+                  </a:solidFill>
+                  <a:latin typeface="Arial" panose="020B0604020202020204" pitchFamily="34" charset="0"/>
+                  <a:ea typeface="ＭＳ Ｐゴシック" panose="020B0600070205080204" pitchFamily="50" charset="-128"/>
+                </a:defRPr>
+              </a:lvl8pPr>
+              <a:lvl9pPr marL="3886200" indent="-228600" eaLnBrk="0" fontAlgn="base" hangingPunct="0">
+                <a:spcBef>
+                  <a:spcPct val="0"/>
+                </a:spcBef>
+                <a:spcAft>
+                  <a:spcPct val="0"/>
+                </a:spcAft>
+                <a:defRPr kumimoji="1">
+                  <a:solidFill>
+                    <a:schemeClr val="tx1"/>
+                  </a:solidFill>
+                  <a:latin typeface="Arial" panose="020B0604020202020204" pitchFamily="34" charset="0"/>
+                  <a:ea typeface="ＭＳ Ｐゴシック" panose="020B0600070205080204" pitchFamily="50" charset="-128"/>
+                </a:defRPr>
+              </a:lvl9pPr>
+            </a:lstStyle>
+            <a:p>
+              <a:r>
+                <a:rPr lang="en-US" altLang="ja-JP" dirty="0"/>
+                <a:t>small</a:t>
+              </a:r>
+              <a:endParaRPr lang="ja-JP" altLang="en-US" dirty="0"/>
+            </a:p>
+          </p:txBody>
+        </p:sp>
+      </p:grpSp>
+      <p:sp>
+        <p:nvSpPr>
+          <p:cNvPr id="12" name="テキスト ボックス 7"/>
+          <p:cNvSpPr txBox="1">
+            <a:spLocks noChangeArrowheads="1"/>
+          </p:cNvSpPr>
+          <p:nvPr/>
+        </p:nvSpPr>
+        <p:spPr bwMode="auto">
+          <a:xfrm>
+            <a:off x="644524" y="1848616"/>
+            <a:ext cx="7204076" cy="646331"/>
+          </a:xfrm>
+          <a:prstGeom prst="rect">
+            <a:avLst/>
+          </a:prstGeom>
+          <a:noFill/>
+          <a:ln>
+            <a:noFill/>
+          </a:ln>
+          <a:extLst>
+            <a:ext uri="{909E8E84-426E-40DD-AFC4-6F175D3DCCD1}">
+              <a14:hiddenFill xmlns:a14="http://schemas.microsoft.com/office/drawing/2010/main">
+                <a:solidFill>
+                  <a:srgbClr val="FFFFFF"/>
+                </a:solidFill>
+              </a14:hiddenFill>
+            </a:ext>
+            <a:ext uri="{91240B29-F687-4F45-9708-019B960494DF}">
+              <a14:hiddenLine xmlns:a14="http://schemas.microsoft.com/office/drawing/2010/main" w="9525">
+                <a:solidFill>
+                  <a:srgbClr val="000000"/>
+                </a:solidFill>
+                <a:miter lim="800000"/>
+                <a:headEnd/>
+                <a:tailEnd/>
+              </a14:hiddenLine>
+            </a:ext>
+          </a:extLst>
+        </p:spPr>
+        <p:txBody>
+          <a:bodyPr wrap="square">
+            <a:spAutoFit/>
+          </a:bodyPr>
+          <a:lstStyle>
+            <a:lvl1pPr>
+              <a:defRPr kumimoji="1">
+                <a:solidFill>
+                  <a:schemeClr val="tx1"/>
+                </a:solidFill>
+                <a:latin typeface="Arial" panose="020B0604020202020204" pitchFamily="34" charset="0"/>
+                <a:ea typeface="ＭＳ Ｐゴシック" panose="020B0600070205080204" pitchFamily="50" charset="-128"/>
+              </a:defRPr>
+            </a:lvl1pPr>
+            <a:lvl2pPr marL="742950" indent="-285750">
+              <a:defRPr kumimoji="1">
+                <a:solidFill>
+                  <a:schemeClr val="tx1"/>
+                </a:solidFill>
+                <a:latin typeface="Arial" panose="020B0604020202020204" pitchFamily="34" charset="0"/>
+                <a:ea typeface="ＭＳ Ｐゴシック" panose="020B0600070205080204" pitchFamily="50" charset="-128"/>
+              </a:defRPr>
+            </a:lvl2pPr>
+            <a:lvl3pPr marL="1143000" indent="-228600">
+              <a:defRPr kumimoji="1">
+                <a:solidFill>
+                  <a:schemeClr val="tx1"/>
+                </a:solidFill>
+                <a:latin typeface="Arial" panose="020B0604020202020204" pitchFamily="34" charset="0"/>
+                <a:ea typeface="ＭＳ Ｐゴシック" panose="020B0600070205080204" pitchFamily="50" charset="-128"/>
+              </a:defRPr>
+            </a:lvl3pPr>
+            <a:lvl4pPr marL="1600200" indent="-228600">
+              <a:defRPr kumimoji="1">
+                <a:solidFill>
+                  <a:schemeClr val="tx1"/>
+                </a:solidFill>
+                <a:latin typeface="Arial" panose="020B0604020202020204" pitchFamily="34" charset="0"/>
+                <a:ea typeface="ＭＳ Ｐゴシック" panose="020B0600070205080204" pitchFamily="50" charset="-128"/>
+              </a:defRPr>
+            </a:lvl4pPr>
+            <a:lvl5pPr marL="2057400" indent="-228600">
+              <a:defRPr kumimoji="1">
+                <a:solidFill>
+                  <a:schemeClr val="tx1"/>
+                </a:solidFill>
+                <a:latin typeface="Arial" panose="020B0604020202020204" pitchFamily="34" charset="0"/>
+                <a:ea typeface="ＭＳ Ｐゴシック" panose="020B0600070205080204" pitchFamily="50" charset="-128"/>
+              </a:defRPr>
+            </a:lvl5pPr>
+            <a:lvl6pPr marL="2514600" indent="-228600" eaLnBrk="0" fontAlgn="base" hangingPunct="0">
+              <a:spcBef>
+                <a:spcPct val="0"/>
+              </a:spcBef>
+              <a:spcAft>
+                <a:spcPct val="0"/>
+              </a:spcAft>
+              <a:defRPr kumimoji="1">
+                <a:solidFill>
+                  <a:schemeClr val="tx1"/>
+                </a:solidFill>
+                <a:latin typeface="Arial" panose="020B0604020202020204" pitchFamily="34" charset="0"/>
+                <a:ea typeface="ＭＳ Ｐゴシック" panose="020B0600070205080204" pitchFamily="50" charset="-128"/>
+              </a:defRPr>
+            </a:lvl6pPr>
+            <a:lvl7pPr marL="2971800" indent="-228600" eaLnBrk="0" fontAlgn="base" hangingPunct="0">
+              <a:spcBef>
+                <a:spcPct val="0"/>
+              </a:spcBef>
+              <a:spcAft>
+                <a:spcPct val="0"/>
+              </a:spcAft>
+              <a:defRPr kumimoji="1">
+                <a:solidFill>
+                  <a:schemeClr val="tx1"/>
+                </a:solidFill>
+                <a:latin typeface="Arial" panose="020B0604020202020204" pitchFamily="34" charset="0"/>
+                <a:ea typeface="ＭＳ Ｐゴシック" panose="020B0600070205080204" pitchFamily="50" charset="-128"/>
+              </a:defRPr>
+            </a:lvl7pPr>
+            <a:lvl8pPr marL="3429000" indent="-228600" eaLnBrk="0" fontAlgn="base" hangingPunct="0">
+              <a:spcBef>
+                <a:spcPct val="0"/>
+              </a:spcBef>
+              <a:spcAft>
+                <a:spcPct val="0"/>
+              </a:spcAft>
+              <a:defRPr kumimoji="1">
+                <a:solidFill>
+                  <a:schemeClr val="tx1"/>
+                </a:solidFill>
+                <a:latin typeface="Arial" panose="020B0604020202020204" pitchFamily="34" charset="0"/>
+                <a:ea typeface="ＭＳ Ｐゴシック" panose="020B0600070205080204" pitchFamily="50" charset="-128"/>
+              </a:defRPr>
+            </a:lvl8pPr>
+            <a:lvl9pPr marL="3886200" indent="-228600" eaLnBrk="0" fontAlgn="base" hangingPunct="0">
+              <a:spcBef>
+                <a:spcPct val="0"/>
+              </a:spcBef>
+              <a:spcAft>
+                <a:spcPct val="0"/>
+              </a:spcAft>
+              <a:defRPr kumimoji="1">
+                <a:solidFill>
+                  <a:schemeClr val="tx1"/>
+                </a:solidFill>
+                <a:latin typeface="Arial" panose="020B0604020202020204" pitchFamily="34" charset="0"/>
+                <a:ea typeface="ＭＳ Ｐゴシック" panose="020B0600070205080204" pitchFamily="50" charset="-128"/>
+              </a:defRPr>
+            </a:lvl9pPr>
+          </a:lstStyle>
+          <a:p>
+            <a:r>
+              <a:rPr lang="ja-JP" altLang="en-US" dirty="0"/>
+              <a:t>今回の課題では、三角型メンバシップ関数と</a:t>
+            </a:r>
+            <a:r>
+              <a:rPr lang="en-US" altLang="ja-JP" dirty="0"/>
+              <a:t>don’t care</a:t>
+            </a:r>
+            <a:r>
+              <a:rPr lang="ja-JP" altLang="en-US" dirty="0"/>
+              <a:t>をファジィ集合として用いる</a:t>
+            </a:r>
+            <a:endParaRPr lang="en-US" altLang="ja-JP" dirty="0"/>
+          </a:p>
+        </p:txBody>
+      </p:sp>
+      <p:sp>
+        <p:nvSpPr>
+          <p:cNvPr id="13" name="テキスト ボックス 58"/>
+          <p:cNvSpPr txBox="1">
+            <a:spLocks noChangeArrowheads="1"/>
+          </p:cNvSpPr>
+          <p:nvPr/>
+        </p:nvSpPr>
+        <p:spPr bwMode="auto">
+          <a:xfrm>
+            <a:off x="313118" y="3245703"/>
+            <a:ext cx="505267" cy="369332"/>
+          </a:xfrm>
+          <a:prstGeom prst="rect">
+            <a:avLst/>
+          </a:prstGeom>
+          <a:noFill/>
+          <a:ln>
+            <a:noFill/>
+          </a:ln>
+          <a:extLst>
+            <a:ext uri="{909E8E84-426E-40DD-AFC4-6F175D3DCCD1}">
+              <a14:hiddenFill xmlns:a14="http://schemas.microsoft.com/office/drawing/2010/main">
+                <a:solidFill>
+                  <a:srgbClr val="FFFFFF"/>
+                </a:solidFill>
+              </a14:hiddenFill>
+            </a:ext>
+            <a:ext uri="{91240B29-F687-4F45-9708-019B960494DF}">
+              <a14:hiddenLine xmlns:a14="http://schemas.microsoft.com/office/drawing/2010/main" w="9525">
+                <a:solidFill>
+                  <a:srgbClr val="000000"/>
+                </a:solidFill>
+                <a:miter lim="800000"/>
+                <a:headEnd/>
+                <a:tailEnd/>
+              </a14:hiddenLine>
+            </a:ext>
+          </a:extLst>
+        </p:spPr>
+        <p:txBody>
+          <a:bodyPr wrap="none">
+            <a:spAutoFit/>
+          </a:bodyPr>
+          <a:lstStyle>
+            <a:lvl1pPr>
+              <a:defRPr kumimoji="1">
+                <a:solidFill>
+                  <a:schemeClr val="tx1"/>
+                </a:solidFill>
+                <a:latin typeface="Arial" panose="020B0604020202020204" pitchFamily="34" charset="0"/>
+                <a:ea typeface="ＭＳ Ｐゴシック" panose="020B0600070205080204" pitchFamily="50" charset="-128"/>
+              </a:defRPr>
+            </a:lvl1pPr>
+            <a:lvl2pPr marL="742950" indent="-285750">
+              <a:defRPr kumimoji="1">
+                <a:solidFill>
+                  <a:schemeClr val="tx1"/>
+                </a:solidFill>
+                <a:latin typeface="Arial" panose="020B0604020202020204" pitchFamily="34" charset="0"/>
+                <a:ea typeface="ＭＳ Ｐゴシック" panose="020B0600070205080204" pitchFamily="50" charset="-128"/>
+              </a:defRPr>
+            </a:lvl2pPr>
+            <a:lvl3pPr marL="1143000" indent="-228600">
+              <a:defRPr kumimoji="1">
+                <a:solidFill>
+                  <a:schemeClr val="tx1"/>
+                </a:solidFill>
+                <a:latin typeface="Arial" panose="020B0604020202020204" pitchFamily="34" charset="0"/>
+                <a:ea typeface="ＭＳ Ｐゴシック" panose="020B0600070205080204" pitchFamily="50" charset="-128"/>
+              </a:defRPr>
+            </a:lvl3pPr>
+            <a:lvl4pPr marL="1600200" indent="-228600">
+              <a:defRPr kumimoji="1">
+                <a:solidFill>
+                  <a:schemeClr val="tx1"/>
+                </a:solidFill>
+                <a:latin typeface="Arial" panose="020B0604020202020204" pitchFamily="34" charset="0"/>
+                <a:ea typeface="ＭＳ Ｐゴシック" panose="020B0600070205080204" pitchFamily="50" charset="-128"/>
+              </a:defRPr>
+            </a:lvl4pPr>
+            <a:lvl5pPr marL="2057400" indent="-228600">
+              <a:defRPr kumimoji="1">
+                <a:solidFill>
+                  <a:schemeClr val="tx1"/>
+                </a:solidFill>
+                <a:latin typeface="Arial" panose="020B0604020202020204" pitchFamily="34" charset="0"/>
+                <a:ea typeface="ＭＳ Ｐゴシック" panose="020B0600070205080204" pitchFamily="50" charset="-128"/>
+              </a:defRPr>
+            </a:lvl5pPr>
+            <a:lvl6pPr marL="2514600" indent="-228600" eaLnBrk="0" fontAlgn="base" hangingPunct="0">
+              <a:spcBef>
+                <a:spcPct val="0"/>
+              </a:spcBef>
+              <a:spcAft>
+                <a:spcPct val="0"/>
+              </a:spcAft>
+              <a:defRPr kumimoji="1">
+                <a:solidFill>
+                  <a:schemeClr val="tx1"/>
+                </a:solidFill>
+                <a:latin typeface="Arial" panose="020B0604020202020204" pitchFamily="34" charset="0"/>
+                <a:ea typeface="ＭＳ Ｐゴシック" panose="020B0600070205080204" pitchFamily="50" charset="-128"/>
+              </a:defRPr>
+            </a:lvl6pPr>
+            <a:lvl7pPr marL="2971800" indent="-228600" eaLnBrk="0" fontAlgn="base" hangingPunct="0">
+              <a:spcBef>
+                <a:spcPct val="0"/>
+              </a:spcBef>
+              <a:spcAft>
+                <a:spcPct val="0"/>
+              </a:spcAft>
+              <a:defRPr kumimoji="1">
+                <a:solidFill>
+                  <a:schemeClr val="tx1"/>
+                </a:solidFill>
+                <a:latin typeface="Arial" panose="020B0604020202020204" pitchFamily="34" charset="0"/>
+                <a:ea typeface="ＭＳ Ｐゴシック" panose="020B0600070205080204" pitchFamily="50" charset="-128"/>
+              </a:defRPr>
+            </a:lvl7pPr>
+            <a:lvl8pPr marL="3429000" indent="-228600" eaLnBrk="0" fontAlgn="base" hangingPunct="0">
+              <a:spcBef>
+                <a:spcPct val="0"/>
+              </a:spcBef>
+              <a:spcAft>
+                <a:spcPct val="0"/>
+              </a:spcAft>
+              <a:defRPr kumimoji="1">
+                <a:solidFill>
+                  <a:schemeClr val="tx1"/>
+                </a:solidFill>
+                <a:latin typeface="Arial" panose="020B0604020202020204" pitchFamily="34" charset="0"/>
+                <a:ea typeface="ＭＳ Ｐゴシック" panose="020B0600070205080204" pitchFamily="50" charset="-128"/>
+              </a:defRPr>
+            </a:lvl8pPr>
+            <a:lvl9pPr marL="3886200" indent="-228600" eaLnBrk="0" fontAlgn="base" hangingPunct="0">
+              <a:spcBef>
+                <a:spcPct val="0"/>
+              </a:spcBef>
+              <a:spcAft>
+                <a:spcPct val="0"/>
+              </a:spcAft>
+              <a:defRPr kumimoji="1">
+                <a:solidFill>
+                  <a:schemeClr val="tx1"/>
+                </a:solidFill>
+                <a:latin typeface="Arial" panose="020B0604020202020204" pitchFamily="34" charset="0"/>
+                <a:ea typeface="ＭＳ Ｐゴシック" panose="020B0600070205080204" pitchFamily="50" charset="-128"/>
+              </a:defRPr>
+            </a:lvl9pPr>
+          </a:lstStyle>
+          <a:p>
+            <a:r>
+              <a:rPr lang="en-US" altLang="ja-JP" dirty="0"/>
+              <a:t>1.0</a:t>
+            </a:r>
+            <a:endParaRPr lang="ja-JP" altLang="en-US" dirty="0"/>
+          </a:p>
+        </p:txBody>
+      </p:sp>
+      <p:sp>
+        <p:nvSpPr>
+          <p:cNvPr id="14" name="テキスト ボックス 58"/>
+          <p:cNvSpPr txBox="1">
+            <a:spLocks noChangeArrowheads="1"/>
+          </p:cNvSpPr>
+          <p:nvPr/>
+        </p:nvSpPr>
+        <p:spPr bwMode="auto">
+          <a:xfrm>
+            <a:off x="365009" y="5149334"/>
+            <a:ext cx="312906" cy="369332"/>
+          </a:xfrm>
+          <a:prstGeom prst="rect">
+            <a:avLst/>
+          </a:prstGeom>
+          <a:noFill/>
+          <a:ln>
+            <a:noFill/>
+          </a:ln>
+          <a:extLst>
+            <a:ext uri="{909E8E84-426E-40DD-AFC4-6F175D3DCCD1}">
+              <a14:hiddenFill xmlns:a14="http://schemas.microsoft.com/office/drawing/2010/main">
+                <a:solidFill>
+                  <a:srgbClr val="FFFFFF"/>
+                </a:solidFill>
+              </a14:hiddenFill>
+            </a:ext>
+            <a:ext uri="{91240B29-F687-4F45-9708-019B960494DF}">
+              <a14:hiddenLine xmlns:a14="http://schemas.microsoft.com/office/drawing/2010/main" w="9525">
+                <a:solidFill>
+                  <a:srgbClr val="000000"/>
+                </a:solidFill>
+                <a:miter lim="800000"/>
+                <a:headEnd/>
+                <a:tailEnd/>
+              </a14:hiddenLine>
+            </a:ext>
+          </a:extLst>
+        </p:spPr>
+        <p:txBody>
+          <a:bodyPr wrap="none">
+            <a:spAutoFit/>
+          </a:bodyPr>
+          <a:lstStyle>
+            <a:lvl1pPr>
+              <a:defRPr kumimoji="1">
+                <a:solidFill>
+                  <a:schemeClr val="tx1"/>
+                </a:solidFill>
+                <a:latin typeface="Arial" panose="020B0604020202020204" pitchFamily="34" charset="0"/>
+                <a:ea typeface="ＭＳ Ｐゴシック" panose="020B0600070205080204" pitchFamily="50" charset="-128"/>
+              </a:defRPr>
+            </a:lvl1pPr>
+            <a:lvl2pPr marL="742950" indent="-285750">
+              <a:defRPr kumimoji="1">
+                <a:solidFill>
+                  <a:schemeClr val="tx1"/>
+                </a:solidFill>
+                <a:latin typeface="Arial" panose="020B0604020202020204" pitchFamily="34" charset="0"/>
+                <a:ea typeface="ＭＳ Ｐゴシック" panose="020B0600070205080204" pitchFamily="50" charset="-128"/>
+              </a:defRPr>
+            </a:lvl2pPr>
+            <a:lvl3pPr marL="1143000" indent="-228600">
+              <a:defRPr kumimoji="1">
+                <a:solidFill>
+                  <a:schemeClr val="tx1"/>
+                </a:solidFill>
+                <a:latin typeface="Arial" panose="020B0604020202020204" pitchFamily="34" charset="0"/>
+                <a:ea typeface="ＭＳ Ｐゴシック" panose="020B0600070205080204" pitchFamily="50" charset="-128"/>
+              </a:defRPr>
+            </a:lvl3pPr>
+            <a:lvl4pPr marL="1600200" indent="-228600">
+              <a:defRPr kumimoji="1">
+                <a:solidFill>
+                  <a:schemeClr val="tx1"/>
+                </a:solidFill>
+                <a:latin typeface="Arial" panose="020B0604020202020204" pitchFamily="34" charset="0"/>
+                <a:ea typeface="ＭＳ Ｐゴシック" panose="020B0600070205080204" pitchFamily="50" charset="-128"/>
+              </a:defRPr>
+            </a:lvl4pPr>
+            <a:lvl5pPr marL="2057400" indent="-228600">
+              <a:defRPr kumimoji="1">
+                <a:solidFill>
+                  <a:schemeClr val="tx1"/>
+                </a:solidFill>
+                <a:latin typeface="Arial" panose="020B0604020202020204" pitchFamily="34" charset="0"/>
+                <a:ea typeface="ＭＳ Ｐゴシック" panose="020B0600070205080204" pitchFamily="50" charset="-128"/>
+              </a:defRPr>
+            </a:lvl5pPr>
+            <a:lvl6pPr marL="2514600" indent="-228600" eaLnBrk="0" fontAlgn="base" hangingPunct="0">
+              <a:spcBef>
+                <a:spcPct val="0"/>
+              </a:spcBef>
+              <a:spcAft>
+                <a:spcPct val="0"/>
+              </a:spcAft>
+              <a:defRPr kumimoji="1">
+                <a:solidFill>
+                  <a:schemeClr val="tx1"/>
+                </a:solidFill>
+                <a:latin typeface="Arial" panose="020B0604020202020204" pitchFamily="34" charset="0"/>
+                <a:ea typeface="ＭＳ Ｐゴシック" panose="020B0600070205080204" pitchFamily="50" charset="-128"/>
+              </a:defRPr>
+            </a:lvl6pPr>
+            <a:lvl7pPr marL="2971800" indent="-228600" eaLnBrk="0" fontAlgn="base" hangingPunct="0">
+              <a:spcBef>
+                <a:spcPct val="0"/>
+              </a:spcBef>
+              <a:spcAft>
+                <a:spcPct val="0"/>
+              </a:spcAft>
+              <a:defRPr kumimoji="1">
+                <a:solidFill>
+                  <a:schemeClr val="tx1"/>
+                </a:solidFill>
+                <a:latin typeface="Arial" panose="020B0604020202020204" pitchFamily="34" charset="0"/>
+                <a:ea typeface="ＭＳ Ｐゴシック" panose="020B0600070205080204" pitchFamily="50" charset="-128"/>
+              </a:defRPr>
+            </a:lvl7pPr>
+            <a:lvl8pPr marL="3429000" indent="-228600" eaLnBrk="0" fontAlgn="base" hangingPunct="0">
+              <a:spcBef>
+                <a:spcPct val="0"/>
+              </a:spcBef>
+              <a:spcAft>
+                <a:spcPct val="0"/>
+              </a:spcAft>
+              <a:defRPr kumimoji="1">
+                <a:solidFill>
+                  <a:schemeClr val="tx1"/>
+                </a:solidFill>
+                <a:latin typeface="Arial" panose="020B0604020202020204" pitchFamily="34" charset="0"/>
+                <a:ea typeface="ＭＳ Ｐゴシック" panose="020B0600070205080204" pitchFamily="50" charset="-128"/>
+              </a:defRPr>
+            </a:lvl8pPr>
+            <a:lvl9pPr marL="3886200" indent="-228600" eaLnBrk="0" fontAlgn="base" hangingPunct="0">
+              <a:spcBef>
+                <a:spcPct val="0"/>
+              </a:spcBef>
+              <a:spcAft>
+                <a:spcPct val="0"/>
+              </a:spcAft>
+              <a:defRPr kumimoji="1">
+                <a:solidFill>
+                  <a:schemeClr val="tx1"/>
+                </a:solidFill>
+                <a:latin typeface="Arial" panose="020B0604020202020204" pitchFamily="34" charset="0"/>
+                <a:ea typeface="ＭＳ Ｐゴシック" panose="020B0600070205080204" pitchFamily="50" charset="-128"/>
+              </a:defRPr>
+            </a:lvl9pPr>
+          </a:lstStyle>
+          <a:p>
+            <a:r>
+              <a:rPr lang="en-US" altLang="ja-JP" dirty="0"/>
+              <a:t>0</a:t>
+            </a:r>
+            <a:endParaRPr lang="ja-JP" altLang="en-US" dirty="0"/>
+          </a:p>
+        </p:txBody>
+      </p:sp>
+      <p:sp>
+        <p:nvSpPr>
+          <p:cNvPr id="15" name="テキスト ボックス 58"/>
+          <p:cNvSpPr txBox="1">
+            <a:spLocks noChangeArrowheads="1"/>
+          </p:cNvSpPr>
+          <p:nvPr/>
+        </p:nvSpPr>
+        <p:spPr bwMode="auto">
+          <a:xfrm>
+            <a:off x="2093511" y="5686675"/>
+            <a:ext cx="877163" cy="369332"/>
+          </a:xfrm>
+          <a:prstGeom prst="rect">
+            <a:avLst/>
+          </a:prstGeom>
+          <a:noFill/>
+          <a:ln>
+            <a:noFill/>
+          </a:ln>
+          <a:extLst>
+            <a:ext uri="{909E8E84-426E-40DD-AFC4-6F175D3DCCD1}">
+              <a14:hiddenFill xmlns:a14="http://schemas.microsoft.com/office/drawing/2010/main">
+                <a:solidFill>
+                  <a:srgbClr val="FFFFFF"/>
+                </a:solidFill>
+              </a14:hiddenFill>
+            </a:ext>
+            <a:ext uri="{91240B29-F687-4F45-9708-019B960494DF}">
+              <a14:hiddenLine xmlns:a14="http://schemas.microsoft.com/office/drawing/2010/main" w="9525">
+                <a:solidFill>
+                  <a:srgbClr val="000000"/>
+                </a:solidFill>
+                <a:miter lim="800000"/>
+                <a:headEnd/>
+                <a:tailEnd/>
+              </a14:hiddenLine>
+            </a:ext>
+          </a:extLst>
+        </p:spPr>
+        <p:txBody>
+          <a:bodyPr wrap="none">
+            <a:spAutoFit/>
+          </a:bodyPr>
+          <a:lstStyle>
+            <a:lvl1pPr>
+              <a:defRPr kumimoji="1">
+                <a:solidFill>
+                  <a:schemeClr val="tx1"/>
+                </a:solidFill>
+                <a:latin typeface="Arial" panose="020B0604020202020204" pitchFamily="34" charset="0"/>
+                <a:ea typeface="ＭＳ Ｐゴシック" panose="020B0600070205080204" pitchFamily="50" charset="-128"/>
+              </a:defRPr>
+            </a:lvl1pPr>
+            <a:lvl2pPr marL="742950" indent="-285750">
+              <a:defRPr kumimoji="1">
+                <a:solidFill>
+                  <a:schemeClr val="tx1"/>
+                </a:solidFill>
+                <a:latin typeface="Arial" panose="020B0604020202020204" pitchFamily="34" charset="0"/>
+                <a:ea typeface="ＭＳ Ｐゴシック" panose="020B0600070205080204" pitchFamily="50" charset="-128"/>
+              </a:defRPr>
+            </a:lvl2pPr>
+            <a:lvl3pPr marL="1143000" indent="-228600">
+              <a:defRPr kumimoji="1">
+                <a:solidFill>
+                  <a:schemeClr val="tx1"/>
+                </a:solidFill>
+                <a:latin typeface="Arial" panose="020B0604020202020204" pitchFamily="34" charset="0"/>
+                <a:ea typeface="ＭＳ Ｐゴシック" panose="020B0600070205080204" pitchFamily="50" charset="-128"/>
+              </a:defRPr>
+            </a:lvl3pPr>
+            <a:lvl4pPr marL="1600200" indent="-228600">
+              <a:defRPr kumimoji="1">
+                <a:solidFill>
+                  <a:schemeClr val="tx1"/>
+                </a:solidFill>
+                <a:latin typeface="Arial" panose="020B0604020202020204" pitchFamily="34" charset="0"/>
+                <a:ea typeface="ＭＳ Ｐゴシック" panose="020B0600070205080204" pitchFamily="50" charset="-128"/>
+              </a:defRPr>
+            </a:lvl4pPr>
+            <a:lvl5pPr marL="2057400" indent="-228600">
+              <a:defRPr kumimoji="1">
+                <a:solidFill>
+                  <a:schemeClr val="tx1"/>
+                </a:solidFill>
+                <a:latin typeface="Arial" panose="020B0604020202020204" pitchFamily="34" charset="0"/>
+                <a:ea typeface="ＭＳ Ｐゴシック" panose="020B0600070205080204" pitchFamily="50" charset="-128"/>
+              </a:defRPr>
+            </a:lvl5pPr>
+            <a:lvl6pPr marL="2514600" indent="-228600" eaLnBrk="0" fontAlgn="base" hangingPunct="0">
+              <a:spcBef>
+                <a:spcPct val="0"/>
+              </a:spcBef>
+              <a:spcAft>
+                <a:spcPct val="0"/>
+              </a:spcAft>
+              <a:defRPr kumimoji="1">
+                <a:solidFill>
+                  <a:schemeClr val="tx1"/>
+                </a:solidFill>
+                <a:latin typeface="Arial" panose="020B0604020202020204" pitchFamily="34" charset="0"/>
+                <a:ea typeface="ＭＳ Ｐゴシック" panose="020B0600070205080204" pitchFamily="50" charset="-128"/>
+              </a:defRPr>
+            </a:lvl6pPr>
+            <a:lvl7pPr marL="2971800" indent="-228600" eaLnBrk="0" fontAlgn="base" hangingPunct="0">
+              <a:spcBef>
+                <a:spcPct val="0"/>
+              </a:spcBef>
+              <a:spcAft>
+                <a:spcPct val="0"/>
+              </a:spcAft>
+              <a:defRPr kumimoji="1">
+                <a:solidFill>
+                  <a:schemeClr val="tx1"/>
+                </a:solidFill>
+                <a:latin typeface="Arial" panose="020B0604020202020204" pitchFamily="34" charset="0"/>
+                <a:ea typeface="ＭＳ Ｐゴシック" panose="020B0600070205080204" pitchFamily="50" charset="-128"/>
+              </a:defRPr>
+            </a:lvl7pPr>
+            <a:lvl8pPr marL="3429000" indent="-228600" eaLnBrk="0" fontAlgn="base" hangingPunct="0">
+              <a:spcBef>
+                <a:spcPct val="0"/>
+              </a:spcBef>
+              <a:spcAft>
+                <a:spcPct val="0"/>
+              </a:spcAft>
+              <a:defRPr kumimoji="1">
+                <a:solidFill>
+                  <a:schemeClr val="tx1"/>
+                </a:solidFill>
+                <a:latin typeface="Arial" panose="020B0604020202020204" pitchFamily="34" charset="0"/>
+                <a:ea typeface="ＭＳ Ｐゴシック" panose="020B0600070205080204" pitchFamily="50" charset="-128"/>
+              </a:defRPr>
+            </a:lvl8pPr>
+            <a:lvl9pPr marL="3886200" indent="-228600" eaLnBrk="0" fontAlgn="base" hangingPunct="0">
+              <a:spcBef>
+                <a:spcPct val="0"/>
+              </a:spcBef>
+              <a:spcAft>
+                <a:spcPct val="0"/>
+              </a:spcAft>
+              <a:defRPr kumimoji="1">
+                <a:solidFill>
+                  <a:schemeClr val="tx1"/>
+                </a:solidFill>
+                <a:latin typeface="Arial" panose="020B0604020202020204" pitchFamily="34" charset="0"/>
+                <a:ea typeface="ＭＳ Ｐゴシック" panose="020B0600070205080204" pitchFamily="50" charset="-128"/>
+              </a:defRPr>
+            </a:lvl9pPr>
+          </a:lstStyle>
+          <a:p>
+            <a:r>
+              <a:rPr lang="ja-JP" altLang="en-US" dirty="0"/>
+              <a:t>属性値</a:t>
+            </a:r>
+          </a:p>
+        </p:txBody>
+      </p:sp>
+      <p:sp>
+        <p:nvSpPr>
+          <p:cNvPr id="16" name="テキスト ボックス 58"/>
+          <p:cNvSpPr txBox="1">
+            <a:spLocks noChangeArrowheads="1"/>
+          </p:cNvSpPr>
+          <p:nvPr/>
+        </p:nvSpPr>
+        <p:spPr bwMode="auto">
+          <a:xfrm>
+            <a:off x="3974116" y="5348585"/>
+            <a:ext cx="505267" cy="369332"/>
+          </a:xfrm>
+          <a:prstGeom prst="rect">
+            <a:avLst/>
+          </a:prstGeom>
+          <a:noFill/>
+          <a:ln>
+            <a:noFill/>
+          </a:ln>
+          <a:extLst>
+            <a:ext uri="{909E8E84-426E-40DD-AFC4-6F175D3DCCD1}">
+              <a14:hiddenFill xmlns:a14="http://schemas.microsoft.com/office/drawing/2010/main">
+                <a:solidFill>
+                  <a:srgbClr val="FFFFFF"/>
+                </a:solidFill>
+              </a14:hiddenFill>
+            </a:ext>
+            <a:ext uri="{91240B29-F687-4F45-9708-019B960494DF}">
+              <a14:hiddenLine xmlns:a14="http://schemas.microsoft.com/office/drawing/2010/main" w="9525">
+                <a:solidFill>
+                  <a:srgbClr val="000000"/>
+                </a:solidFill>
+                <a:miter lim="800000"/>
+                <a:headEnd/>
+                <a:tailEnd/>
+              </a14:hiddenLine>
+            </a:ext>
+          </a:extLst>
+        </p:spPr>
+        <p:txBody>
+          <a:bodyPr wrap="none">
+            <a:spAutoFit/>
+          </a:bodyPr>
+          <a:lstStyle>
+            <a:lvl1pPr>
+              <a:defRPr kumimoji="1">
+                <a:solidFill>
+                  <a:schemeClr val="tx1"/>
+                </a:solidFill>
+                <a:latin typeface="Arial" panose="020B0604020202020204" pitchFamily="34" charset="0"/>
+                <a:ea typeface="ＭＳ Ｐゴシック" panose="020B0600070205080204" pitchFamily="50" charset="-128"/>
+              </a:defRPr>
+            </a:lvl1pPr>
+            <a:lvl2pPr marL="742950" indent="-285750">
+              <a:defRPr kumimoji="1">
+                <a:solidFill>
+                  <a:schemeClr val="tx1"/>
+                </a:solidFill>
+                <a:latin typeface="Arial" panose="020B0604020202020204" pitchFamily="34" charset="0"/>
+                <a:ea typeface="ＭＳ Ｐゴシック" panose="020B0600070205080204" pitchFamily="50" charset="-128"/>
+              </a:defRPr>
+            </a:lvl2pPr>
+            <a:lvl3pPr marL="1143000" indent="-228600">
+              <a:defRPr kumimoji="1">
+                <a:solidFill>
+                  <a:schemeClr val="tx1"/>
+                </a:solidFill>
+                <a:latin typeface="Arial" panose="020B0604020202020204" pitchFamily="34" charset="0"/>
+                <a:ea typeface="ＭＳ Ｐゴシック" panose="020B0600070205080204" pitchFamily="50" charset="-128"/>
+              </a:defRPr>
+            </a:lvl3pPr>
+            <a:lvl4pPr marL="1600200" indent="-228600">
+              <a:defRPr kumimoji="1">
+                <a:solidFill>
+                  <a:schemeClr val="tx1"/>
+                </a:solidFill>
+                <a:latin typeface="Arial" panose="020B0604020202020204" pitchFamily="34" charset="0"/>
+                <a:ea typeface="ＭＳ Ｐゴシック" panose="020B0600070205080204" pitchFamily="50" charset="-128"/>
+              </a:defRPr>
+            </a:lvl4pPr>
+            <a:lvl5pPr marL="2057400" indent="-228600">
+              <a:defRPr kumimoji="1">
+                <a:solidFill>
+                  <a:schemeClr val="tx1"/>
+                </a:solidFill>
+                <a:latin typeface="Arial" panose="020B0604020202020204" pitchFamily="34" charset="0"/>
+                <a:ea typeface="ＭＳ Ｐゴシック" panose="020B0600070205080204" pitchFamily="50" charset="-128"/>
+              </a:defRPr>
+            </a:lvl5pPr>
+            <a:lvl6pPr marL="2514600" indent="-228600" eaLnBrk="0" fontAlgn="base" hangingPunct="0">
+              <a:spcBef>
+                <a:spcPct val="0"/>
+              </a:spcBef>
+              <a:spcAft>
+                <a:spcPct val="0"/>
+              </a:spcAft>
+              <a:defRPr kumimoji="1">
+                <a:solidFill>
+                  <a:schemeClr val="tx1"/>
+                </a:solidFill>
+                <a:latin typeface="Arial" panose="020B0604020202020204" pitchFamily="34" charset="0"/>
+                <a:ea typeface="ＭＳ Ｐゴシック" panose="020B0600070205080204" pitchFamily="50" charset="-128"/>
+              </a:defRPr>
+            </a:lvl6pPr>
+            <a:lvl7pPr marL="2971800" indent="-228600" eaLnBrk="0" fontAlgn="base" hangingPunct="0">
+              <a:spcBef>
+                <a:spcPct val="0"/>
+              </a:spcBef>
+              <a:spcAft>
+                <a:spcPct val="0"/>
+              </a:spcAft>
+              <a:defRPr kumimoji="1">
+                <a:solidFill>
+                  <a:schemeClr val="tx1"/>
+                </a:solidFill>
+                <a:latin typeface="Arial" panose="020B0604020202020204" pitchFamily="34" charset="0"/>
+                <a:ea typeface="ＭＳ Ｐゴシック" panose="020B0600070205080204" pitchFamily="50" charset="-128"/>
+              </a:defRPr>
+            </a:lvl7pPr>
+            <a:lvl8pPr marL="3429000" indent="-228600" eaLnBrk="0" fontAlgn="base" hangingPunct="0">
+              <a:spcBef>
+                <a:spcPct val="0"/>
+              </a:spcBef>
+              <a:spcAft>
+                <a:spcPct val="0"/>
+              </a:spcAft>
+              <a:defRPr kumimoji="1">
+                <a:solidFill>
+                  <a:schemeClr val="tx1"/>
+                </a:solidFill>
+                <a:latin typeface="Arial" panose="020B0604020202020204" pitchFamily="34" charset="0"/>
+                <a:ea typeface="ＭＳ Ｐゴシック" panose="020B0600070205080204" pitchFamily="50" charset="-128"/>
+              </a:defRPr>
+            </a:lvl8pPr>
+            <a:lvl9pPr marL="3886200" indent="-228600" eaLnBrk="0" fontAlgn="base" hangingPunct="0">
+              <a:spcBef>
+                <a:spcPct val="0"/>
+              </a:spcBef>
+              <a:spcAft>
+                <a:spcPct val="0"/>
+              </a:spcAft>
+              <a:defRPr kumimoji="1">
+                <a:solidFill>
+                  <a:schemeClr val="tx1"/>
+                </a:solidFill>
+                <a:latin typeface="Arial" panose="020B0604020202020204" pitchFamily="34" charset="0"/>
+                <a:ea typeface="ＭＳ Ｐゴシック" panose="020B0600070205080204" pitchFamily="50" charset="-128"/>
+              </a:defRPr>
+            </a:lvl9pPr>
+          </a:lstStyle>
+          <a:p>
+            <a:r>
+              <a:rPr lang="en-US" altLang="ja-JP" dirty="0"/>
+              <a:t>1.0</a:t>
+            </a:r>
+            <a:endParaRPr lang="ja-JP" altLang="en-US" dirty="0"/>
+          </a:p>
+        </p:txBody>
+      </p:sp>
+      <p:sp>
+        <p:nvSpPr>
+          <p:cNvPr id="17" name="テキスト ボックス 58"/>
+          <p:cNvSpPr txBox="1">
+            <a:spLocks noChangeArrowheads="1"/>
+          </p:cNvSpPr>
+          <p:nvPr/>
+        </p:nvSpPr>
+        <p:spPr bwMode="auto">
+          <a:xfrm>
+            <a:off x="-838200" y="4201065"/>
+            <a:ext cx="1592103" cy="369332"/>
+          </a:xfrm>
+          <a:prstGeom prst="rect">
+            <a:avLst/>
+          </a:prstGeom>
+          <a:noFill/>
+          <a:ln>
+            <a:noFill/>
+          </a:ln>
+          <a:extLst>
+            <a:ext uri="{909E8E84-426E-40DD-AFC4-6F175D3DCCD1}">
+              <a14:hiddenFill xmlns:a14="http://schemas.microsoft.com/office/drawing/2010/main">
+                <a:solidFill>
+                  <a:srgbClr val="FFFFFF"/>
+                </a:solidFill>
+              </a14:hiddenFill>
+            </a:ext>
+            <a:ext uri="{91240B29-F687-4F45-9708-019B960494DF}">
+              <a14:hiddenLine xmlns:a14="http://schemas.microsoft.com/office/drawing/2010/main" w="9525">
+                <a:solidFill>
+                  <a:srgbClr val="000000"/>
+                </a:solidFill>
+                <a:miter lim="800000"/>
+                <a:headEnd/>
+                <a:tailEnd/>
+              </a14:hiddenLine>
+            </a:ext>
+          </a:extLst>
+        </p:spPr>
+        <p:txBody>
+          <a:bodyPr wrap="none">
+            <a:spAutoFit/>
+          </a:bodyPr>
+          <a:lstStyle>
+            <a:lvl1pPr>
+              <a:defRPr kumimoji="1">
+                <a:solidFill>
+                  <a:schemeClr val="tx1"/>
+                </a:solidFill>
+                <a:latin typeface="Arial" panose="020B0604020202020204" pitchFamily="34" charset="0"/>
+                <a:ea typeface="ＭＳ Ｐゴシック" panose="020B0600070205080204" pitchFamily="50" charset="-128"/>
+              </a:defRPr>
+            </a:lvl1pPr>
+            <a:lvl2pPr marL="742950" indent="-285750">
+              <a:defRPr kumimoji="1">
+                <a:solidFill>
+                  <a:schemeClr val="tx1"/>
+                </a:solidFill>
+                <a:latin typeface="Arial" panose="020B0604020202020204" pitchFamily="34" charset="0"/>
+                <a:ea typeface="ＭＳ Ｐゴシック" panose="020B0600070205080204" pitchFamily="50" charset="-128"/>
+              </a:defRPr>
+            </a:lvl2pPr>
+            <a:lvl3pPr marL="1143000" indent="-228600">
+              <a:defRPr kumimoji="1">
+                <a:solidFill>
+                  <a:schemeClr val="tx1"/>
+                </a:solidFill>
+                <a:latin typeface="Arial" panose="020B0604020202020204" pitchFamily="34" charset="0"/>
+                <a:ea typeface="ＭＳ Ｐゴシック" panose="020B0600070205080204" pitchFamily="50" charset="-128"/>
+              </a:defRPr>
+            </a:lvl3pPr>
+            <a:lvl4pPr marL="1600200" indent="-228600">
+              <a:defRPr kumimoji="1">
+                <a:solidFill>
+                  <a:schemeClr val="tx1"/>
+                </a:solidFill>
+                <a:latin typeface="Arial" panose="020B0604020202020204" pitchFamily="34" charset="0"/>
+                <a:ea typeface="ＭＳ Ｐゴシック" panose="020B0600070205080204" pitchFamily="50" charset="-128"/>
+              </a:defRPr>
+            </a:lvl4pPr>
+            <a:lvl5pPr marL="2057400" indent="-228600">
+              <a:defRPr kumimoji="1">
+                <a:solidFill>
+                  <a:schemeClr val="tx1"/>
+                </a:solidFill>
+                <a:latin typeface="Arial" panose="020B0604020202020204" pitchFamily="34" charset="0"/>
+                <a:ea typeface="ＭＳ Ｐゴシック" panose="020B0600070205080204" pitchFamily="50" charset="-128"/>
+              </a:defRPr>
+            </a:lvl5pPr>
+            <a:lvl6pPr marL="2514600" indent="-228600" eaLnBrk="0" fontAlgn="base" hangingPunct="0">
+              <a:spcBef>
+                <a:spcPct val="0"/>
+              </a:spcBef>
+              <a:spcAft>
+                <a:spcPct val="0"/>
+              </a:spcAft>
+              <a:defRPr kumimoji="1">
+                <a:solidFill>
+                  <a:schemeClr val="tx1"/>
+                </a:solidFill>
+                <a:latin typeface="Arial" panose="020B0604020202020204" pitchFamily="34" charset="0"/>
+                <a:ea typeface="ＭＳ Ｐゴシック" panose="020B0600070205080204" pitchFamily="50" charset="-128"/>
+              </a:defRPr>
+            </a:lvl6pPr>
+            <a:lvl7pPr marL="2971800" indent="-228600" eaLnBrk="0" fontAlgn="base" hangingPunct="0">
+              <a:spcBef>
+                <a:spcPct val="0"/>
+              </a:spcBef>
+              <a:spcAft>
+                <a:spcPct val="0"/>
+              </a:spcAft>
+              <a:defRPr kumimoji="1">
+                <a:solidFill>
+                  <a:schemeClr val="tx1"/>
+                </a:solidFill>
+                <a:latin typeface="Arial" panose="020B0604020202020204" pitchFamily="34" charset="0"/>
+                <a:ea typeface="ＭＳ Ｐゴシック" panose="020B0600070205080204" pitchFamily="50" charset="-128"/>
+              </a:defRPr>
+            </a:lvl7pPr>
+            <a:lvl8pPr marL="3429000" indent="-228600" eaLnBrk="0" fontAlgn="base" hangingPunct="0">
+              <a:spcBef>
+                <a:spcPct val="0"/>
+              </a:spcBef>
+              <a:spcAft>
+                <a:spcPct val="0"/>
+              </a:spcAft>
+              <a:defRPr kumimoji="1">
+                <a:solidFill>
+                  <a:schemeClr val="tx1"/>
+                </a:solidFill>
+                <a:latin typeface="Arial" panose="020B0604020202020204" pitchFamily="34" charset="0"/>
+                <a:ea typeface="ＭＳ Ｐゴシック" panose="020B0600070205080204" pitchFamily="50" charset="-128"/>
+              </a:defRPr>
+            </a:lvl8pPr>
+            <a:lvl9pPr marL="3886200" indent="-228600" eaLnBrk="0" fontAlgn="base" hangingPunct="0">
+              <a:spcBef>
+                <a:spcPct val="0"/>
+              </a:spcBef>
+              <a:spcAft>
+                <a:spcPct val="0"/>
+              </a:spcAft>
+              <a:defRPr kumimoji="1">
+                <a:solidFill>
+                  <a:schemeClr val="tx1"/>
+                </a:solidFill>
+                <a:latin typeface="Arial" panose="020B0604020202020204" pitchFamily="34" charset="0"/>
+                <a:ea typeface="ＭＳ Ｐゴシック" panose="020B0600070205080204" pitchFamily="50" charset="-128"/>
+              </a:defRPr>
+            </a:lvl9pPr>
+          </a:lstStyle>
+          <a:p>
+            <a:r>
+              <a:rPr lang="ja-JP" altLang="en-US" dirty="0"/>
+              <a:t>メンバシップ値</a:t>
+            </a:r>
+          </a:p>
+        </p:txBody>
+      </p:sp>
+      <p:sp>
+        <p:nvSpPr>
+          <p:cNvPr id="18" name="正方形/長方形 17"/>
+          <p:cNvSpPr/>
+          <p:nvPr/>
+        </p:nvSpPr>
+        <p:spPr bwMode="auto">
+          <a:xfrm>
+            <a:off x="5463771" y="3443585"/>
+            <a:ext cx="3427414" cy="1905000"/>
+          </a:xfrm>
+          <a:prstGeom prst="rect">
+            <a:avLst/>
+          </a:prstGeom>
+        </p:spPr>
+        <p:style>
+          <a:lnRef idx="2">
+            <a:schemeClr val="accent1">
+              <a:shade val="50000"/>
+            </a:schemeClr>
+          </a:lnRef>
+          <a:fillRef idx="1">
+            <a:schemeClr val="accent1"/>
+          </a:fillRef>
+          <a:effectRef idx="0">
+            <a:schemeClr val="accent1"/>
+          </a:effectRef>
+          <a:fontRef idx="minor">
+            <a:schemeClr val="lt1"/>
+          </a:fontRef>
+        </p:style>
+        <p:txBody>
+          <a:bodyPr anchor="ctr"/>
+          <a:lstStyle/>
+          <a:p>
+            <a:pPr algn="ctr">
+              <a:defRPr/>
+            </a:pPr>
+            <a:endParaRPr lang="ja-JP" altLang="en-US"/>
+          </a:p>
+        </p:txBody>
+      </p:sp>
+      <p:sp>
+        <p:nvSpPr>
+          <p:cNvPr id="19" name="テキスト ボックス 58"/>
+          <p:cNvSpPr txBox="1">
+            <a:spLocks noChangeArrowheads="1"/>
+          </p:cNvSpPr>
+          <p:nvPr/>
+        </p:nvSpPr>
+        <p:spPr bwMode="auto">
+          <a:xfrm>
+            <a:off x="5026533" y="3245703"/>
+            <a:ext cx="505267" cy="369332"/>
+          </a:xfrm>
+          <a:prstGeom prst="rect">
+            <a:avLst/>
+          </a:prstGeom>
+          <a:noFill/>
+          <a:ln>
+            <a:noFill/>
+          </a:ln>
+          <a:extLst>
+            <a:ext uri="{909E8E84-426E-40DD-AFC4-6F175D3DCCD1}">
+              <a14:hiddenFill xmlns:a14="http://schemas.microsoft.com/office/drawing/2010/main">
+                <a:solidFill>
+                  <a:srgbClr val="FFFFFF"/>
+                </a:solidFill>
+              </a14:hiddenFill>
+            </a:ext>
+            <a:ext uri="{91240B29-F687-4F45-9708-019B960494DF}">
+              <a14:hiddenLine xmlns:a14="http://schemas.microsoft.com/office/drawing/2010/main" w="9525">
+                <a:solidFill>
+                  <a:srgbClr val="000000"/>
+                </a:solidFill>
+                <a:miter lim="800000"/>
+                <a:headEnd/>
+                <a:tailEnd/>
+              </a14:hiddenLine>
+            </a:ext>
+          </a:extLst>
+        </p:spPr>
+        <p:txBody>
+          <a:bodyPr wrap="none">
+            <a:spAutoFit/>
+          </a:bodyPr>
+          <a:lstStyle>
+            <a:lvl1pPr>
+              <a:defRPr kumimoji="1">
+                <a:solidFill>
+                  <a:schemeClr val="tx1"/>
+                </a:solidFill>
+                <a:latin typeface="Arial" panose="020B0604020202020204" pitchFamily="34" charset="0"/>
+                <a:ea typeface="ＭＳ Ｐゴシック" panose="020B0600070205080204" pitchFamily="50" charset="-128"/>
+              </a:defRPr>
+            </a:lvl1pPr>
+            <a:lvl2pPr marL="742950" indent="-285750">
+              <a:defRPr kumimoji="1">
+                <a:solidFill>
+                  <a:schemeClr val="tx1"/>
+                </a:solidFill>
+                <a:latin typeface="Arial" panose="020B0604020202020204" pitchFamily="34" charset="0"/>
+                <a:ea typeface="ＭＳ Ｐゴシック" panose="020B0600070205080204" pitchFamily="50" charset="-128"/>
+              </a:defRPr>
+            </a:lvl2pPr>
+            <a:lvl3pPr marL="1143000" indent="-228600">
+              <a:defRPr kumimoji="1">
+                <a:solidFill>
+                  <a:schemeClr val="tx1"/>
+                </a:solidFill>
+                <a:latin typeface="Arial" panose="020B0604020202020204" pitchFamily="34" charset="0"/>
+                <a:ea typeface="ＭＳ Ｐゴシック" panose="020B0600070205080204" pitchFamily="50" charset="-128"/>
+              </a:defRPr>
+            </a:lvl3pPr>
+            <a:lvl4pPr marL="1600200" indent="-228600">
+              <a:defRPr kumimoji="1">
+                <a:solidFill>
+                  <a:schemeClr val="tx1"/>
+                </a:solidFill>
+                <a:latin typeface="Arial" panose="020B0604020202020204" pitchFamily="34" charset="0"/>
+                <a:ea typeface="ＭＳ Ｐゴシック" panose="020B0600070205080204" pitchFamily="50" charset="-128"/>
+              </a:defRPr>
+            </a:lvl4pPr>
+            <a:lvl5pPr marL="2057400" indent="-228600">
+              <a:defRPr kumimoji="1">
+                <a:solidFill>
+                  <a:schemeClr val="tx1"/>
+                </a:solidFill>
+                <a:latin typeface="Arial" panose="020B0604020202020204" pitchFamily="34" charset="0"/>
+                <a:ea typeface="ＭＳ Ｐゴシック" panose="020B0600070205080204" pitchFamily="50" charset="-128"/>
+              </a:defRPr>
+            </a:lvl5pPr>
+            <a:lvl6pPr marL="2514600" indent="-228600" eaLnBrk="0" fontAlgn="base" hangingPunct="0">
+              <a:spcBef>
+                <a:spcPct val="0"/>
+              </a:spcBef>
+              <a:spcAft>
+                <a:spcPct val="0"/>
+              </a:spcAft>
+              <a:defRPr kumimoji="1">
+                <a:solidFill>
+                  <a:schemeClr val="tx1"/>
+                </a:solidFill>
+                <a:latin typeface="Arial" panose="020B0604020202020204" pitchFamily="34" charset="0"/>
+                <a:ea typeface="ＭＳ Ｐゴシック" panose="020B0600070205080204" pitchFamily="50" charset="-128"/>
+              </a:defRPr>
+            </a:lvl6pPr>
+            <a:lvl7pPr marL="2971800" indent="-228600" eaLnBrk="0" fontAlgn="base" hangingPunct="0">
+              <a:spcBef>
+                <a:spcPct val="0"/>
+              </a:spcBef>
+              <a:spcAft>
+                <a:spcPct val="0"/>
+              </a:spcAft>
+              <a:defRPr kumimoji="1">
+                <a:solidFill>
+                  <a:schemeClr val="tx1"/>
+                </a:solidFill>
+                <a:latin typeface="Arial" panose="020B0604020202020204" pitchFamily="34" charset="0"/>
+                <a:ea typeface="ＭＳ Ｐゴシック" panose="020B0600070205080204" pitchFamily="50" charset="-128"/>
+              </a:defRPr>
+            </a:lvl7pPr>
+            <a:lvl8pPr marL="3429000" indent="-228600" eaLnBrk="0" fontAlgn="base" hangingPunct="0">
+              <a:spcBef>
+                <a:spcPct val="0"/>
+              </a:spcBef>
+              <a:spcAft>
+                <a:spcPct val="0"/>
+              </a:spcAft>
+              <a:defRPr kumimoji="1">
+                <a:solidFill>
+                  <a:schemeClr val="tx1"/>
+                </a:solidFill>
+                <a:latin typeface="Arial" panose="020B0604020202020204" pitchFamily="34" charset="0"/>
+                <a:ea typeface="ＭＳ Ｐゴシック" panose="020B0600070205080204" pitchFamily="50" charset="-128"/>
+              </a:defRPr>
+            </a:lvl8pPr>
+            <a:lvl9pPr marL="3886200" indent="-228600" eaLnBrk="0" fontAlgn="base" hangingPunct="0">
+              <a:spcBef>
+                <a:spcPct val="0"/>
+              </a:spcBef>
+              <a:spcAft>
+                <a:spcPct val="0"/>
+              </a:spcAft>
+              <a:defRPr kumimoji="1">
+                <a:solidFill>
+                  <a:schemeClr val="tx1"/>
+                </a:solidFill>
+                <a:latin typeface="Arial" panose="020B0604020202020204" pitchFamily="34" charset="0"/>
+                <a:ea typeface="ＭＳ Ｐゴシック" panose="020B0600070205080204" pitchFamily="50" charset="-128"/>
+              </a:defRPr>
+            </a:lvl9pPr>
+          </a:lstStyle>
+          <a:p>
+            <a:r>
+              <a:rPr lang="en-US" altLang="ja-JP" dirty="0"/>
+              <a:t>1.0</a:t>
+            </a:r>
+            <a:endParaRPr lang="ja-JP" altLang="en-US" dirty="0"/>
+          </a:p>
+        </p:txBody>
+      </p:sp>
+      <p:sp>
+        <p:nvSpPr>
+          <p:cNvPr id="20" name="テキスト ボックス 58"/>
+          <p:cNvSpPr txBox="1">
+            <a:spLocks noChangeArrowheads="1"/>
+          </p:cNvSpPr>
+          <p:nvPr/>
+        </p:nvSpPr>
+        <p:spPr bwMode="auto">
+          <a:xfrm>
+            <a:off x="5078424" y="5149334"/>
+            <a:ext cx="312906" cy="369332"/>
+          </a:xfrm>
+          <a:prstGeom prst="rect">
+            <a:avLst/>
+          </a:prstGeom>
+          <a:noFill/>
+          <a:ln>
+            <a:noFill/>
+          </a:ln>
+          <a:extLst>
+            <a:ext uri="{909E8E84-426E-40DD-AFC4-6F175D3DCCD1}">
+              <a14:hiddenFill xmlns:a14="http://schemas.microsoft.com/office/drawing/2010/main">
+                <a:solidFill>
+                  <a:srgbClr val="FFFFFF"/>
+                </a:solidFill>
+              </a14:hiddenFill>
+            </a:ext>
+            <a:ext uri="{91240B29-F687-4F45-9708-019B960494DF}">
+              <a14:hiddenLine xmlns:a14="http://schemas.microsoft.com/office/drawing/2010/main" w="9525">
+                <a:solidFill>
+                  <a:srgbClr val="000000"/>
+                </a:solidFill>
+                <a:miter lim="800000"/>
+                <a:headEnd/>
+                <a:tailEnd/>
+              </a14:hiddenLine>
+            </a:ext>
+          </a:extLst>
+        </p:spPr>
+        <p:txBody>
+          <a:bodyPr wrap="none">
+            <a:spAutoFit/>
+          </a:bodyPr>
+          <a:lstStyle>
+            <a:lvl1pPr>
+              <a:defRPr kumimoji="1">
+                <a:solidFill>
+                  <a:schemeClr val="tx1"/>
+                </a:solidFill>
+                <a:latin typeface="Arial" panose="020B0604020202020204" pitchFamily="34" charset="0"/>
+                <a:ea typeface="ＭＳ Ｐゴシック" panose="020B0600070205080204" pitchFamily="50" charset="-128"/>
+              </a:defRPr>
+            </a:lvl1pPr>
+            <a:lvl2pPr marL="742950" indent="-285750">
+              <a:defRPr kumimoji="1">
+                <a:solidFill>
+                  <a:schemeClr val="tx1"/>
+                </a:solidFill>
+                <a:latin typeface="Arial" panose="020B0604020202020204" pitchFamily="34" charset="0"/>
+                <a:ea typeface="ＭＳ Ｐゴシック" panose="020B0600070205080204" pitchFamily="50" charset="-128"/>
+              </a:defRPr>
+            </a:lvl2pPr>
+            <a:lvl3pPr marL="1143000" indent="-228600">
+              <a:defRPr kumimoji="1">
+                <a:solidFill>
+                  <a:schemeClr val="tx1"/>
+                </a:solidFill>
+                <a:latin typeface="Arial" panose="020B0604020202020204" pitchFamily="34" charset="0"/>
+                <a:ea typeface="ＭＳ Ｐゴシック" panose="020B0600070205080204" pitchFamily="50" charset="-128"/>
+              </a:defRPr>
+            </a:lvl3pPr>
+            <a:lvl4pPr marL="1600200" indent="-228600">
+              <a:defRPr kumimoji="1">
+                <a:solidFill>
+                  <a:schemeClr val="tx1"/>
+                </a:solidFill>
+                <a:latin typeface="Arial" panose="020B0604020202020204" pitchFamily="34" charset="0"/>
+                <a:ea typeface="ＭＳ Ｐゴシック" panose="020B0600070205080204" pitchFamily="50" charset="-128"/>
+              </a:defRPr>
+            </a:lvl4pPr>
+            <a:lvl5pPr marL="2057400" indent="-228600">
+              <a:defRPr kumimoji="1">
+                <a:solidFill>
+                  <a:schemeClr val="tx1"/>
+                </a:solidFill>
+                <a:latin typeface="Arial" panose="020B0604020202020204" pitchFamily="34" charset="0"/>
+                <a:ea typeface="ＭＳ Ｐゴシック" panose="020B0600070205080204" pitchFamily="50" charset="-128"/>
+              </a:defRPr>
+            </a:lvl5pPr>
+            <a:lvl6pPr marL="2514600" indent="-228600" eaLnBrk="0" fontAlgn="base" hangingPunct="0">
+              <a:spcBef>
+                <a:spcPct val="0"/>
+              </a:spcBef>
+              <a:spcAft>
+                <a:spcPct val="0"/>
+              </a:spcAft>
+              <a:defRPr kumimoji="1">
+                <a:solidFill>
+                  <a:schemeClr val="tx1"/>
+                </a:solidFill>
+                <a:latin typeface="Arial" panose="020B0604020202020204" pitchFamily="34" charset="0"/>
+                <a:ea typeface="ＭＳ Ｐゴシック" panose="020B0600070205080204" pitchFamily="50" charset="-128"/>
+              </a:defRPr>
+            </a:lvl6pPr>
+            <a:lvl7pPr marL="2971800" indent="-228600" eaLnBrk="0" fontAlgn="base" hangingPunct="0">
+              <a:spcBef>
+                <a:spcPct val="0"/>
+              </a:spcBef>
+              <a:spcAft>
+                <a:spcPct val="0"/>
+              </a:spcAft>
+              <a:defRPr kumimoji="1">
+                <a:solidFill>
+                  <a:schemeClr val="tx1"/>
+                </a:solidFill>
+                <a:latin typeface="Arial" panose="020B0604020202020204" pitchFamily="34" charset="0"/>
+                <a:ea typeface="ＭＳ Ｐゴシック" panose="020B0600070205080204" pitchFamily="50" charset="-128"/>
+              </a:defRPr>
+            </a:lvl7pPr>
+            <a:lvl8pPr marL="3429000" indent="-228600" eaLnBrk="0" fontAlgn="base" hangingPunct="0">
+              <a:spcBef>
+                <a:spcPct val="0"/>
+              </a:spcBef>
+              <a:spcAft>
+                <a:spcPct val="0"/>
+              </a:spcAft>
+              <a:defRPr kumimoji="1">
+                <a:solidFill>
+                  <a:schemeClr val="tx1"/>
+                </a:solidFill>
+                <a:latin typeface="Arial" panose="020B0604020202020204" pitchFamily="34" charset="0"/>
+                <a:ea typeface="ＭＳ Ｐゴシック" panose="020B0600070205080204" pitchFamily="50" charset="-128"/>
+              </a:defRPr>
+            </a:lvl8pPr>
+            <a:lvl9pPr marL="3886200" indent="-228600" eaLnBrk="0" fontAlgn="base" hangingPunct="0">
+              <a:spcBef>
+                <a:spcPct val="0"/>
+              </a:spcBef>
+              <a:spcAft>
+                <a:spcPct val="0"/>
+              </a:spcAft>
+              <a:defRPr kumimoji="1">
+                <a:solidFill>
+                  <a:schemeClr val="tx1"/>
+                </a:solidFill>
+                <a:latin typeface="Arial" panose="020B0604020202020204" pitchFamily="34" charset="0"/>
+                <a:ea typeface="ＭＳ Ｐゴシック" panose="020B0600070205080204" pitchFamily="50" charset="-128"/>
+              </a:defRPr>
+            </a:lvl9pPr>
+          </a:lstStyle>
+          <a:p>
+            <a:r>
+              <a:rPr lang="en-US" altLang="ja-JP" dirty="0"/>
+              <a:t>0</a:t>
+            </a:r>
+            <a:endParaRPr lang="ja-JP" altLang="en-US" dirty="0"/>
+          </a:p>
+        </p:txBody>
+      </p:sp>
+      <p:sp>
+        <p:nvSpPr>
+          <p:cNvPr id="21" name="テキスト ボックス 58"/>
+          <p:cNvSpPr txBox="1">
+            <a:spLocks noChangeArrowheads="1"/>
+          </p:cNvSpPr>
+          <p:nvPr/>
+        </p:nvSpPr>
+        <p:spPr bwMode="auto">
+          <a:xfrm>
+            <a:off x="6806926" y="5686675"/>
+            <a:ext cx="877163" cy="369332"/>
+          </a:xfrm>
+          <a:prstGeom prst="rect">
+            <a:avLst/>
+          </a:prstGeom>
+          <a:noFill/>
+          <a:ln>
+            <a:noFill/>
+          </a:ln>
+          <a:extLst>
+            <a:ext uri="{909E8E84-426E-40DD-AFC4-6F175D3DCCD1}">
+              <a14:hiddenFill xmlns:a14="http://schemas.microsoft.com/office/drawing/2010/main">
+                <a:solidFill>
+                  <a:srgbClr val="FFFFFF"/>
+                </a:solidFill>
+              </a14:hiddenFill>
+            </a:ext>
+            <a:ext uri="{91240B29-F687-4F45-9708-019B960494DF}">
+              <a14:hiddenLine xmlns:a14="http://schemas.microsoft.com/office/drawing/2010/main" w="9525">
+                <a:solidFill>
+                  <a:srgbClr val="000000"/>
+                </a:solidFill>
+                <a:miter lim="800000"/>
+                <a:headEnd/>
+                <a:tailEnd/>
+              </a14:hiddenLine>
+            </a:ext>
+          </a:extLst>
+        </p:spPr>
+        <p:txBody>
+          <a:bodyPr wrap="none">
+            <a:spAutoFit/>
+          </a:bodyPr>
+          <a:lstStyle>
+            <a:lvl1pPr>
+              <a:defRPr kumimoji="1">
+                <a:solidFill>
+                  <a:schemeClr val="tx1"/>
+                </a:solidFill>
+                <a:latin typeface="Arial" panose="020B0604020202020204" pitchFamily="34" charset="0"/>
+                <a:ea typeface="ＭＳ Ｐゴシック" panose="020B0600070205080204" pitchFamily="50" charset="-128"/>
+              </a:defRPr>
+            </a:lvl1pPr>
+            <a:lvl2pPr marL="742950" indent="-285750">
+              <a:defRPr kumimoji="1">
+                <a:solidFill>
+                  <a:schemeClr val="tx1"/>
+                </a:solidFill>
+                <a:latin typeface="Arial" panose="020B0604020202020204" pitchFamily="34" charset="0"/>
+                <a:ea typeface="ＭＳ Ｐゴシック" panose="020B0600070205080204" pitchFamily="50" charset="-128"/>
+              </a:defRPr>
+            </a:lvl2pPr>
+            <a:lvl3pPr marL="1143000" indent="-228600">
+              <a:defRPr kumimoji="1">
+                <a:solidFill>
+                  <a:schemeClr val="tx1"/>
+                </a:solidFill>
+                <a:latin typeface="Arial" panose="020B0604020202020204" pitchFamily="34" charset="0"/>
+                <a:ea typeface="ＭＳ Ｐゴシック" panose="020B0600070205080204" pitchFamily="50" charset="-128"/>
+              </a:defRPr>
+            </a:lvl3pPr>
+            <a:lvl4pPr marL="1600200" indent="-228600">
+              <a:defRPr kumimoji="1">
+                <a:solidFill>
+                  <a:schemeClr val="tx1"/>
+                </a:solidFill>
+                <a:latin typeface="Arial" panose="020B0604020202020204" pitchFamily="34" charset="0"/>
+                <a:ea typeface="ＭＳ Ｐゴシック" panose="020B0600070205080204" pitchFamily="50" charset="-128"/>
+              </a:defRPr>
+            </a:lvl4pPr>
+            <a:lvl5pPr marL="2057400" indent="-228600">
+              <a:defRPr kumimoji="1">
+                <a:solidFill>
+                  <a:schemeClr val="tx1"/>
+                </a:solidFill>
+                <a:latin typeface="Arial" panose="020B0604020202020204" pitchFamily="34" charset="0"/>
+                <a:ea typeface="ＭＳ Ｐゴシック" panose="020B0600070205080204" pitchFamily="50" charset="-128"/>
+              </a:defRPr>
+            </a:lvl5pPr>
+            <a:lvl6pPr marL="2514600" indent="-228600" eaLnBrk="0" fontAlgn="base" hangingPunct="0">
+              <a:spcBef>
+                <a:spcPct val="0"/>
+              </a:spcBef>
+              <a:spcAft>
+                <a:spcPct val="0"/>
+              </a:spcAft>
+              <a:defRPr kumimoji="1">
+                <a:solidFill>
+                  <a:schemeClr val="tx1"/>
+                </a:solidFill>
+                <a:latin typeface="Arial" panose="020B0604020202020204" pitchFamily="34" charset="0"/>
+                <a:ea typeface="ＭＳ Ｐゴシック" panose="020B0600070205080204" pitchFamily="50" charset="-128"/>
+              </a:defRPr>
+            </a:lvl6pPr>
+            <a:lvl7pPr marL="2971800" indent="-228600" eaLnBrk="0" fontAlgn="base" hangingPunct="0">
+              <a:spcBef>
+                <a:spcPct val="0"/>
+              </a:spcBef>
+              <a:spcAft>
+                <a:spcPct val="0"/>
+              </a:spcAft>
+              <a:defRPr kumimoji="1">
+                <a:solidFill>
+                  <a:schemeClr val="tx1"/>
+                </a:solidFill>
+                <a:latin typeface="Arial" panose="020B0604020202020204" pitchFamily="34" charset="0"/>
+                <a:ea typeface="ＭＳ Ｐゴシック" panose="020B0600070205080204" pitchFamily="50" charset="-128"/>
+              </a:defRPr>
+            </a:lvl7pPr>
+            <a:lvl8pPr marL="3429000" indent="-228600" eaLnBrk="0" fontAlgn="base" hangingPunct="0">
+              <a:spcBef>
+                <a:spcPct val="0"/>
+              </a:spcBef>
+              <a:spcAft>
+                <a:spcPct val="0"/>
+              </a:spcAft>
+              <a:defRPr kumimoji="1">
+                <a:solidFill>
+                  <a:schemeClr val="tx1"/>
+                </a:solidFill>
+                <a:latin typeface="Arial" panose="020B0604020202020204" pitchFamily="34" charset="0"/>
+                <a:ea typeface="ＭＳ Ｐゴシック" panose="020B0600070205080204" pitchFamily="50" charset="-128"/>
+              </a:defRPr>
+            </a:lvl8pPr>
+            <a:lvl9pPr marL="3886200" indent="-228600" eaLnBrk="0" fontAlgn="base" hangingPunct="0">
+              <a:spcBef>
+                <a:spcPct val="0"/>
+              </a:spcBef>
+              <a:spcAft>
+                <a:spcPct val="0"/>
+              </a:spcAft>
+              <a:defRPr kumimoji="1">
+                <a:solidFill>
+                  <a:schemeClr val="tx1"/>
+                </a:solidFill>
+                <a:latin typeface="Arial" panose="020B0604020202020204" pitchFamily="34" charset="0"/>
+                <a:ea typeface="ＭＳ Ｐゴシック" panose="020B0600070205080204" pitchFamily="50" charset="-128"/>
+              </a:defRPr>
+            </a:lvl9pPr>
+          </a:lstStyle>
+          <a:p>
+            <a:r>
+              <a:rPr lang="ja-JP" altLang="en-US" dirty="0"/>
+              <a:t>属性値</a:t>
+            </a:r>
+          </a:p>
+        </p:txBody>
+      </p:sp>
+      <p:sp>
+        <p:nvSpPr>
+          <p:cNvPr id="22" name="テキスト ボックス 58"/>
+          <p:cNvSpPr txBox="1">
+            <a:spLocks noChangeArrowheads="1"/>
+          </p:cNvSpPr>
+          <p:nvPr/>
+        </p:nvSpPr>
+        <p:spPr bwMode="auto">
+          <a:xfrm>
+            <a:off x="8687531" y="5348585"/>
+            <a:ext cx="505267" cy="369332"/>
+          </a:xfrm>
+          <a:prstGeom prst="rect">
+            <a:avLst/>
+          </a:prstGeom>
+          <a:noFill/>
+          <a:ln>
+            <a:noFill/>
+          </a:ln>
+          <a:extLst>
+            <a:ext uri="{909E8E84-426E-40DD-AFC4-6F175D3DCCD1}">
+              <a14:hiddenFill xmlns:a14="http://schemas.microsoft.com/office/drawing/2010/main">
+                <a:solidFill>
+                  <a:srgbClr val="FFFFFF"/>
+                </a:solidFill>
+              </a14:hiddenFill>
+            </a:ext>
+            <a:ext uri="{91240B29-F687-4F45-9708-019B960494DF}">
+              <a14:hiddenLine xmlns:a14="http://schemas.microsoft.com/office/drawing/2010/main" w="9525">
+                <a:solidFill>
+                  <a:srgbClr val="000000"/>
+                </a:solidFill>
+                <a:miter lim="800000"/>
+                <a:headEnd/>
+                <a:tailEnd/>
+              </a14:hiddenLine>
+            </a:ext>
+          </a:extLst>
+        </p:spPr>
+        <p:txBody>
+          <a:bodyPr wrap="none">
+            <a:spAutoFit/>
+          </a:bodyPr>
+          <a:lstStyle>
+            <a:lvl1pPr>
+              <a:defRPr kumimoji="1">
+                <a:solidFill>
+                  <a:schemeClr val="tx1"/>
+                </a:solidFill>
+                <a:latin typeface="Arial" panose="020B0604020202020204" pitchFamily="34" charset="0"/>
+                <a:ea typeface="ＭＳ Ｐゴシック" panose="020B0600070205080204" pitchFamily="50" charset="-128"/>
+              </a:defRPr>
+            </a:lvl1pPr>
+            <a:lvl2pPr marL="742950" indent="-285750">
+              <a:defRPr kumimoji="1">
+                <a:solidFill>
+                  <a:schemeClr val="tx1"/>
+                </a:solidFill>
+                <a:latin typeface="Arial" panose="020B0604020202020204" pitchFamily="34" charset="0"/>
+                <a:ea typeface="ＭＳ Ｐゴシック" panose="020B0600070205080204" pitchFamily="50" charset="-128"/>
+              </a:defRPr>
+            </a:lvl2pPr>
+            <a:lvl3pPr marL="1143000" indent="-228600">
+              <a:defRPr kumimoji="1">
+                <a:solidFill>
+                  <a:schemeClr val="tx1"/>
+                </a:solidFill>
+                <a:latin typeface="Arial" panose="020B0604020202020204" pitchFamily="34" charset="0"/>
+                <a:ea typeface="ＭＳ Ｐゴシック" panose="020B0600070205080204" pitchFamily="50" charset="-128"/>
+              </a:defRPr>
+            </a:lvl3pPr>
+            <a:lvl4pPr marL="1600200" indent="-228600">
+              <a:defRPr kumimoji="1">
+                <a:solidFill>
+                  <a:schemeClr val="tx1"/>
+                </a:solidFill>
+                <a:latin typeface="Arial" panose="020B0604020202020204" pitchFamily="34" charset="0"/>
+                <a:ea typeface="ＭＳ Ｐゴシック" panose="020B0600070205080204" pitchFamily="50" charset="-128"/>
+              </a:defRPr>
+            </a:lvl4pPr>
+            <a:lvl5pPr marL="2057400" indent="-228600">
+              <a:defRPr kumimoji="1">
+                <a:solidFill>
+                  <a:schemeClr val="tx1"/>
+                </a:solidFill>
+                <a:latin typeface="Arial" panose="020B0604020202020204" pitchFamily="34" charset="0"/>
+                <a:ea typeface="ＭＳ Ｐゴシック" panose="020B0600070205080204" pitchFamily="50" charset="-128"/>
+              </a:defRPr>
+            </a:lvl5pPr>
+            <a:lvl6pPr marL="2514600" indent="-228600" eaLnBrk="0" fontAlgn="base" hangingPunct="0">
+              <a:spcBef>
+                <a:spcPct val="0"/>
+              </a:spcBef>
+              <a:spcAft>
+                <a:spcPct val="0"/>
+              </a:spcAft>
+              <a:defRPr kumimoji="1">
+                <a:solidFill>
+                  <a:schemeClr val="tx1"/>
+                </a:solidFill>
+                <a:latin typeface="Arial" panose="020B0604020202020204" pitchFamily="34" charset="0"/>
+                <a:ea typeface="ＭＳ Ｐゴシック" panose="020B0600070205080204" pitchFamily="50" charset="-128"/>
+              </a:defRPr>
+            </a:lvl6pPr>
+            <a:lvl7pPr marL="2971800" indent="-228600" eaLnBrk="0" fontAlgn="base" hangingPunct="0">
+              <a:spcBef>
+                <a:spcPct val="0"/>
+              </a:spcBef>
+              <a:spcAft>
+                <a:spcPct val="0"/>
+              </a:spcAft>
+              <a:defRPr kumimoji="1">
+                <a:solidFill>
+                  <a:schemeClr val="tx1"/>
+                </a:solidFill>
+                <a:latin typeface="Arial" panose="020B0604020202020204" pitchFamily="34" charset="0"/>
+                <a:ea typeface="ＭＳ Ｐゴシック" panose="020B0600070205080204" pitchFamily="50" charset="-128"/>
+              </a:defRPr>
+            </a:lvl7pPr>
+            <a:lvl8pPr marL="3429000" indent="-228600" eaLnBrk="0" fontAlgn="base" hangingPunct="0">
+              <a:spcBef>
+                <a:spcPct val="0"/>
+              </a:spcBef>
+              <a:spcAft>
+                <a:spcPct val="0"/>
+              </a:spcAft>
+              <a:defRPr kumimoji="1">
+                <a:solidFill>
+                  <a:schemeClr val="tx1"/>
+                </a:solidFill>
+                <a:latin typeface="Arial" panose="020B0604020202020204" pitchFamily="34" charset="0"/>
+                <a:ea typeface="ＭＳ Ｐゴシック" panose="020B0600070205080204" pitchFamily="50" charset="-128"/>
+              </a:defRPr>
+            </a:lvl8pPr>
+            <a:lvl9pPr marL="3886200" indent="-228600" eaLnBrk="0" fontAlgn="base" hangingPunct="0">
+              <a:spcBef>
+                <a:spcPct val="0"/>
+              </a:spcBef>
+              <a:spcAft>
+                <a:spcPct val="0"/>
+              </a:spcAft>
+              <a:defRPr kumimoji="1">
+                <a:solidFill>
+                  <a:schemeClr val="tx1"/>
+                </a:solidFill>
+                <a:latin typeface="Arial" panose="020B0604020202020204" pitchFamily="34" charset="0"/>
+                <a:ea typeface="ＭＳ Ｐゴシック" panose="020B0600070205080204" pitchFamily="50" charset="-128"/>
+              </a:defRPr>
+            </a:lvl9pPr>
+          </a:lstStyle>
+          <a:p>
+            <a:r>
+              <a:rPr lang="en-US" altLang="ja-JP" dirty="0"/>
+              <a:t>1.0</a:t>
+            </a:r>
+            <a:endParaRPr lang="ja-JP" altLang="en-US" dirty="0"/>
+          </a:p>
+        </p:txBody>
+      </p:sp>
+      <p:sp>
+        <p:nvSpPr>
+          <p:cNvPr id="23" name="テキスト ボックス 58"/>
+          <p:cNvSpPr txBox="1">
+            <a:spLocks noChangeArrowheads="1"/>
+          </p:cNvSpPr>
+          <p:nvPr/>
+        </p:nvSpPr>
+        <p:spPr bwMode="auto">
+          <a:xfrm>
+            <a:off x="3875215" y="4201065"/>
+            <a:ext cx="1592103" cy="369332"/>
+          </a:xfrm>
+          <a:prstGeom prst="rect">
+            <a:avLst/>
+          </a:prstGeom>
+          <a:noFill/>
+          <a:ln>
+            <a:noFill/>
+          </a:ln>
+          <a:extLst>
+            <a:ext uri="{909E8E84-426E-40DD-AFC4-6F175D3DCCD1}">
+              <a14:hiddenFill xmlns:a14="http://schemas.microsoft.com/office/drawing/2010/main">
+                <a:solidFill>
+                  <a:srgbClr val="FFFFFF"/>
+                </a:solidFill>
+              </a14:hiddenFill>
+            </a:ext>
+            <a:ext uri="{91240B29-F687-4F45-9708-019B960494DF}">
+              <a14:hiddenLine xmlns:a14="http://schemas.microsoft.com/office/drawing/2010/main" w="9525">
+                <a:solidFill>
+                  <a:srgbClr val="000000"/>
+                </a:solidFill>
+                <a:miter lim="800000"/>
+                <a:headEnd/>
+                <a:tailEnd/>
+              </a14:hiddenLine>
+            </a:ext>
+          </a:extLst>
+        </p:spPr>
+        <p:txBody>
+          <a:bodyPr wrap="none">
+            <a:spAutoFit/>
+          </a:bodyPr>
+          <a:lstStyle>
+            <a:lvl1pPr>
+              <a:defRPr kumimoji="1">
+                <a:solidFill>
+                  <a:schemeClr val="tx1"/>
+                </a:solidFill>
+                <a:latin typeface="Arial" panose="020B0604020202020204" pitchFamily="34" charset="0"/>
+                <a:ea typeface="ＭＳ Ｐゴシック" panose="020B0600070205080204" pitchFamily="50" charset="-128"/>
+              </a:defRPr>
+            </a:lvl1pPr>
+            <a:lvl2pPr marL="742950" indent="-285750">
+              <a:defRPr kumimoji="1">
+                <a:solidFill>
+                  <a:schemeClr val="tx1"/>
+                </a:solidFill>
+                <a:latin typeface="Arial" panose="020B0604020202020204" pitchFamily="34" charset="0"/>
+                <a:ea typeface="ＭＳ Ｐゴシック" panose="020B0600070205080204" pitchFamily="50" charset="-128"/>
+              </a:defRPr>
+            </a:lvl2pPr>
+            <a:lvl3pPr marL="1143000" indent="-228600">
+              <a:defRPr kumimoji="1">
+                <a:solidFill>
+                  <a:schemeClr val="tx1"/>
+                </a:solidFill>
+                <a:latin typeface="Arial" panose="020B0604020202020204" pitchFamily="34" charset="0"/>
+                <a:ea typeface="ＭＳ Ｐゴシック" panose="020B0600070205080204" pitchFamily="50" charset="-128"/>
+              </a:defRPr>
+            </a:lvl3pPr>
+            <a:lvl4pPr marL="1600200" indent="-228600">
+              <a:defRPr kumimoji="1">
+                <a:solidFill>
+                  <a:schemeClr val="tx1"/>
+                </a:solidFill>
+                <a:latin typeface="Arial" panose="020B0604020202020204" pitchFamily="34" charset="0"/>
+                <a:ea typeface="ＭＳ Ｐゴシック" panose="020B0600070205080204" pitchFamily="50" charset="-128"/>
+              </a:defRPr>
+            </a:lvl4pPr>
+            <a:lvl5pPr marL="2057400" indent="-228600">
+              <a:defRPr kumimoji="1">
+                <a:solidFill>
+                  <a:schemeClr val="tx1"/>
+                </a:solidFill>
+                <a:latin typeface="Arial" panose="020B0604020202020204" pitchFamily="34" charset="0"/>
+                <a:ea typeface="ＭＳ Ｐゴシック" panose="020B0600070205080204" pitchFamily="50" charset="-128"/>
+              </a:defRPr>
+            </a:lvl5pPr>
+            <a:lvl6pPr marL="2514600" indent="-228600" eaLnBrk="0" fontAlgn="base" hangingPunct="0">
+              <a:spcBef>
+                <a:spcPct val="0"/>
+              </a:spcBef>
+              <a:spcAft>
+                <a:spcPct val="0"/>
+              </a:spcAft>
+              <a:defRPr kumimoji="1">
+                <a:solidFill>
+                  <a:schemeClr val="tx1"/>
+                </a:solidFill>
+                <a:latin typeface="Arial" panose="020B0604020202020204" pitchFamily="34" charset="0"/>
+                <a:ea typeface="ＭＳ Ｐゴシック" panose="020B0600070205080204" pitchFamily="50" charset="-128"/>
+              </a:defRPr>
+            </a:lvl6pPr>
+            <a:lvl7pPr marL="2971800" indent="-228600" eaLnBrk="0" fontAlgn="base" hangingPunct="0">
+              <a:spcBef>
+                <a:spcPct val="0"/>
+              </a:spcBef>
+              <a:spcAft>
+                <a:spcPct val="0"/>
+              </a:spcAft>
+              <a:defRPr kumimoji="1">
+                <a:solidFill>
+                  <a:schemeClr val="tx1"/>
+                </a:solidFill>
+                <a:latin typeface="Arial" panose="020B0604020202020204" pitchFamily="34" charset="0"/>
+                <a:ea typeface="ＭＳ Ｐゴシック" panose="020B0600070205080204" pitchFamily="50" charset="-128"/>
+              </a:defRPr>
+            </a:lvl7pPr>
+            <a:lvl8pPr marL="3429000" indent="-228600" eaLnBrk="0" fontAlgn="base" hangingPunct="0">
+              <a:spcBef>
+                <a:spcPct val="0"/>
+              </a:spcBef>
+              <a:spcAft>
+                <a:spcPct val="0"/>
+              </a:spcAft>
+              <a:defRPr kumimoji="1">
+                <a:solidFill>
+                  <a:schemeClr val="tx1"/>
+                </a:solidFill>
+                <a:latin typeface="Arial" panose="020B0604020202020204" pitchFamily="34" charset="0"/>
+                <a:ea typeface="ＭＳ Ｐゴシック" panose="020B0600070205080204" pitchFamily="50" charset="-128"/>
+              </a:defRPr>
+            </a:lvl8pPr>
+            <a:lvl9pPr marL="3886200" indent="-228600" eaLnBrk="0" fontAlgn="base" hangingPunct="0">
+              <a:spcBef>
+                <a:spcPct val="0"/>
+              </a:spcBef>
+              <a:spcAft>
+                <a:spcPct val="0"/>
+              </a:spcAft>
+              <a:defRPr kumimoji="1">
+                <a:solidFill>
+                  <a:schemeClr val="tx1"/>
+                </a:solidFill>
+                <a:latin typeface="Arial" panose="020B0604020202020204" pitchFamily="34" charset="0"/>
+                <a:ea typeface="ＭＳ Ｐゴシック" panose="020B0600070205080204" pitchFamily="50" charset="-128"/>
+              </a:defRPr>
+            </a:lvl9pPr>
+          </a:lstStyle>
+          <a:p>
+            <a:r>
+              <a:rPr lang="ja-JP" altLang="en-US" dirty="0"/>
+              <a:t>メンバシップ値</a:t>
+            </a:r>
+          </a:p>
+        </p:txBody>
+      </p:sp>
+      <p:sp>
+        <p:nvSpPr>
+          <p:cNvPr id="24" name="テキスト ボックス 57"/>
+          <p:cNvSpPr txBox="1">
+            <a:spLocks noChangeArrowheads="1"/>
+          </p:cNvSpPr>
+          <p:nvPr/>
+        </p:nvSpPr>
+        <p:spPr bwMode="auto">
+          <a:xfrm>
+            <a:off x="6853356" y="4149201"/>
+            <a:ext cx="1236236" cy="369332"/>
+          </a:xfrm>
+          <a:prstGeom prst="rect">
+            <a:avLst/>
+          </a:prstGeom>
+          <a:noFill/>
+          <a:ln>
+            <a:noFill/>
+          </a:ln>
+          <a:extLst>
+            <a:ext uri="{909E8E84-426E-40DD-AFC4-6F175D3DCCD1}">
+              <a14:hiddenFill xmlns:a14="http://schemas.microsoft.com/office/drawing/2010/main">
+                <a:solidFill>
+                  <a:srgbClr val="FFFFFF"/>
+                </a:solidFill>
+              </a14:hiddenFill>
+            </a:ext>
+            <a:ext uri="{91240B29-F687-4F45-9708-019B960494DF}">
+              <a14:hiddenLine xmlns:a14="http://schemas.microsoft.com/office/drawing/2010/main" w="9525">
+                <a:solidFill>
+                  <a:srgbClr val="000000"/>
+                </a:solidFill>
+                <a:miter lim="800000"/>
+                <a:headEnd/>
+                <a:tailEnd/>
+              </a14:hiddenLine>
+            </a:ext>
+          </a:extLst>
+        </p:spPr>
+        <p:txBody>
+          <a:bodyPr wrap="none">
+            <a:spAutoFit/>
+          </a:bodyPr>
+          <a:lstStyle>
+            <a:lvl1pPr>
+              <a:defRPr kumimoji="1">
+                <a:solidFill>
+                  <a:schemeClr val="tx1"/>
+                </a:solidFill>
+                <a:latin typeface="Arial" panose="020B0604020202020204" pitchFamily="34" charset="0"/>
+                <a:ea typeface="ＭＳ Ｐゴシック" panose="020B0600070205080204" pitchFamily="50" charset="-128"/>
+              </a:defRPr>
+            </a:lvl1pPr>
+            <a:lvl2pPr marL="742950" indent="-285750">
+              <a:defRPr kumimoji="1">
+                <a:solidFill>
+                  <a:schemeClr val="tx1"/>
+                </a:solidFill>
+                <a:latin typeface="Arial" panose="020B0604020202020204" pitchFamily="34" charset="0"/>
+                <a:ea typeface="ＭＳ Ｐゴシック" panose="020B0600070205080204" pitchFamily="50" charset="-128"/>
+              </a:defRPr>
+            </a:lvl2pPr>
+            <a:lvl3pPr marL="1143000" indent="-228600">
+              <a:defRPr kumimoji="1">
+                <a:solidFill>
+                  <a:schemeClr val="tx1"/>
+                </a:solidFill>
+                <a:latin typeface="Arial" panose="020B0604020202020204" pitchFamily="34" charset="0"/>
+                <a:ea typeface="ＭＳ Ｐゴシック" panose="020B0600070205080204" pitchFamily="50" charset="-128"/>
+              </a:defRPr>
+            </a:lvl3pPr>
+            <a:lvl4pPr marL="1600200" indent="-228600">
+              <a:defRPr kumimoji="1">
+                <a:solidFill>
+                  <a:schemeClr val="tx1"/>
+                </a:solidFill>
+                <a:latin typeface="Arial" panose="020B0604020202020204" pitchFamily="34" charset="0"/>
+                <a:ea typeface="ＭＳ Ｐゴシック" panose="020B0600070205080204" pitchFamily="50" charset="-128"/>
+              </a:defRPr>
+            </a:lvl4pPr>
+            <a:lvl5pPr marL="2057400" indent="-228600">
+              <a:defRPr kumimoji="1">
+                <a:solidFill>
+                  <a:schemeClr val="tx1"/>
+                </a:solidFill>
+                <a:latin typeface="Arial" panose="020B0604020202020204" pitchFamily="34" charset="0"/>
+                <a:ea typeface="ＭＳ Ｐゴシック" panose="020B0600070205080204" pitchFamily="50" charset="-128"/>
+              </a:defRPr>
+            </a:lvl5pPr>
+            <a:lvl6pPr marL="2514600" indent="-228600" eaLnBrk="0" fontAlgn="base" hangingPunct="0">
+              <a:spcBef>
+                <a:spcPct val="0"/>
+              </a:spcBef>
+              <a:spcAft>
+                <a:spcPct val="0"/>
+              </a:spcAft>
+              <a:defRPr kumimoji="1">
+                <a:solidFill>
+                  <a:schemeClr val="tx1"/>
+                </a:solidFill>
+                <a:latin typeface="Arial" panose="020B0604020202020204" pitchFamily="34" charset="0"/>
+                <a:ea typeface="ＭＳ Ｐゴシック" panose="020B0600070205080204" pitchFamily="50" charset="-128"/>
+              </a:defRPr>
+            </a:lvl6pPr>
+            <a:lvl7pPr marL="2971800" indent="-228600" eaLnBrk="0" fontAlgn="base" hangingPunct="0">
+              <a:spcBef>
+                <a:spcPct val="0"/>
+              </a:spcBef>
+              <a:spcAft>
+                <a:spcPct val="0"/>
+              </a:spcAft>
+              <a:defRPr kumimoji="1">
+                <a:solidFill>
+                  <a:schemeClr val="tx1"/>
+                </a:solidFill>
+                <a:latin typeface="Arial" panose="020B0604020202020204" pitchFamily="34" charset="0"/>
+                <a:ea typeface="ＭＳ Ｐゴシック" panose="020B0600070205080204" pitchFamily="50" charset="-128"/>
+              </a:defRPr>
+            </a:lvl7pPr>
+            <a:lvl8pPr marL="3429000" indent="-228600" eaLnBrk="0" fontAlgn="base" hangingPunct="0">
+              <a:spcBef>
+                <a:spcPct val="0"/>
+              </a:spcBef>
+              <a:spcAft>
+                <a:spcPct val="0"/>
+              </a:spcAft>
+              <a:defRPr kumimoji="1">
+                <a:solidFill>
+                  <a:schemeClr val="tx1"/>
+                </a:solidFill>
+                <a:latin typeface="Arial" panose="020B0604020202020204" pitchFamily="34" charset="0"/>
+                <a:ea typeface="ＭＳ Ｐゴシック" panose="020B0600070205080204" pitchFamily="50" charset="-128"/>
+              </a:defRPr>
+            </a:lvl8pPr>
+            <a:lvl9pPr marL="3886200" indent="-228600" eaLnBrk="0" fontAlgn="base" hangingPunct="0">
+              <a:spcBef>
+                <a:spcPct val="0"/>
+              </a:spcBef>
+              <a:spcAft>
+                <a:spcPct val="0"/>
+              </a:spcAft>
+              <a:defRPr kumimoji="1">
+                <a:solidFill>
+                  <a:schemeClr val="tx1"/>
+                </a:solidFill>
+                <a:latin typeface="Arial" panose="020B0604020202020204" pitchFamily="34" charset="0"/>
+                <a:ea typeface="ＭＳ Ｐゴシック" panose="020B0600070205080204" pitchFamily="50" charset="-128"/>
+              </a:defRPr>
+            </a:lvl9pPr>
+          </a:lstStyle>
+          <a:p>
+            <a:r>
+              <a:rPr lang="en-US" altLang="ja-JP" dirty="0"/>
+              <a:t>Don’t care</a:t>
+            </a:r>
+            <a:endParaRPr lang="ja-JP" altLang="en-US" dirty="0"/>
+          </a:p>
+        </p:txBody>
+      </p:sp>
+      <p:sp>
+        <p:nvSpPr>
+          <p:cNvPr id="25" name="テキスト ボックス 7"/>
+          <p:cNvSpPr txBox="1">
+            <a:spLocks noChangeArrowheads="1"/>
+          </p:cNvSpPr>
+          <p:nvPr/>
+        </p:nvSpPr>
+        <p:spPr bwMode="auto">
+          <a:xfrm>
+            <a:off x="3398403" y="6209431"/>
+            <a:ext cx="7204076" cy="369332"/>
+          </a:xfrm>
+          <a:prstGeom prst="rect">
+            <a:avLst/>
+          </a:prstGeom>
+          <a:noFill/>
+          <a:ln>
+            <a:noFill/>
+          </a:ln>
+          <a:extLst>
+            <a:ext uri="{909E8E84-426E-40DD-AFC4-6F175D3DCCD1}">
+              <a14:hiddenFill xmlns:a14="http://schemas.microsoft.com/office/drawing/2010/main">
+                <a:solidFill>
+                  <a:srgbClr val="FFFFFF"/>
+                </a:solidFill>
+              </a14:hiddenFill>
+            </a:ext>
+            <a:ext uri="{91240B29-F687-4F45-9708-019B960494DF}">
+              <a14:hiddenLine xmlns:a14="http://schemas.microsoft.com/office/drawing/2010/main" w="9525">
+                <a:solidFill>
+                  <a:srgbClr val="000000"/>
+                </a:solidFill>
+                <a:miter lim="800000"/>
+                <a:headEnd/>
+                <a:tailEnd/>
+              </a14:hiddenLine>
+            </a:ext>
+          </a:extLst>
+        </p:spPr>
+        <p:txBody>
+          <a:bodyPr wrap="square">
+            <a:spAutoFit/>
+          </a:bodyPr>
+          <a:lstStyle>
+            <a:lvl1pPr>
+              <a:defRPr kumimoji="1">
+                <a:solidFill>
+                  <a:schemeClr val="tx1"/>
+                </a:solidFill>
+                <a:latin typeface="Arial" panose="020B0604020202020204" pitchFamily="34" charset="0"/>
+                <a:ea typeface="ＭＳ Ｐゴシック" panose="020B0600070205080204" pitchFamily="50" charset="-128"/>
+              </a:defRPr>
+            </a:lvl1pPr>
+            <a:lvl2pPr marL="742950" indent="-285750">
+              <a:defRPr kumimoji="1">
+                <a:solidFill>
+                  <a:schemeClr val="tx1"/>
+                </a:solidFill>
+                <a:latin typeface="Arial" panose="020B0604020202020204" pitchFamily="34" charset="0"/>
+                <a:ea typeface="ＭＳ Ｐゴシック" panose="020B0600070205080204" pitchFamily="50" charset="-128"/>
+              </a:defRPr>
+            </a:lvl2pPr>
+            <a:lvl3pPr marL="1143000" indent="-228600">
+              <a:defRPr kumimoji="1">
+                <a:solidFill>
+                  <a:schemeClr val="tx1"/>
+                </a:solidFill>
+                <a:latin typeface="Arial" panose="020B0604020202020204" pitchFamily="34" charset="0"/>
+                <a:ea typeface="ＭＳ Ｐゴシック" panose="020B0600070205080204" pitchFamily="50" charset="-128"/>
+              </a:defRPr>
+            </a:lvl3pPr>
+            <a:lvl4pPr marL="1600200" indent="-228600">
+              <a:defRPr kumimoji="1">
+                <a:solidFill>
+                  <a:schemeClr val="tx1"/>
+                </a:solidFill>
+                <a:latin typeface="Arial" panose="020B0604020202020204" pitchFamily="34" charset="0"/>
+                <a:ea typeface="ＭＳ Ｐゴシック" panose="020B0600070205080204" pitchFamily="50" charset="-128"/>
+              </a:defRPr>
+            </a:lvl4pPr>
+            <a:lvl5pPr marL="2057400" indent="-228600">
+              <a:defRPr kumimoji="1">
+                <a:solidFill>
+                  <a:schemeClr val="tx1"/>
+                </a:solidFill>
+                <a:latin typeface="Arial" panose="020B0604020202020204" pitchFamily="34" charset="0"/>
+                <a:ea typeface="ＭＳ Ｐゴシック" panose="020B0600070205080204" pitchFamily="50" charset="-128"/>
+              </a:defRPr>
+            </a:lvl5pPr>
+            <a:lvl6pPr marL="2514600" indent="-228600" eaLnBrk="0" fontAlgn="base" hangingPunct="0">
+              <a:spcBef>
+                <a:spcPct val="0"/>
+              </a:spcBef>
+              <a:spcAft>
+                <a:spcPct val="0"/>
+              </a:spcAft>
+              <a:defRPr kumimoji="1">
+                <a:solidFill>
+                  <a:schemeClr val="tx1"/>
+                </a:solidFill>
+                <a:latin typeface="Arial" panose="020B0604020202020204" pitchFamily="34" charset="0"/>
+                <a:ea typeface="ＭＳ Ｐゴシック" panose="020B0600070205080204" pitchFamily="50" charset="-128"/>
+              </a:defRPr>
+            </a:lvl6pPr>
+            <a:lvl7pPr marL="2971800" indent="-228600" eaLnBrk="0" fontAlgn="base" hangingPunct="0">
+              <a:spcBef>
+                <a:spcPct val="0"/>
+              </a:spcBef>
+              <a:spcAft>
+                <a:spcPct val="0"/>
+              </a:spcAft>
+              <a:defRPr kumimoji="1">
+                <a:solidFill>
+                  <a:schemeClr val="tx1"/>
+                </a:solidFill>
+                <a:latin typeface="Arial" panose="020B0604020202020204" pitchFamily="34" charset="0"/>
+                <a:ea typeface="ＭＳ Ｐゴシック" panose="020B0600070205080204" pitchFamily="50" charset="-128"/>
+              </a:defRPr>
+            </a:lvl7pPr>
+            <a:lvl8pPr marL="3429000" indent="-228600" eaLnBrk="0" fontAlgn="base" hangingPunct="0">
+              <a:spcBef>
+                <a:spcPct val="0"/>
+              </a:spcBef>
+              <a:spcAft>
+                <a:spcPct val="0"/>
+              </a:spcAft>
+              <a:defRPr kumimoji="1">
+                <a:solidFill>
+                  <a:schemeClr val="tx1"/>
+                </a:solidFill>
+                <a:latin typeface="Arial" panose="020B0604020202020204" pitchFamily="34" charset="0"/>
+                <a:ea typeface="ＭＳ Ｐゴシック" panose="020B0600070205080204" pitchFamily="50" charset="-128"/>
+              </a:defRPr>
+            </a:lvl8pPr>
+            <a:lvl9pPr marL="3886200" indent="-228600" eaLnBrk="0" fontAlgn="base" hangingPunct="0">
+              <a:spcBef>
+                <a:spcPct val="0"/>
+              </a:spcBef>
+              <a:spcAft>
+                <a:spcPct val="0"/>
+              </a:spcAft>
+              <a:defRPr kumimoji="1">
+                <a:solidFill>
+                  <a:schemeClr val="tx1"/>
+                </a:solidFill>
+                <a:latin typeface="Arial" panose="020B0604020202020204" pitchFamily="34" charset="0"/>
+                <a:ea typeface="ＭＳ Ｐゴシック" panose="020B0600070205080204" pitchFamily="50" charset="-128"/>
+              </a:defRPr>
+            </a:lvl9pPr>
+          </a:lstStyle>
+          <a:p>
+            <a:r>
+              <a:rPr lang="ja-JP" altLang="en-US" dirty="0"/>
+              <a:t>の</a:t>
+            </a:r>
+            <a:r>
+              <a:rPr lang="en-US" altLang="ja-JP" dirty="0"/>
+              <a:t>4</a:t>
+            </a:r>
+            <a:r>
+              <a:rPr lang="ja-JP" altLang="en-US" dirty="0"/>
+              <a:t>種類のメンバシップ関数</a:t>
+            </a:r>
+            <a:endParaRPr lang="en-US" altLang="ja-JP" dirty="0"/>
+          </a:p>
+        </p:txBody>
+      </p:sp>
+    </p:spTree>
+    <p:extLst>
+      <p:ext uri="{BB962C8B-B14F-4D97-AF65-F5344CB8AC3E}">
+        <p14:creationId xmlns:p14="http://schemas.microsoft.com/office/powerpoint/2010/main" val="527724702"/>
+      </p:ext>
+    </p:extLst>
+  </p:cSld>
+  <p:clrMapOvr>
+    <a:masterClrMapping/>
+  </p:clrMapOvr>
+</p:sld>
+</file>
+
+<file path=ppt/slides/slide5.xml><?xml version="1.0" encoding="utf-8"?>
+<p:sld xmlns:a="http://schemas.openxmlformats.org/drawingml/2006/main" xmlns:r="http://schemas.openxmlformats.org/officeDocument/2006/relationships" xmlns:p="http://schemas.openxmlformats.org/presentationml/2006/main">
+  <p:cSld>
+    <p:spTree>
+      <p:nvGrpSpPr>
+        <p:cNvPr id="1" name=""/>
+        <p:cNvGrpSpPr/>
+        <p:nvPr/>
+      </p:nvGrpSpPr>
+      <p:grpSpPr>
+        <a:xfrm>
+          <a:off x="0" y="0"/>
+          <a:ext cx="0" cy="0"/>
+          <a:chOff x="0" y="0"/>
+          <a:chExt cx="0" cy="0"/>
+        </a:xfrm>
+      </p:grpSpPr>
+      <p:sp>
+        <p:nvSpPr>
+          <p:cNvPr id="2" name="タイトル 1"/>
+          <p:cNvSpPr>
+            <a:spLocks noGrp="1"/>
+          </p:cNvSpPr>
+          <p:nvPr>
+            <p:ph type="title"/>
+          </p:nvPr>
+        </p:nvSpPr>
+        <p:spPr/>
+        <p:txBody>
+          <a:bodyPr/>
+          <a:lstStyle/>
+          <a:p>
+            <a:r>
+              <a:rPr lang="en-US" altLang="ja-JP" dirty="0"/>
+              <a:t>If – then </a:t>
+            </a:r>
+            <a:r>
+              <a:rPr lang="ja-JP" altLang="en-US" dirty="0"/>
+              <a:t>ルール形式</a:t>
+            </a:r>
+            <a:endParaRPr kumimoji="1" lang="ja-JP" altLang="en-US" dirty="0"/>
+          </a:p>
+        </p:txBody>
+      </p:sp>
+      <p:sp>
+        <p:nvSpPr>
+          <p:cNvPr id="3" name="テキスト ボックス 2"/>
+          <p:cNvSpPr txBox="1"/>
+          <p:nvPr/>
+        </p:nvSpPr>
+        <p:spPr>
+          <a:xfrm>
+            <a:off x="1066800" y="2057400"/>
+            <a:ext cx="3506088" cy="646331"/>
+          </a:xfrm>
+          <a:prstGeom prst="rect">
+            <a:avLst/>
+          </a:prstGeom>
+          <a:noFill/>
+        </p:spPr>
+        <p:txBody>
+          <a:bodyPr wrap="none" rtlCol="0">
+            <a:spAutoFit/>
+          </a:bodyPr>
+          <a:lstStyle/>
+          <a:p>
+            <a:r>
+              <a:rPr kumimoji="1" lang="en-US" altLang="ja-JP" dirty="0"/>
+              <a:t>        If x1 is A1 and x2 is A2</a:t>
+            </a:r>
+          </a:p>
+          <a:p>
+            <a:r>
+              <a:rPr lang="en-US" altLang="ja-JP" dirty="0"/>
+              <a:t>	then Class is C with CF</a:t>
+            </a:r>
+            <a:endParaRPr kumimoji="1" lang="ja-JP" altLang="en-US" dirty="0"/>
+          </a:p>
+        </p:txBody>
+      </p:sp>
+      <p:sp>
+        <p:nvSpPr>
+          <p:cNvPr id="4" name="正方形/長方形 3"/>
+          <p:cNvSpPr/>
+          <p:nvPr/>
+        </p:nvSpPr>
+        <p:spPr>
+          <a:xfrm>
+            <a:off x="1600200" y="2057400"/>
+            <a:ext cx="2743200" cy="323165"/>
+          </a:xfrm>
+          <a:prstGeom prst="rect">
+            <a:avLst/>
+          </a:prstGeom>
+          <a:noFill/>
+          <a:ln>
+            <a:solidFill>
+              <a:srgbClr val="FF0000"/>
+            </a:solidFill>
+          </a:ln>
+        </p:spPr>
+        <p:style>
+          <a:lnRef idx="2">
+            <a:schemeClr val="accent1">
+              <a:shade val="50000"/>
+            </a:schemeClr>
+          </a:lnRef>
+          <a:fillRef idx="1">
+            <a:schemeClr val="accent1"/>
+          </a:fillRef>
+          <a:effectRef idx="0">
+            <a:schemeClr val="accent1"/>
+          </a:effectRef>
+          <a:fontRef idx="minor">
+            <a:schemeClr val="lt1"/>
+          </a:fontRef>
+        </p:style>
+        <p:txBody>
+          <a:bodyPr rtlCol="0" anchor="ctr"/>
+          <a:lstStyle/>
+          <a:p>
+            <a:pPr algn="ctr"/>
+            <a:endParaRPr kumimoji="1" lang="ja-JP" altLang="en-US"/>
+          </a:p>
+        </p:txBody>
+      </p:sp>
+      <p:sp>
+        <p:nvSpPr>
+          <p:cNvPr id="5" name="正方形/長方形 4"/>
+          <p:cNvSpPr/>
+          <p:nvPr/>
+        </p:nvSpPr>
+        <p:spPr>
+          <a:xfrm>
+            <a:off x="2052009" y="2420035"/>
+            <a:ext cx="2743200" cy="323165"/>
+          </a:xfrm>
+          <a:prstGeom prst="rect">
+            <a:avLst/>
+          </a:prstGeom>
+          <a:noFill/>
+          <a:ln>
+            <a:solidFill>
+              <a:schemeClr val="accent2"/>
+            </a:solidFill>
+          </a:ln>
+        </p:spPr>
+        <p:style>
+          <a:lnRef idx="2">
+            <a:schemeClr val="accent1">
+              <a:shade val="50000"/>
+            </a:schemeClr>
+          </a:lnRef>
+          <a:fillRef idx="1">
+            <a:schemeClr val="accent1"/>
+          </a:fillRef>
+          <a:effectRef idx="0">
+            <a:schemeClr val="accent1"/>
+          </a:effectRef>
+          <a:fontRef idx="minor">
+            <a:schemeClr val="lt1"/>
+          </a:fontRef>
+        </p:style>
+        <p:txBody>
+          <a:bodyPr rtlCol="0" anchor="ctr"/>
+          <a:lstStyle/>
+          <a:p>
+            <a:pPr algn="ctr"/>
+            <a:endParaRPr kumimoji="1" lang="ja-JP" altLang="en-US"/>
+          </a:p>
+        </p:txBody>
+      </p:sp>
+      <p:sp>
+        <p:nvSpPr>
+          <p:cNvPr id="6" name="テキスト ボックス 5"/>
+          <p:cNvSpPr txBox="1"/>
+          <p:nvPr/>
+        </p:nvSpPr>
+        <p:spPr>
+          <a:xfrm>
+            <a:off x="2554193" y="1715841"/>
+            <a:ext cx="877163" cy="369332"/>
+          </a:xfrm>
+          <a:prstGeom prst="rect">
+            <a:avLst/>
+          </a:prstGeom>
+          <a:noFill/>
+        </p:spPr>
+        <p:txBody>
+          <a:bodyPr wrap="none" rtlCol="0">
+            <a:spAutoFit/>
+          </a:bodyPr>
+          <a:lstStyle/>
+          <a:p>
+            <a:r>
+              <a:rPr lang="ja-JP" altLang="en-US" dirty="0"/>
+              <a:t>前件部</a:t>
+            </a:r>
+            <a:endParaRPr kumimoji="1" lang="ja-JP" altLang="en-US" dirty="0"/>
+          </a:p>
+        </p:txBody>
+      </p:sp>
+      <p:sp>
+        <p:nvSpPr>
+          <p:cNvPr id="7" name="テキスト ボックス 6"/>
+          <p:cNvSpPr txBox="1"/>
+          <p:nvPr/>
+        </p:nvSpPr>
+        <p:spPr>
+          <a:xfrm>
+            <a:off x="3124200" y="2703731"/>
+            <a:ext cx="877163" cy="369332"/>
+          </a:xfrm>
+          <a:prstGeom prst="rect">
+            <a:avLst/>
+          </a:prstGeom>
+          <a:noFill/>
+        </p:spPr>
+        <p:txBody>
+          <a:bodyPr wrap="none" rtlCol="0">
+            <a:spAutoFit/>
+          </a:bodyPr>
+          <a:lstStyle/>
+          <a:p>
+            <a:r>
+              <a:rPr lang="ja-JP" altLang="en-US" dirty="0"/>
+              <a:t>後件部</a:t>
+            </a:r>
+            <a:endParaRPr kumimoji="1" lang="ja-JP" altLang="en-US" dirty="0"/>
+          </a:p>
+        </p:txBody>
+      </p:sp>
+      <p:sp>
+        <p:nvSpPr>
+          <p:cNvPr id="8" name="テキスト ボックス 7"/>
+          <p:cNvSpPr txBox="1"/>
+          <p:nvPr/>
+        </p:nvSpPr>
+        <p:spPr>
+          <a:xfrm>
+            <a:off x="5444538" y="1900507"/>
+            <a:ext cx="3082960" cy="1200329"/>
+          </a:xfrm>
+          <a:prstGeom prst="rect">
+            <a:avLst/>
+          </a:prstGeom>
+          <a:noFill/>
+        </p:spPr>
+        <p:txBody>
+          <a:bodyPr wrap="none" rtlCol="0">
+            <a:spAutoFit/>
+          </a:bodyPr>
+          <a:lstStyle/>
+          <a:p>
+            <a:r>
+              <a:rPr kumimoji="1" lang="en-US" altLang="ja-JP" dirty="0"/>
+              <a:t>(x1 , x2) : </a:t>
+            </a:r>
+            <a:r>
+              <a:rPr kumimoji="1" lang="ja-JP" altLang="en-US" dirty="0"/>
+              <a:t>入力データ</a:t>
+            </a:r>
+            <a:endParaRPr kumimoji="1" lang="en-US" altLang="ja-JP" dirty="0"/>
+          </a:p>
+          <a:p>
+            <a:r>
+              <a:rPr lang="en-US" altLang="ja-JP" dirty="0"/>
+              <a:t>(A1, A2) : </a:t>
+            </a:r>
+            <a:r>
+              <a:rPr lang="ja-JP" altLang="en-US" dirty="0"/>
+              <a:t>条件部ファジィ集合</a:t>
+            </a:r>
+            <a:endParaRPr lang="en-US" altLang="ja-JP" dirty="0"/>
+          </a:p>
+          <a:p>
+            <a:r>
+              <a:rPr kumimoji="1" lang="en-US" altLang="ja-JP" dirty="0"/>
+              <a:t>C : </a:t>
+            </a:r>
+            <a:r>
+              <a:rPr kumimoji="1" lang="ja-JP" altLang="en-US" dirty="0"/>
+              <a:t>結論部クラス</a:t>
+            </a:r>
+            <a:endParaRPr kumimoji="1" lang="en-US" altLang="ja-JP" dirty="0"/>
+          </a:p>
+          <a:p>
+            <a:r>
+              <a:rPr lang="en-US" altLang="ja-JP" dirty="0"/>
+              <a:t>CF : </a:t>
+            </a:r>
+            <a:r>
+              <a:rPr lang="ja-JP" altLang="en-US" dirty="0"/>
+              <a:t>ルール重み</a:t>
+            </a:r>
+            <a:endParaRPr kumimoji="1" lang="ja-JP" altLang="en-US" dirty="0"/>
+          </a:p>
+        </p:txBody>
+      </p:sp>
+      <p:sp>
+        <p:nvSpPr>
+          <p:cNvPr id="9" name="テキスト ボックス 8"/>
+          <p:cNvSpPr txBox="1"/>
+          <p:nvPr/>
+        </p:nvSpPr>
+        <p:spPr>
+          <a:xfrm>
+            <a:off x="84083" y="3616228"/>
+            <a:ext cx="9175910" cy="369332"/>
+          </a:xfrm>
+          <a:prstGeom prst="rect">
+            <a:avLst/>
+          </a:prstGeom>
+          <a:noFill/>
+        </p:spPr>
+        <p:txBody>
+          <a:bodyPr wrap="none" rtlCol="0">
+            <a:spAutoFit/>
+          </a:bodyPr>
+          <a:lstStyle/>
+          <a:p>
+            <a:r>
+              <a:rPr lang="ja-JP" altLang="en-US" dirty="0"/>
+              <a:t>条件部ファジィ集合の要素には、「</a:t>
+            </a:r>
+            <a:r>
+              <a:rPr lang="en-US" altLang="ja-JP" dirty="0"/>
+              <a:t>small</a:t>
+            </a:r>
+            <a:r>
+              <a:rPr lang="ja-JP" altLang="en-US" dirty="0"/>
+              <a:t>」「</a:t>
+            </a:r>
+            <a:r>
+              <a:rPr lang="en-US" altLang="ja-JP" dirty="0"/>
+              <a:t>medium</a:t>
+            </a:r>
+            <a:r>
+              <a:rPr lang="ja-JP" altLang="en-US" dirty="0"/>
+              <a:t>」「</a:t>
+            </a:r>
+            <a:r>
+              <a:rPr lang="en-US" altLang="ja-JP" dirty="0"/>
+              <a:t>large</a:t>
+            </a:r>
+            <a:r>
+              <a:rPr lang="ja-JP" altLang="en-US" dirty="0"/>
+              <a:t>」「</a:t>
+            </a:r>
+            <a:r>
+              <a:rPr lang="en-US" altLang="ja-JP" dirty="0"/>
+              <a:t>don’t care</a:t>
+            </a:r>
+            <a:r>
+              <a:rPr lang="ja-JP" altLang="en-US" dirty="0"/>
+              <a:t>」のいずれかが入る</a:t>
+            </a:r>
+            <a:endParaRPr kumimoji="1" lang="ja-JP" altLang="en-US" dirty="0"/>
+          </a:p>
+        </p:txBody>
+      </p:sp>
+      <p:sp>
+        <p:nvSpPr>
+          <p:cNvPr id="10" name="テキスト ボックス 9"/>
+          <p:cNvSpPr txBox="1"/>
+          <p:nvPr/>
+        </p:nvSpPr>
+        <p:spPr>
+          <a:xfrm>
+            <a:off x="989961" y="5261731"/>
+            <a:ext cx="6022803" cy="369332"/>
+          </a:xfrm>
+          <a:prstGeom prst="rect">
+            <a:avLst/>
+          </a:prstGeom>
+          <a:noFill/>
+        </p:spPr>
+        <p:txBody>
+          <a:bodyPr wrap="none" rtlCol="0">
+            <a:spAutoFit/>
+          </a:bodyPr>
+          <a:lstStyle/>
+          <a:p>
+            <a:r>
+              <a:rPr kumimoji="1" lang="ja-JP" altLang="en-US" dirty="0"/>
+              <a:t>このルールを複数集めたルール集合が</a:t>
+            </a:r>
+            <a:r>
+              <a:rPr kumimoji="1" lang="ja-JP" altLang="en-US" dirty="0">
+                <a:solidFill>
+                  <a:srgbClr val="FF0000"/>
+                </a:solidFill>
+              </a:rPr>
+              <a:t>ファジィ識別器</a:t>
+            </a:r>
+            <a:r>
+              <a:rPr kumimoji="1" lang="ja-JP" altLang="en-US" dirty="0"/>
+              <a:t>である</a:t>
+            </a:r>
+          </a:p>
+        </p:txBody>
+      </p:sp>
+    </p:spTree>
+    <p:extLst>
+      <p:ext uri="{BB962C8B-B14F-4D97-AF65-F5344CB8AC3E}">
+        <p14:creationId xmlns:p14="http://schemas.microsoft.com/office/powerpoint/2010/main" val="1128790264"/>
+      </p:ext>
+    </p:extLst>
   </p:cSld>
   <p:clrMapOvr>
     <a:masterClrMapping/>
